--- a/AkkaForMicroService.pptx
+++ b/AkkaForMicroService.pptx
@@ -2,7 +2,7 @@
 <file path=ppt/presentation.xml><?xml version="1.0" encoding="utf-8"?>
 <p:presentation xmlns:a="http://schemas.openxmlformats.org/drawingml/2006/main" xmlns:r="http://schemas.openxmlformats.org/officeDocument/2006/relationships" xmlns:p="http://schemas.openxmlformats.org/presentationml/2006/main" saveSubsetFonts="1">
   <p:sldMasterIdLst>
-    <p:sldMasterId id="2147483660" r:id="rId1"/>
+    <p:sldMasterId id="2147483672" r:id="rId1"/>
   </p:sldMasterIdLst>
   <p:sldIdLst>
     <p:sldId id="256" r:id="rId2"/>
@@ -23,7 +23,7 @@
     <a:defPPr>
       <a:defRPr lang="en-US"/>
     </a:defPPr>
-    <a:lvl1pPr marL="0" algn="l" defTabSz="914400" rtl="0" eaLnBrk="1" latinLnBrk="0" hangingPunct="1">
+    <a:lvl1pPr marL="0" algn="l" defTabSz="457200" rtl="0" eaLnBrk="1" latinLnBrk="0" hangingPunct="1">
       <a:defRPr sz="1800" kern="1200">
         <a:solidFill>
           <a:schemeClr val="tx1"/>
@@ -33,7 +33,7 @@
         <a:cs typeface="+mn-cs"/>
       </a:defRPr>
     </a:lvl1pPr>
-    <a:lvl2pPr marL="457200" algn="l" defTabSz="914400" rtl="0" eaLnBrk="1" latinLnBrk="0" hangingPunct="1">
+    <a:lvl2pPr marL="457200" algn="l" defTabSz="457200" rtl="0" eaLnBrk="1" latinLnBrk="0" hangingPunct="1">
       <a:defRPr sz="1800" kern="1200">
         <a:solidFill>
           <a:schemeClr val="tx1"/>
@@ -43,7 +43,7 @@
         <a:cs typeface="+mn-cs"/>
       </a:defRPr>
     </a:lvl2pPr>
-    <a:lvl3pPr marL="914400" algn="l" defTabSz="914400" rtl="0" eaLnBrk="1" latinLnBrk="0" hangingPunct="1">
+    <a:lvl3pPr marL="914400" algn="l" defTabSz="457200" rtl="0" eaLnBrk="1" latinLnBrk="0" hangingPunct="1">
       <a:defRPr sz="1800" kern="1200">
         <a:solidFill>
           <a:schemeClr val="tx1"/>
@@ -53,7 +53,7 @@
         <a:cs typeface="+mn-cs"/>
       </a:defRPr>
     </a:lvl3pPr>
-    <a:lvl4pPr marL="1371600" algn="l" defTabSz="914400" rtl="0" eaLnBrk="1" latinLnBrk="0" hangingPunct="1">
+    <a:lvl4pPr marL="1371600" algn="l" defTabSz="457200" rtl="0" eaLnBrk="1" latinLnBrk="0" hangingPunct="1">
       <a:defRPr sz="1800" kern="1200">
         <a:solidFill>
           <a:schemeClr val="tx1"/>
@@ -63,7 +63,7 @@
         <a:cs typeface="+mn-cs"/>
       </a:defRPr>
     </a:lvl4pPr>
-    <a:lvl5pPr marL="1828800" algn="l" defTabSz="914400" rtl="0" eaLnBrk="1" latinLnBrk="0" hangingPunct="1">
+    <a:lvl5pPr marL="1828800" algn="l" defTabSz="457200" rtl="0" eaLnBrk="1" latinLnBrk="0" hangingPunct="1">
       <a:defRPr sz="1800" kern="1200">
         <a:solidFill>
           <a:schemeClr val="tx1"/>
@@ -73,7 +73,7 @@
         <a:cs typeface="+mn-cs"/>
       </a:defRPr>
     </a:lvl5pPr>
-    <a:lvl6pPr marL="2286000" algn="l" defTabSz="914400" rtl="0" eaLnBrk="1" latinLnBrk="0" hangingPunct="1">
+    <a:lvl6pPr marL="2286000" algn="l" defTabSz="457200" rtl="0" eaLnBrk="1" latinLnBrk="0" hangingPunct="1">
       <a:defRPr sz="1800" kern="1200">
         <a:solidFill>
           <a:schemeClr val="tx1"/>
@@ -83,7 +83,7 @@
         <a:cs typeface="+mn-cs"/>
       </a:defRPr>
     </a:lvl6pPr>
-    <a:lvl7pPr marL="2743200" algn="l" defTabSz="914400" rtl="0" eaLnBrk="1" latinLnBrk="0" hangingPunct="1">
+    <a:lvl7pPr marL="2743200" algn="l" defTabSz="457200" rtl="0" eaLnBrk="1" latinLnBrk="0" hangingPunct="1">
       <a:defRPr sz="1800" kern="1200">
         <a:solidFill>
           <a:schemeClr val="tx1"/>
@@ -93,7 +93,7 @@
         <a:cs typeface="+mn-cs"/>
       </a:defRPr>
     </a:lvl7pPr>
-    <a:lvl8pPr marL="3200400" algn="l" defTabSz="914400" rtl="0" eaLnBrk="1" latinLnBrk="0" hangingPunct="1">
+    <a:lvl8pPr marL="3200400" algn="l" defTabSz="457200" rtl="0" eaLnBrk="1" latinLnBrk="0" hangingPunct="1">
       <a:defRPr sz="1800" kern="1200">
         <a:solidFill>
           <a:schemeClr val="tx1"/>
@@ -103,7 +103,7 @@
         <a:cs typeface="+mn-cs"/>
       </a:defRPr>
     </a:lvl8pPr>
-    <a:lvl9pPr marL="3657600" algn="l" defTabSz="914400" rtl="0" eaLnBrk="1" latinLnBrk="0" hangingPunct="1">
+    <a:lvl9pPr marL="3657600" algn="l" defTabSz="457200" rtl="0" eaLnBrk="1" latinLnBrk="0" hangingPunct="1">
       <a:defRPr sz="1800" kern="1200">
         <a:solidFill>
           <a:schemeClr val="tx1"/>
@@ -114,7 +114,35 @@
       </a:defRPr>
     </a:lvl9pPr>
   </p:defaultTextStyle>
+  <p:extLst>
+    <p:ext uri="{EFAFB233-063F-42B5-8137-9DF3F51BA10A}">
+      <p15:sldGuideLst xmlns:p15="http://schemas.microsoft.com/office/powerpoint/2012/main">
+        <p15:guide id="1" orient="horz" pos="2160">
+          <p15:clr>
+            <a:srgbClr val="A4A3A4"/>
+          </p15:clr>
+        </p15:guide>
+        <p15:guide id="2" pos="2880">
+          <p15:clr>
+            <a:srgbClr val="A4A3A4"/>
+          </p15:clr>
+        </p15:guide>
+      </p15:sldGuideLst>
+    </p:ext>
+  </p:extLst>
 </p:presentation>
+</file>
+
+<file path=ppt/commentAuthors.xml><?xml version="1.0" encoding="utf-8"?>
+<p:cmAuthorLst xmlns:a="http://schemas.openxmlformats.org/drawingml/2006/main" xmlns:r="http://schemas.openxmlformats.org/officeDocument/2006/relationships" xmlns:p="http://schemas.openxmlformats.org/presentationml/2006/main">
+  <p:cmAuthor id="1" name="박상만" initials="박" lastIdx="1" clrIdx="0">
+    <p:extLst>
+      <p:ext uri="{19B8F6BF-5375-455C-9EA6-DF929625EA0E}">
+        <p15:presenceInfo xmlns:p15="http://schemas.microsoft.com/office/powerpoint/2012/main" userId="박상만" providerId="None"/>
+      </p:ext>
+    </p:extLst>
+  </p:cmAuthor>
+</p:cmAuthorLst>
 </file>
 
 <file path=ppt/slideLayouts/slideLayout1.xml><?xml version="1.0" encoding="utf-8"?>
@@ -134,59 +162,199 @@
           <a:chExt cx="0" cy="0"/>
         </a:xfrm>
       </p:grpSpPr>
-      <p:sp>
-        <p:nvSpPr>
-          <p:cNvPr id="7" name="직선 연결선 6"/>
-          <p:cNvSpPr>
-            <a:spLocks noChangeShapeType="1"/>
-          </p:cNvSpPr>
+      <p:grpSp>
+        <p:nvGrpSpPr>
+          <p:cNvPr id="16" name="Group 15"/>
+          <p:cNvGrpSpPr/>
           <p:nvPr/>
-        </p:nvSpPr>
-        <p:spPr bwMode="auto">
+        </p:nvGrpSpPr>
+        <p:grpSpPr>
           <a:xfrm>
-            <a:off x="514350" y="5349902"/>
-            <a:ext cx="8629650" cy="2381"/>
+            <a:off x="4334933" y="1169931"/>
+            <a:ext cx="4814835" cy="4993802"/>
+            <a:chOff x="4334933" y="1169931"/>
+            <a:chExt cx="4814835" cy="4993802"/>
           </a:xfrm>
-          <a:prstGeom prst="line">
-            <a:avLst/>
-          </a:prstGeom>
-          <a:noFill/>
-          <a:ln w="9525" cap="flat" cmpd="sng" algn="ctr">
-            <a:gradFill flip="none" rotWithShape="1">
-              <a:gsLst>
-                <a:gs pos="0">
-                  <a:schemeClr val="accent1">
-                    <a:alpha val="0"/>
-                  </a:schemeClr>
-                </a:gs>
-                <a:gs pos="17000">
-                  <a:schemeClr val="accent1"/>
-                </a:gs>
-                <a:gs pos="100000">
-                  <a:schemeClr val="accent1"/>
-                </a:gs>
-              </a:gsLst>
-              <a:lin ang="0" scaled="1"/>
-              <a:tileRect/>
-            </a:gradFill>
-            <a:prstDash val="solid"/>
-            <a:round/>
-            <a:headEnd type="none" w="med" len="med"/>
-            <a:tailEnd type="none" w="med" len="med"/>
-          </a:ln>
-          <a:effectLst/>
-        </p:spPr>
-        <p:txBody>
-          <a:bodyPr vert="horz" wrap="square" lIns="91440" tIns="45720" rIns="91440" bIns="45720" anchor="t" compatLnSpc="1"/>
-          <a:lstStyle/>
-          <a:p>
-            <a:endParaRPr kumimoji="0" lang="en-US"/>
-          </a:p>
-        </p:txBody>
-      </p:sp>
-      <p:sp>
-        <p:nvSpPr>
-          <p:cNvPr id="29" name="제목 28"/>
+        </p:grpSpPr>
+        <p:cxnSp>
+          <p:nvCxnSpPr>
+            <p:cNvPr id="17" name="Straight Connector 16"/>
+            <p:cNvCxnSpPr/>
+            <p:nvPr/>
+          </p:nvCxnSpPr>
+          <p:spPr>
+            <a:xfrm flipH="1">
+              <a:off x="6009259" y="1169931"/>
+              <a:ext cx="3134741" cy="3134741"/>
+            </a:xfrm>
+            <a:prstGeom prst="line">
+              <a:avLst/>
+            </a:prstGeom>
+            <a:ln w="12700">
+              <a:solidFill>
+                <a:schemeClr val="tx1"/>
+              </a:solidFill>
+            </a:ln>
+          </p:spPr>
+          <p:style>
+            <a:lnRef idx="2">
+              <a:schemeClr val="accent1"/>
+            </a:lnRef>
+            <a:fillRef idx="0">
+              <a:schemeClr val="accent1"/>
+            </a:fillRef>
+            <a:effectRef idx="1">
+              <a:schemeClr val="accent1"/>
+            </a:effectRef>
+            <a:fontRef idx="minor">
+              <a:schemeClr val="tx1"/>
+            </a:fontRef>
+          </p:style>
+        </p:cxnSp>
+        <p:cxnSp>
+          <p:nvCxnSpPr>
+            <p:cNvPr id="19" name="Straight Connector 18"/>
+            <p:cNvCxnSpPr/>
+            <p:nvPr/>
+          </p:nvCxnSpPr>
+          <p:spPr>
+            <a:xfrm flipH="1">
+              <a:off x="4334933" y="1348898"/>
+              <a:ext cx="4814835" cy="4814835"/>
+            </a:xfrm>
+            <a:prstGeom prst="line">
+              <a:avLst/>
+            </a:prstGeom>
+            <a:ln w="12700">
+              <a:solidFill>
+                <a:schemeClr val="tx1"/>
+              </a:solidFill>
+            </a:ln>
+          </p:spPr>
+          <p:style>
+            <a:lnRef idx="2">
+              <a:schemeClr val="accent1"/>
+            </a:lnRef>
+            <a:fillRef idx="0">
+              <a:schemeClr val="accent1"/>
+            </a:fillRef>
+            <a:effectRef idx="1">
+              <a:schemeClr val="accent1"/>
+            </a:effectRef>
+            <a:fontRef idx="minor">
+              <a:schemeClr val="tx1"/>
+            </a:fontRef>
+          </p:style>
+        </p:cxnSp>
+        <p:cxnSp>
+          <p:nvCxnSpPr>
+            <p:cNvPr id="21" name="Straight Connector 20"/>
+            <p:cNvCxnSpPr/>
+            <p:nvPr/>
+          </p:nvCxnSpPr>
+          <p:spPr>
+            <a:xfrm flipH="1">
+              <a:off x="5225595" y="1469269"/>
+              <a:ext cx="3912054" cy="3912054"/>
+            </a:xfrm>
+            <a:prstGeom prst="line">
+              <a:avLst/>
+            </a:prstGeom>
+            <a:ln w="12700">
+              <a:solidFill>
+                <a:schemeClr val="tx1"/>
+              </a:solidFill>
+            </a:ln>
+          </p:spPr>
+          <p:style>
+            <a:lnRef idx="2">
+              <a:schemeClr val="accent1"/>
+            </a:lnRef>
+            <a:fillRef idx="0">
+              <a:schemeClr val="accent1"/>
+            </a:fillRef>
+            <a:effectRef idx="1">
+              <a:schemeClr val="accent1"/>
+            </a:effectRef>
+            <a:fontRef idx="minor">
+              <a:schemeClr val="tx1"/>
+            </a:fontRef>
+          </p:style>
+        </p:cxnSp>
+        <p:cxnSp>
+          <p:nvCxnSpPr>
+            <p:cNvPr id="22" name="Straight Connector 21"/>
+            <p:cNvCxnSpPr/>
+            <p:nvPr/>
+          </p:nvCxnSpPr>
+          <p:spPr>
+            <a:xfrm flipH="1">
+              <a:off x="5304588" y="1307856"/>
+              <a:ext cx="3839412" cy="3839412"/>
+            </a:xfrm>
+            <a:prstGeom prst="line">
+              <a:avLst/>
+            </a:prstGeom>
+            <a:ln w="31750">
+              <a:solidFill>
+                <a:schemeClr val="tx1"/>
+              </a:solidFill>
+            </a:ln>
+          </p:spPr>
+          <p:style>
+            <a:lnRef idx="2">
+              <a:schemeClr val="accent1"/>
+            </a:lnRef>
+            <a:fillRef idx="0">
+              <a:schemeClr val="accent1"/>
+            </a:fillRef>
+            <a:effectRef idx="1">
+              <a:schemeClr val="accent1"/>
+            </a:effectRef>
+            <a:fontRef idx="minor">
+              <a:schemeClr val="tx1"/>
+            </a:fontRef>
+          </p:style>
+        </p:cxnSp>
+        <p:cxnSp>
+          <p:nvCxnSpPr>
+            <p:cNvPr id="23" name="Straight Connector 22"/>
+            <p:cNvCxnSpPr/>
+            <p:nvPr/>
+          </p:nvCxnSpPr>
+          <p:spPr>
+            <a:xfrm flipH="1">
+              <a:off x="5707078" y="1770196"/>
+              <a:ext cx="3430571" cy="3430570"/>
+            </a:xfrm>
+            <a:prstGeom prst="line">
+              <a:avLst/>
+            </a:prstGeom>
+            <a:ln w="31750">
+              <a:solidFill>
+                <a:schemeClr val="tx1"/>
+              </a:solidFill>
+            </a:ln>
+          </p:spPr>
+          <p:style>
+            <a:lnRef idx="2">
+              <a:schemeClr val="accent1"/>
+            </a:lnRef>
+            <a:fillRef idx="0">
+              <a:schemeClr val="accent1"/>
+            </a:fillRef>
+            <a:effectRef idx="1">
+              <a:schemeClr val="accent1"/>
+            </a:effectRef>
+            <a:fontRef idx="minor">
+              <a:schemeClr val="tx1"/>
+            </a:fontRef>
+          </p:style>
+        </p:cxnSp>
+      </p:grpSp>
+      <p:sp>
+        <p:nvSpPr>
+          <p:cNvPr id="2" name="Title 1"/>
           <p:cNvSpPr>
             <a:spLocks noGrp="1"/>
           </p:cNvSpPr>
@@ -196,25 +364,33 @@
         </p:nvSpPr>
         <p:spPr>
           <a:xfrm>
-            <a:off x="381000" y="4853411"/>
-            <a:ext cx="8458200" cy="1222375"/>
+            <a:off x="533400" y="533400"/>
+            <a:ext cx="6154713" cy="3124201"/>
           </a:xfrm>
         </p:spPr>
         <p:txBody>
-          <a:bodyPr anchor="t"/>
-          <a:lstStyle/>
-          <a:p>
-            <a:r>
-              <a:rPr kumimoji="0" lang="ko-KR" altLang="en-US" smtClean="0"/>
+          <a:bodyPr anchor="b">
+            <a:normAutofit/>
+          </a:bodyPr>
+          <a:lstStyle>
+            <a:lvl1pPr algn="l">
+              <a:defRPr sz="4400">
+                <a:effectLst/>
+              </a:defRPr>
+            </a:lvl1pPr>
+          </a:lstStyle>
+          <a:p>
+            <a:r>
+              <a:rPr lang="ko-KR" altLang="en-US" smtClean="0"/>
               <a:t>마스터 제목 스타일 편집</a:t>
             </a:r>
-            <a:endParaRPr kumimoji="0" lang="en-US"/>
-          </a:p>
-        </p:txBody>
-      </p:sp>
-      <p:sp>
-        <p:nvSpPr>
-          <p:cNvPr id="9" name="부제목 8"/>
+            <a:endParaRPr lang="en-US" dirty="0"/>
+          </a:p>
+        </p:txBody>
+      </p:sp>
+      <p:sp>
+        <p:nvSpPr>
+          <p:cNvPr id="3" name="Subtitle 2"/>
           <p:cNvSpPr>
             <a:spLocks noGrp="1"/>
           </p:cNvSpPr>
@@ -224,60 +400,118 @@
         </p:nvSpPr>
         <p:spPr>
           <a:xfrm>
-            <a:off x="381000" y="3886200"/>
-            <a:ext cx="8458200" cy="914400"/>
+            <a:off x="533400" y="3843868"/>
+            <a:ext cx="4954250" cy="1913466"/>
           </a:xfrm>
         </p:spPr>
         <p:txBody>
-          <a:bodyPr anchor="b"/>
+          <a:bodyPr anchor="t">
+            <a:normAutofit/>
+          </a:bodyPr>
           <a:lstStyle>
             <a:lvl1pPr marL="0" indent="0" algn="l">
               <a:buNone/>
-              <a:defRPr sz="2400">
+              <a:defRPr sz="2000">
                 <a:solidFill>
-                  <a:schemeClr val="tx2">
-                    <a:shade val="75000"/>
+                  <a:schemeClr val="bg2">
+                    <a:lumMod val="75000"/>
                   </a:schemeClr>
                 </a:solidFill>
               </a:defRPr>
             </a:lvl1pPr>
             <a:lvl2pPr marL="457200" indent="0" algn="ctr">
               <a:buNone/>
+              <a:defRPr>
+                <a:solidFill>
+                  <a:schemeClr val="tx1">
+                    <a:tint val="75000"/>
+                  </a:schemeClr>
+                </a:solidFill>
+              </a:defRPr>
             </a:lvl2pPr>
             <a:lvl3pPr marL="914400" indent="0" algn="ctr">
               <a:buNone/>
+              <a:defRPr>
+                <a:solidFill>
+                  <a:schemeClr val="tx1">
+                    <a:tint val="75000"/>
+                  </a:schemeClr>
+                </a:solidFill>
+              </a:defRPr>
             </a:lvl3pPr>
             <a:lvl4pPr marL="1371600" indent="0" algn="ctr">
               <a:buNone/>
+              <a:defRPr>
+                <a:solidFill>
+                  <a:schemeClr val="tx1">
+                    <a:tint val="75000"/>
+                  </a:schemeClr>
+                </a:solidFill>
+              </a:defRPr>
             </a:lvl4pPr>
             <a:lvl5pPr marL="1828800" indent="0" algn="ctr">
               <a:buNone/>
+              <a:defRPr>
+                <a:solidFill>
+                  <a:schemeClr val="tx1">
+                    <a:tint val="75000"/>
+                  </a:schemeClr>
+                </a:solidFill>
+              </a:defRPr>
             </a:lvl5pPr>
             <a:lvl6pPr marL="2286000" indent="0" algn="ctr">
               <a:buNone/>
+              <a:defRPr>
+                <a:solidFill>
+                  <a:schemeClr val="tx1">
+                    <a:tint val="75000"/>
+                  </a:schemeClr>
+                </a:solidFill>
+              </a:defRPr>
             </a:lvl6pPr>
             <a:lvl7pPr marL="2743200" indent="0" algn="ctr">
               <a:buNone/>
+              <a:defRPr>
+                <a:solidFill>
+                  <a:schemeClr val="tx1">
+                    <a:tint val="75000"/>
+                  </a:schemeClr>
+                </a:solidFill>
+              </a:defRPr>
             </a:lvl7pPr>
             <a:lvl8pPr marL="3200400" indent="0" algn="ctr">
               <a:buNone/>
+              <a:defRPr>
+                <a:solidFill>
+                  <a:schemeClr val="tx1">
+                    <a:tint val="75000"/>
+                  </a:schemeClr>
+                </a:solidFill>
+              </a:defRPr>
             </a:lvl8pPr>
             <a:lvl9pPr marL="3657600" indent="0" algn="ctr">
               <a:buNone/>
+              <a:defRPr>
+                <a:solidFill>
+                  <a:schemeClr val="tx1">
+                    <a:tint val="75000"/>
+                  </a:schemeClr>
+                </a:solidFill>
+              </a:defRPr>
             </a:lvl9pPr>
           </a:lstStyle>
           <a:p>
             <a:r>
-              <a:rPr kumimoji="0" lang="ko-KR" altLang="en-US" smtClean="0"/>
-              <a:t>마스터 부제목 스타일 편집</a:t>
-            </a:r>
-            <a:endParaRPr kumimoji="0" lang="en-US"/>
-          </a:p>
-        </p:txBody>
-      </p:sp>
-      <p:sp>
-        <p:nvSpPr>
-          <p:cNvPr id="16" name="날짜 개체 틀 15"/>
+              <a:rPr lang="ko-KR" altLang="en-US" smtClean="0"/>
+              <a:t>클릭하여 마스터 부제목 스타일 편집</a:t>
+            </a:r>
+            <a:endParaRPr lang="en-US" dirty="0"/>
+          </a:p>
+        </p:txBody>
+      </p:sp>
+      <p:sp>
+        <p:nvSpPr>
+          <p:cNvPr id="4" name="Date Placeholder 3"/>
           <p:cNvSpPr>
             <a:spLocks noGrp="1"/>
           </p:cNvSpPr>
@@ -293,7 +527,7 @@
             <a:fld id="{74CBEAF9-9E58-4CC8-A6FF-6DD8A58DEEA4}" type="datetimeFigureOut">
               <a:rPr lang="en-US" smtClean="0"/>
               <a:pPr/>
-              <a:t>4/26/2017</a:t>
+              <a:t>4/27/2017</a:t>
             </a:fld>
             <a:endParaRPr lang="en-US"/>
           </a:p>
@@ -301,7 +535,7 @@
       </p:sp>
       <p:sp>
         <p:nvSpPr>
-          <p:cNvPr id="2" name="바닥글 개체 틀 1"/>
+          <p:cNvPr id="5" name="Footer Placeholder 4"/>
           <p:cNvSpPr>
             <a:spLocks noGrp="1"/>
           </p:cNvSpPr>
@@ -320,7 +554,7 @@
       </p:sp>
       <p:sp>
         <p:nvSpPr>
-          <p:cNvPr id="15" name="슬라이드 번호 개체 틀 14"/>
+          <p:cNvPr id="6" name="Slide Number Placeholder 5"/>
           <p:cNvSpPr>
             <a:spLocks noGrp="1"/>
           </p:cNvSpPr>
@@ -328,12 +562,7 @@
             <p:ph type="sldNum" sz="quarter" idx="12"/>
           </p:nvPr>
         </p:nvSpPr>
-        <p:spPr>
-          <a:xfrm>
-            <a:off x="8229600" y="6473952"/>
-            <a:ext cx="758952" cy="246888"/>
-          </a:xfrm>
-        </p:spPr>
+        <p:spPr/>
         <p:txBody>
           <a:bodyPr/>
           <a:lstStyle/>
@@ -348,6 +577,11 @@
         </p:txBody>
       </p:sp>
     </p:spTree>
+    <p:extLst>
+      <p:ext uri="{BB962C8B-B14F-4D97-AF65-F5344CB8AC3E}">
+        <p14:creationId xmlns:p14="http://schemas.microsoft.com/office/powerpoint/2010/main" val="867339719"/>
+      </p:ext>
+    </p:extLst>
   </p:cSld>
   <p:clrMapOvr>
     <a:masterClrMapping/>
@@ -356,6 +590,1949 @@
 </file>
 
 <file path=ppt/slideLayouts/slideLayout10.xml><?xml version="1.0" encoding="utf-8"?>
+<p:sldLayout xmlns:a="http://schemas.openxmlformats.org/drawingml/2006/main" xmlns:r="http://schemas.openxmlformats.org/officeDocument/2006/relationships" xmlns:p="http://schemas.openxmlformats.org/presentationml/2006/main" preserve="1">
+  <p:cSld name="캡션 있는 파노라마 그림">
+    <p:spTree>
+      <p:nvGrpSpPr>
+        <p:cNvPr id="1" name=""/>
+        <p:cNvGrpSpPr/>
+        <p:nvPr/>
+      </p:nvGrpSpPr>
+      <p:grpSpPr>
+        <a:xfrm>
+          <a:off x="0" y="0"/>
+          <a:ext cx="0" cy="0"/>
+          <a:chOff x="0" y="0"/>
+          <a:chExt cx="0" cy="0"/>
+        </a:xfrm>
+      </p:grpSpPr>
+      <p:sp>
+        <p:nvSpPr>
+          <p:cNvPr id="2" name="Title 1"/>
+          <p:cNvSpPr>
+            <a:spLocks noGrp="1"/>
+          </p:cNvSpPr>
+          <p:nvPr>
+            <p:ph type="title"/>
+          </p:nvPr>
+        </p:nvSpPr>
+        <p:spPr>
+          <a:xfrm>
+            <a:off x="533400" y="4495800"/>
+            <a:ext cx="6554867" cy="1524000"/>
+          </a:xfrm>
+        </p:spPr>
+        <p:txBody>
+          <a:bodyPr/>
+          <a:lstStyle/>
+          <a:p>
+            <a:r>
+              <a:rPr lang="ko-KR" altLang="en-US" smtClean="0"/>
+              <a:t>마스터 제목 스타일 편집</a:t>
+            </a:r>
+            <a:endParaRPr lang="en-US" dirty="0"/>
+          </a:p>
+        </p:txBody>
+      </p:sp>
+      <p:sp>
+        <p:nvSpPr>
+          <p:cNvPr id="6" name="Picture Placeholder 2"/>
+          <p:cNvSpPr>
+            <a:spLocks noGrp="1" noChangeAspect="1"/>
+          </p:cNvSpPr>
+          <p:nvPr>
+            <p:ph type="pic" idx="13"/>
+          </p:nvPr>
+        </p:nvSpPr>
+        <p:spPr>
+          <a:xfrm>
+            <a:off x="533400" y="533400"/>
+            <a:ext cx="8077200" cy="3124200"/>
+          </a:xfrm>
+          <a:prstGeom prst="snip2DiagRect">
+            <a:avLst>
+              <a:gd name="adj1" fmla="val 10815"/>
+              <a:gd name="adj2" fmla="val 0"/>
+            </a:avLst>
+          </a:prstGeom>
+          <a:ln w="15875">
+            <a:solidFill>
+              <a:schemeClr val="tx1">
+                <a:alpha val="40000"/>
+              </a:schemeClr>
+            </a:solidFill>
+          </a:ln>
+          <a:effectLst>
+            <a:innerShdw blurRad="57150" dist="38100" dir="14460000">
+              <a:srgbClr val="000000">
+                <a:alpha val="70000"/>
+              </a:srgbClr>
+            </a:innerShdw>
+          </a:effectLst>
+        </p:spPr>
+        <p:txBody>
+          <a:bodyPr anchor="t">
+            <a:normAutofit/>
+          </a:bodyPr>
+          <a:lstStyle>
+            <a:lvl1pPr marL="0" indent="0" algn="ctr">
+              <a:buNone/>
+              <a:defRPr sz="1600"/>
+            </a:lvl1pPr>
+            <a:lvl2pPr marL="457200" indent="0">
+              <a:buNone/>
+              <a:defRPr sz="1600"/>
+            </a:lvl2pPr>
+            <a:lvl3pPr marL="914400" indent="0">
+              <a:buNone/>
+              <a:defRPr sz="1600"/>
+            </a:lvl3pPr>
+            <a:lvl4pPr marL="1371600" indent="0">
+              <a:buNone/>
+              <a:defRPr sz="1600"/>
+            </a:lvl4pPr>
+            <a:lvl5pPr marL="1828800" indent="0">
+              <a:buNone/>
+              <a:defRPr sz="1600"/>
+            </a:lvl5pPr>
+            <a:lvl6pPr marL="2286000" indent="0">
+              <a:buNone/>
+              <a:defRPr sz="1600"/>
+            </a:lvl6pPr>
+            <a:lvl7pPr marL="2743200" indent="0">
+              <a:buNone/>
+              <a:defRPr sz="1600"/>
+            </a:lvl7pPr>
+            <a:lvl8pPr marL="3200400" indent="0">
+              <a:buNone/>
+              <a:defRPr sz="1600"/>
+            </a:lvl8pPr>
+            <a:lvl9pPr marL="3657600" indent="0">
+              <a:buNone/>
+              <a:defRPr sz="1600"/>
+            </a:lvl9pPr>
+          </a:lstStyle>
+          <a:p>
+            <a:r>
+              <a:rPr lang="ko-KR" altLang="en-US" smtClean="0"/>
+              <a:t>그림을 추가하려면 아이콘을 클릭하십시오</a:t>
+            </a:r>
+            <a:endParaRPr lang="en-US" dirty="0"/>
+          </a:p>
+        </p:txBody>
+      </p:sp>
+      <p:sp>
+        <p:nvSpPr>
+          <p:cNvPr id="9" name="Text Placeholder 9"/>
+          <p:cNvSpPr>
+            <a:spLocks noGrp="1"/>
+          </p:cNvSpPr>
+          <p:nvPr>
+            <p:ph type="body" sz="quarter" idx="14"/>
+          </p:nvPr>
+        </p:nvSpPr>
+        <p:spPr>
+          <a:xfrm>
+            <a:off x="762002" y="3843867"/>
+            <a:ext cx="7281332" cy="457200"/>
+          </a:xfrm>
+        </p:spPr>
+        <p:txBody>
+          <a:bodyPr anchor="t">
+            <a:normAutofit/>
+          </a:bodyPr>
+          <a:lstStyle>
+            <a:lvl1pPr marL="0" indent="0">
+              <a:buFontTx/>
+              <a:buNone/>
+              <a:defRPr sz="1600"/>
+            </a:lvl1pPr>
+            <a:lvl2pPr marL="457200" indent="0">
+              <a:buFontTx/>
+              <a:buNone/>
+              <a:defRPr/>
+            </a:lvl2pPr>
+            <a:lvl3pPr marL="914400" indent="0">
+              <a:buFontTx/>
+              <a:buNone/>
+              <a:defRPr/>
+            </a:lvl3pPr>
+            <a:lvl4pPr marL="1371600" indent="0">
+              <a:buFontTx/>
+              <a:buNone/>
+              <a:defRPr/>
+            </a:lvl4pPr>
+            <a:lvl5pPr marL="1828800" indent="0">
+              <a:buFontTx/>
+              <a:buNone/>
+              <a:defRPr/>
+            </a:lvl5pPr>
+          </a:lstStyle>
+          <a:p>
+            <a:pPr lvl="0"/>
+            <a:r>
+              <a:rPr lang="ko-KR" altLang="en-US" smtClean="0"/>
+              <a:t>마스터 텍스트 스타일 편집</a:t>
+            </a:r>
+          </a:p>
+        </p:txBody>
+      </p:sp>
+      <p:sp>
+        <p:nvSpPr>
+          <p:cNvPr id="3" name="Date Placeholder 2"/>
+          <p:cNvSpPr>
+            <a:spLocks noGrp="1"/>
+          </p:cNvSpPr>
+          <p:nvPr>
+            <p:ph type="dt" sz="half" idx="10"/>
+          </p:nvPr>
+        </p:nvSpPr>
+        <p:spPr/>
+        <p:txBody>
+          <a:bodyPr/>
+          <a:lstStyle/>
+          <a:p>
+            <a:pPr algn="l" eaLnBrk="1" latinLnBrk="0" hangingPunct="1"/>
+            <a:fld id="{74CBEAF9-9E58-4CC8-A6FF-6DD8A58DEEA4}" type="datetimeFigureOut">
+              <a:rPr lang="en-US" smtClean="0"/>
+              <a:pPr algn="l" eaLnBrk="1" latinLnBrk="0" hangingPunct="1"/>
+              <a:t>4/27/2017</a:t>
+            </a:fld>
+            <a:endParaRPr lang="en-US" dirty="0">
+              <a:solidFill>
+                <a:schemeClr val="accent1">
+                  <a:shade val="75000"/>
+                </a:schemeClr>
+              </a:solidFill>
+            </a:endParaRPr>
+          </a:p>
+        </p:txBody>
+      </p:sp>
+      <p:sp>
+        <p:nvSpPr>
+          <p:cNvPr id="4" name="Footer Placeholder 3"/>
+          <p:cNvSpPr>
+            <a:spLocks noGrp="1"/>
+          </p:cNvSpPr>
+          <p:nvPr>
+            <p:ph type="ftr" sz="quarter" idx="11"/>
+          </p:nvPr>
+        </p:nvSpPr>
+        <p:spPr/>
+        <p:txBody>
+          <a:bodyPr/>
+          <a:lstStyle/>
+          <a:p>
+            <a:pPr algn="r" eaLnBrk="1" latinLnBrk="0" hangingPunct="1"/>
+            <a:endParaRPr kumimoji="0" lang="en-US" dirty="0">
+              <a:solidFill>
+                <a:schemeClr val="accent1">
+                  <a:shade val="75000"/>
+                </a:schemeClr>
+              </a:solidFill>
+            </a:endParaRPr>
+          </a:p>
+        </p:txBody>
+      </p:sp>
+      <p:sp>
+        <p:nvSpPr>
+          <p:cNvPr id="5" name="Slide Number Placeholder 4"/>
+          <p:cNvSpPr>
+            <a:spLocks noGrp="1"/>
+          </p:cNvSpPr>
+          <p:nvPr>
+            <p:ph type="sldNum" sz="quarter" idx="12"/>
+          </p:nvPr>
+        </p:nvSpPr>
+        <p:spPr/>
+        <p:txBody>
+          <a:bodyPr/>
+          <a:lstStyle/>
+          <a:p>
+            <a:fld id="{CA15C064-DD44-4CAC-873E-2D1F54821676}" type="slidenum">
+              <a:rPr kumimoji="0" lang="en-US" smtClean="0"/>
+              <a:pPr/>
+              <a:t>‹#›</a:t>
+            </a:fld>
+            <a:endParaRPr kumimoji="0" lang="en-US" dirty="0">
+              <a:solidFill>
+                <a:schemeClr val="accent1">
+                  <a:shade val="75000"/>
+                </a:schemeClr>
+              </a:solidFill>
+            </a:endParaRPr>
+          </a:p>
+        </p:txBody>
+      </p:sp>
+    </p:spTree>
+    <p:extLst>
+      <p:ext uri="{BB962C8B-B14F-4D97-AF65-F5344CB8AC3E}">
+        <p14:creationId xmlns:p14="http://schemas.microsoft.com/office/powerpoint/2010/main" val="1136816994"/>
+      </p:ext>
+    </p:extLst>
+  </p:cSld>
+  <p:clrMapOvr>
+    <a:masterClrMapping/>
+  </p:clrMapOvr>
+</p:sldLayout>
+</file>
+
+<file path=ppt/slideLayouts/slideLayout11.xml><?xml version="1.0" encoding="utf-8"?>
+<p:sldLayout xmlns:a="http://schemas.openxmlformats.org/drawingml/2006/main" xmlns:r="http://schemas.openxmlformats.org/officeDocument/2006/relationships" xmlns:p="http://schemas.openxmlformats.org/presentationml/2006/main" preserve="1">
+  <p:cSld name="제목 및 캡션">
+    <p:spTree>
+      <p:nvGrpSpPr>
+        <p:cNvPr id="1" name=""/>
+        <p:cNvGrpSpPr/>
+        <p:nvPr/>
+      </p:nvGrpSpPr>
+      <p:grpSpPr>
+        <a:xfrm>
+          <a:off x="0" y="0"/>
+          <a:ext cx="0" cy="0"/>
+          <a:chOff x="0" y="0"/>
+          <a:chExt cx="0" cy="0"/>
+        </a:xfrm>
+      </p:grpSpPr>
+      <p:sp>
+        <p:nvSpPr>
+          <p:cNvPr id="2" name="Title 1"/>
+          <p:cNvSpPr>
+            <a:spLocks noGrp="1"/>
+          </p:cNvSpPr>
+          <p:nvPr>
+            <p:ph type="title"/>
+          </p:nvPr>
+        </p:nvSpPr>
+        <p:spPr>
+          <a:xfrm>
+            <a:off x="533400" y="533400"/>
+            <a:ext cx="8077200" cy="2895600"/>
+          </a:xfrm>
+        </p:spPr>
+        <p:txBody>
+          <a:bodyPr anchor="ctr">
+            <a:normAutofit/>
+          </a:bodyPr>
+          <a:lstStyle>
+            <a:lvl1pPr algn="l">
+              <a:defRPr sz="2800" b="0" cap="all"/>
+            </a:lvl1pPr>
+          </a:lstStyle>
+          <a:p>
+            <a:r>
+              <a:rPr lang="ko-KR" altLang="en-US" smtClean="0"/>
+              <a:t>마스터 제목 스타일 편집</a:t>
+            </a:r>
+            <a:endParaRPr lang="en-US" dirty="0"/>
+          </a:p>
+        </p:txBody>
+      </p:sp>
+      <p:sp>
+        <p:nvSpPr>
+          <p:cNvPr id="3" name="Text Placeholder 2"/>
+          <p:cNvSpPr>
+            <a:spLocks noGrp="1"/>
+          </p:cNvSpPr>
+          <p:nvPr>
+            <p:ph type="body" idx="1"/>
+          </p:nvPr>
+        </p:nvSpPr>
+        <p:spPr>
+          <a:xfrm>
+            <a:off x="533400" y="4114800"/>
+            <a:ext cx="6383552" cy="1905000"/>
+          </a:xfrm>
+        </p:spPr>
+        <p:txBody>
+          <a:bodyPr anchor="ctr">
+            <a:normAutofit/>
+          </a:bodyPr>
+          <a:lstStyle>
+            <a:lvl1pPr marL="0" indent="0" algn="l">
+              <a:buNone/>
+              <a:defRPr sz="1800">
+                <a:solidFill>
+                  <a:schemeClr val="bg2">
+                    <a:lumMod val="75000"/>
+                  </a:schemeClr>
+                </a:solidFill>
+              </a:defRPr>
+            </a:lvl1pPr>
+            <a:lvl2pPr marL="457200" indent="0">
+              <a:buNone/>
+              <a:defRPr sz="1800">
+                <a:solidFill>
+                  <a:schemeClr val="tx1">
+                    <a:tint val="75000"/>
+                  </a:schemeClr>
+                </a:solidFill>
+              </a:defRPr>
+            </a:lvl2pPr>
+            <a:lvl3pPr marL="914400" indent="0">
+              <a:buNone/>
+              <a:defRPr sz="1600">
+                <a:solidFill>
+                  <a:schemeClr val="tx1">
+                    <a:tint val="75000"/>
+                  </a:schemeClr>
+                </a:solidFill>
+              </a:defRPr>
+            </a:lvl3pPr>
+            <a:lvl4pPr marL="1371600" indent="0">
+              <a:buNone/>
+              <a:defRPr sz="1400">
+                <a:solidFill>
+                  <a:schemeClr val="tx1">
+                    <a:tint val="75000"/>
+                  </a:schemeClr>
+                </a:solidFill>
+              </a:defRPr>
+            </a:lvl4pPr>
+            <a:lvl5pPr marL="1828800" indent="0">
+              <a:buNone/>
+              <a:defRPr sz="1400">
+                <a:solidFill>
+                  <a:schemeClr val="tx1">
+                    <a:tint val="75000"/>
+                  </a:schemeClr>
+                </a:solidFill>
+              </a:defRPr>
+            </a:lvl5pPr>
+            <a:lvl6pPr marL="2286000" indent="0">
+              <a:buNone/>
+              <a:defRPr sz="1400">
+                <a:solidFill>
+                  <a:schemeClr val="tx1">
+                    <a:tint val="75000"/>
+                  </a:schemeClr>
+                </a:solidFill>
+              </a:defRPr>
+            </a:lvl6pPr>
+            <a:lvl7pPr marL="2743200" indent="0">
+              <a:buNone/>
+              <a:defRPr sz="1400">
+                <a:solidFill>
+                  <a:schemeClr val="tx1">
+                    <a:tint val="75000"/>
+                  </a:schemeClr>
+                </a:solidFill>
+              </a:defRPr>
+            </a:lvl7pPr>
+            <a:lvl8pPr marL="3200400" indent="0">
+              <a:buNone/>
+              <a:defRPr sz="1400">
+                <a:solidFill>
+                  <a:schemeClr val="tx1">
+                    <a:tint val="75000"/>
+                  </a:schemeClr>
+                </a:solidFill>
+              </a:defRPr>
+            </a:lvl8pPr>
+            <a:lvl9pPr marL="3657600" indent="0">
+              <a:buNone/>
+              <a:defRPr sz="1400">
+                <a:solidFill>
+                  <a:schemeClr val="tx1">
+                    <a:tint val="75000"/>
+                  </a:schemeClr>
+                </a:solidFill>
+              </a:defRPr>
+            </a:lvl9pPr>
+          </a:lstStyle>
+          <a:p>
+            <a:pPr lvl="0"/>
+            <a:r>
+              <a:rPr lang="ko-KR" altLang="en-US" smtClean="0"/>
+              <a:t>마스터 텍스트 스타일 편집</a:t>
+            </a:r>
+          </a:p>
+        </p:txBody>
+      </p:sp>
+      <p:sp>
+        <p:nvSpPr>
+          <p:cNvPr id="4" name="Date Placeholder 3"/>
+          <p:cNvSpPr>
+            <a:spLocks noGrp="1"/>
+          </p:cNvSpPr>
+          <p:nvPr>
+            <p:ph type="dt" sz="half" idx="10"/>
+          </p:nvPr>
+        </p:nvSpPr>
+        <p:spPr/>
+        <p:txBody>
+          <a:bodyPr/>
+          <a:lstStyle/>
+          <a:p>
+            <a:pPr algn="l" eaLnBrk="1" latinLnBrk="0" hangingPunct="1"/>
+            <a:fld id="{74CBEAF9-9E58-4CC8-A6FF-6DD8A58DEEA4}" type="datetimeFigureOut">
+              <a:rPr lang="en-US" smtClean="0"/>
+              <a:pPr algn="l" eaLnBrk="1" latinLnBrk="0" hangingPunct="1"/>
+              <a:t>4/27/2017</a:t>
+            </a:fld>
+            <a:endParaRPr lang="en-US" dirty="0">
+              <a:solidFill>
+                <a:schemeClr val="accent1">
+                  <a:shade val="75000"/>
+                </a:schemeClr>
+              </a:solidFill>
+            </a:endParaRPr>
+          </a:p>
+        </p:txBody>
+      </p:sp>
+      <p:sp>
+        <p:nvSpPr>
+          <p:cNvPr id="5" name="Footer Placeholder 4"/>
+          <p:cNvSpPr>
+            <a:spLocks noGrp="1"/>
+          </p:cNvSpPr>
+          <p:nvPr>
+            <p:ph type="ftr" sz="quarter" idx="11"/>
+          </p:nvPr>
+        </p:nvSpPr>
+        <p:spPr/>
+        <p:txBody>
+          <a:bodyPr/>
+          <a:lstStyle/>
+          <a:p>
+            <a:pPr algn="r" eaLnBrk="1" latinLnBrk="0" hangingPunct="1"/>
+            <a:endParaRPr kumimoji="0" lang="en-US" dirty="0">
+              <a:solidFill>
+                <a:schemeClr val="accent1">
+                  <a:shade val="75000"/>
+                </a:schemeClr>
+              </a:solidFill>
+            </a:endParaRPr>
+          </a:p>
+        </p:txBody>
+      </p:sp>
+      <p:sp>
+        <p:nvSpPr>
+          <p:cNvPr id="6" name="Slide Number Placeholder 5"/>
+          <p:cNvSpPr>
+            <a:spLocks noGrp="1"/>
+          </p:cNvSpPr>
+          <p:nvPr>
+            <p:ph type="sldNum" sz="quarter" idx="12"/>
+          </p:nvPr>
+        </p:nvSpPr>
+        <p:spPr/>
+        <p:txBody>
+          <a:bodyPr/>
+          <a:lstStyle/>
+          <a:p>
+            <a:fld id="{CA15C064-DD44-4CAC-873E-2D1F54821676}" type="slidenum">
+              <a:rPr kumimoji="0" lang="en-US" smtClean="0"/>
+              <a:pPr/>
+              <a:t>‹#›</a:t>
+            </a:fld>
+            <a:endParaRPr kumimoji="0" lang="en-US" dirty="0">
+              <a:solidFill>
+                <a:schemeClr val="accent1">
+                  <a:shade val="75000"/>
+                </a:schemeClr>
+              </a:solidFill>
+            </a:endParaRPr>
+          </a:p>
+        </p:txBody>
+      </p:sp>
+    </p:spTree>
+    <p:extLst>
+      <p:ext uri="{BB962C8B-B14F-4D97-AF65-F5344CB8AC3E}">
+        <p14:creationId xmlns:p14="http://schemas.microsoft.com/office/powerpoint/2010/main" val="2448148025"/>
+      </p:ext>
+    </p:extLst>
+  </p:cSld>
+  <p:clrMapOvr>
+    <a:masterClrMapping/>
+  </p:clrMapOvr>
+</p:sldLayout>
+</file>
+
+<file path=ppt/slideLayouts/slideLayout12.xml><?xml version="1.0" encoding="utf-8"?>
+<p:sldLayout xmlns:a="http://schemas.openxmlformats.org/drawingml/2006/main" xmlns:r="http://schemas.openxmlformats.org/officeDocument/2006/relationships" xmlns:p="http://schemas.openxmlformats.org/presentationml/2006/main" preserve="1">
+  <p:cSld name="캡션 있는 인용문">
+    <p:spTree>
+      <p:nvGrpSpPr>
+        <p:cNvPr id="1" name=""/>
+        <p:cNvGrpSpPr/>
+        <p:nvPr/>
+      </p:nvGrpSpPr>
+      <p:grpSpPr>
+        <a:xfrm>
+          <a:off x="0" y="0"/>
+          <a:ext cx="0" cy="0"/>
+          <a:chOff x="0" y="0"/>
+          <a:chExt cx="0" cy="0"/>
+        </a:xfrm>
+      </p:grpSpPr>
+      <p:sp>
+        <p:nvSpPr>
+          <p:cNvPr id="2" name="Title 1"/>
+          <p:cNvSpPr>
+            <a:spLocks noGrp="1"/>
+          </p:cNvSpPr>
+          <p:nvPr>
+            <p:ph type="title"/>
+          </p:nvPr>
+        </p:nvSpPr>
+        <p:spPr>
+          <a:xfrm>
+            <a:off x="856283" y="533400"/>
+            <a:ext cx="6859787" cy="2895600"/>
+          </a:xfrm>
+        </p:spPr>
+        <p:txBody>
+          <a:bodyPr anchor="ctr">
+            <a:normAutofit/>
+          </a:bodyPr>
+          <a:lstStyle>
+            <a:lvl1pPr algn="l">
+              <a:defRPr sz="2800" b="0" cap="all">
+                <a:solidFill>
+                  <a:schemeClr val="tx1"/>
+                </a:solidFill>
+              </a:defRPr>
+            </a:lvl1pPr>
+          </a:lstStyle>
+          <a:p>
+            <a:r>
+              <a:rPr lang="ko-KR" altLang="en-US" smtClean="0"/>
+              <a:t>마스터 제목 스타일 편집</a:t>
+            </a:r>
+            <a:endParaRPr lang="en-US" dirty="0"/>
+          </a:p>
+        </p:txBody>
+      </p:sp>
+      <p:sp>
+        <p:nvSpPr>
+          <p:cNvPr id="10" name="Text Placeholder 9"/>
+          <p:cNvSpPr>
+            <a:spLocks noGrp="1"/>
+          </p:cNvSpPr>
+          <p:nvPr>
+            <p:ph type="body" sz="quarter" idx="13"/>
+          </p:nvPr>
+        </p:nvSpPr>
+        <p:spPr>
+          <a:xfrm>
+            <a:off x="1066800" y="3429000"/>
+            <a:ext cx="6402467" cy="482600"/>
+          </a:xfrm>
+        </p:spPr>
+        <p:txBody>
+          <a:bodyPr anchor="ctr"/>
+          <a:lstStyle>
+            <a:lvl1pPr marL="0" indent="0">
+              <a:buFontTx/>
+              <a:buNone/>
+              <a:defRPr/>
+            </a:lvl1pPr>
+            <a:lvl2pPr marL="457200" indent="0">
+              <a:buFontTx/>
+              <a:buNone/>
+              <a:defRPr/>
+            </a:lvl2pPr>
+            <a:lvl3pPr marL="914400" indent="0">
+              <a:buFontTx/>
+              <a:buNone/>
+              <a:defRPr/>
+            </a:lvl3pPr>
+            <a:lvl4pPr marL="1371600" indent="0">
+              <a:buFontTx/>
+              <a:buNone/>
+              <a:defRPr/>
+            </a:lvl4pPr>
+            <a:lvl5pPr marL="1828800" indent="0">
+              <a:buFontTx/>
+              <a:buNone/>
+              <a:defRPr/>
+            </a:lvl5pPr>
+          </a:lstStyle>
+          <a:p>
+            <a:pPr lvl="0"/>
+            <a:r>
+              <a:rPr lang="ko-KR" altLang="en-US" smtClean="0"/>
+              <a:t>마스터 텍스트 스타일 편집</a:t>
+            </a:r>
+          </a:p>
+        </p:txBody>
+      </p:sp>
+      <p:sp>
+        <p:nvSpPr>
+          <p:cNvPr id="3" name="Text Placeholder 2"/>
+          <p:cNvSpPr>
+            <a:spLocks noGrp="1"/>
+          </p:cNvSpPr>
+          <p:nvPr>
+            <p:ph type="body" idx="1"/>
+          </p:nvPr>
+        </p:nvSpPr>
+        <p:spPr>
+          <a:xfrm>
+            <a:off x="533400" y="4301070"/>
+            <a:ext cx="6382361" cy="1718730"/>
+          </a:xfrm>
+        </p:spPr>
+        <p:txBody>
+          <a:bodyPr anchor="ctr">
+            <a:normAutofit/>
+          </a:bodyPr>
+          <a:lstStyle>
+            <a:lvl1pPr marL="0" indent="0" algn="l">
+              <a:buNone/>
+              <a:defRPr sz="2000">
+                <a:solidFill>
+                  <a:schemeClr val="bg2">
+                    <a:lumMod val="75000"/>
+                  </a:schemeClr>
+                </a:solidFill>
+              </a:defRPr>
+            </a:lvl1pPr>
+            <a:lvl2pPr marL="457200" indent="0">
+              <a:buNone/>
+              <a:defRPr sz="1800">
+                <a:solidFill>
+                  <a:schemeClr val="tx1">
+                    <a:tint val="75000"/>
+                  </a:schemeClr>
+                </a:solidFill>
+              </a:defRPr>
+            </a:lvl2pPr>
+            <a:lvl3pPr marL="914400" indent="0">
+              <a:buNone/>
+              <a:defRPr sz="1600">
+                <a:solidFill>
+                  <a:schemeClr val="tx1">
+                    <a:tint val="75000"/>
+                  </a:schemeClr>
+                </a:solidFill>
+              </a:defRPr>
+            </a:lvl3pPr>
+            <a:lvl4pPr marL="1371600" indent="0">
+              <a:buNone/>
+              <a:defRPr sz="1400">
+                <a:solidFill>
+                  <a:schemeClr val="tx1">
+                    <a:tint val="75000"/>
+                  </a:schemeClr>
+                </a:solidFill>
+              </a:defRPr>
+            </a:lvl4pPr>
+            <a:lvl5pPr marL="1828800" indent="0">
+              <a:buNone/>
+              <a:defRPr sz="1400">
+                <a:solidFill>
+                  <a:schemeClr val="tx1">
+                    <a:tint val="75000"/>
+                  </a:schemeClr>
+                </a:solidFill>
+              </a:defRPr>
+            </a:lvl5pPr>
+            <a:lvl6pPr marL="2286000" indent="0">
+              <a:buNone/>
+              <a:defRPr sz="1400">
+                <a:solidFill>
+                  <a:schemeClr val="tx1">
+                    <a:tint val="75000"/>
+                  </a:schemeClr>
+                </a:solidFill>
+              </a:defRPr>
+            </a:lvl6pPr>
+            <a:lvl7pPr marL="2743200" indent="0">
+              <a:buNone/>
+              <a:defRPr sz="1400">
+                <a:solidFill>
+                  <a:schemeClr val="tx1">
+                    <a:tint val="75000"/>
+                  </a:schemeClr>
+                </a:solidFill>
+              </a:defRPr>
+            </a:lvl7pPr>
+            <a:lvl8pPr marL="3200400" indent="0">
+              <a:buNone/>
+              <a:defRPr sz="1400">
+                <a:solidFill>
+                  <a:schemeClr val="tx1">
+                    <a:tint val="75000"/>
+                  </a:schemeClr>
+                </a:solidFill>
+              </a:defRPr>
+            </a:lvl8pPr>
+            <a:lvl9pPr marL="3657600" indent="0">
+              <a:buNone/>
+              <a:defRPr sz="1400">
+                <a:solidFill>
+                  <a:schemeClr val="tx1">
+                    <a:tint val="75000"/>
+                  </a:schemeClr>
+                </a:solidFill>
+              </a:defRPr>
+            </a:lvl9pPr>
+          </a:lstStyle>
+          <a:p>
+            <a:pPr lvl="0"/>
+            <a:r>
+              <a:rPr lang="ko-KR" altLang="en-US" smtClean="0"/>
+              <a:t>마스터 텍스트 스타일 편집</a:t>
+            </a:r>
+          </a:p>
+        </p:txBody>
+      </p:sp>
+      <p:sp>
+        <p:nvSpPr>
+          <p:cNvPr id="4" name="Date Placeholder 3"/>
+          <p:cNvSpPr>
+            <a:spLocks noGrp="1"/>
+          </p:cNvSpPr>
+          <p:nvPr>
+            <p:ph type="dt" sz="half" idx="10"/>
+          </p:nvPr>
+        </p:nvSpPr>
+        <p:spPr/>
+        <p:txBody>
+          <a:bodyPr/>
+          <a:lstStyle/>
+          <a:p>
+            <a:pPr algn="l" eaLnBrk="1" latinLnBrk="0" hangingPunct="1"/>
+            <a:fld id="{74CBEAF9-9E58-4CC8-A6FF-6DD8A58DEEA4}" type="datetimeFigureOut">
+              <a:rPr lang="en-US" smtClean="0"/>
+              <a:pPr algn="l" eaLnBrk="1" latinLnBrk="0" hangingPunct="1"/>
+              <a:t>4/27/2017</a:t>
+            </a:fld>
+            <a:endParaRPr lang="en-US" dirty="0">
+              <a:solidFill>
+                <a:schemeClr val="accent1">
+                  <a:shade val="75000"/>
+                </a:schemeClr>
+              </a:solidFill>
+            </a:endParaRPr>
+          </a:p>
+        </p:txBody>
+      </p:sp>
+      <p:sp>
+        <p:nvSpPr>
+          <p:cNvPr id="5" name="Footer Placeholder 4"/>
+          <p:cNvSpPr>
+            <a:spLocks noGrp="1"/>
+          </p:cNvSpPr>
+          <p:nvPr>
+            <p:ph type="ftr" sz="quarter" idx="11"/>
+          </p:nvPr>
+        </p:nvSpPr>
+        <p:spPr/>
+        <p:txBody>
+          <a:bodyPr/>
+          <a:lstStyle/>
+          <a:p>
+            <a:pPr algn="r" eaLnBrk="1" latinLnBrk="0" hangingPunct="1"/>
+            <a:endParaRPr kumimoji="0" lang="en-US" dirty="0">
+              <a:solidFill>
+                <a:schemeClr val="accent1">
+                  <a:shade val="75000"/>
+                </a:schemeClr>
+              </a:solidFill>
+            </a:endParaRPr>
+          </a:p>
+        </p:txBody>
+      </p:sp>
+      <p:sp>
+        <p:nvSpPr>
+          <p:cNvPr id="6" name="Slide Number Placeholder 5"/>
+          <p:cNvSpPr>
+            <a:spLocks noGrp="1"/>
+          </p:cNvSpPr>
+          <p:nvPr>
+            <p:ph type="sldNum" sz="quarter" idx="12"/>
+          </p:nvPr>
+        </p:nvSpPr>
+        <p:spPr/>
+        <p:txBody>
+          <a:bodyPr/>
+          <a:lstStyle/>
+          <a:p>
+            <a:fld id="{CA15C064-DD44-4CAC-873E-2D1F54821676}" type="slidenum">
+              <a:rPr kumimoji="0" lang="en-US" smtClean="0"/>
+              <a:pPr/>
+              <a:t>‹#›</a:t>
+            </a:fld>
+            <a:endParaRPr kumimoji="0" lang="en-US" dirty="0">
+              <a:solidFill>
+                <a:schemeClr val="accent1">
+                  <a:shade val="75000"/>
+                </a:schemeClr>
+              </a:solidFill>
+            </a:endParaRPr>
+          </a:p>
+        </p:txBody>
+      </p:sp>
+      <p:sp>
+        <p:nvSpPr>
+          <p:cNvPr id="14" name="TextBox 13"/>
+          <p:cNvSpPr txBox="1"/>
+          <p:nvPr/>
+        </p:nvSpPr>
+        <p:spPr>
+          <a:xfrm>
+            <a:off x="228600" y="710624"/>
+            <a:ext cx="457319" cy="584776"/>
+          </a:xfrm>
+          <a:prstGeom prst="rect">
+            <a:avLst/>
+          </a:prstGeom>
+        </p:spPr>
+        <p:txBody>
+          <a:bodyPr vert="horz" lIns="91440" tIns="45720" rIns="91440" bIns="45720" rtlCol="0" anchor="ctr">
+            <a:noAutofit/>
+          </a:bodyPr>
+          <a:lstStyle/>
+          <a:p>
+            <a:pPr lvl="0"/>
+            <a:r>
+              <a:rPr lang="en-US" sz="8000" dirty="0">
+                <a:solidFill>
+                  <a:schemeClr val="tx1"/>
+                </a:solidFill>
+                <a:effectLst/>
+              </a:rPr>
+              <a:t>“</a:t>
+            </a:r>
+          </a:p>
+        </p:txBody>
+      </p:sp>
+      <p:sp>
+        <p:nvSpPr>
+          <p:cNvPr id="15" name="TextBox 14"/>
+          <p:cNvSpPr txBox="1"/>
+          <p:nvPr/>
+        </p:nvSpPr>
+        <p:spPr>
+          <a:xfrm>
+            <a:off x="7696200" y="2768601"/>
+            <a:ext cx="457319" cy="584776"/>
+          </a:xfrm>
+          <a:prstGeom prst="rect">
+            <a:avLst/>
+          </a:prstGeom>
+        </p:spPr>
+        <p:txBody>
+          <a:bodyPr vert="horz" lIns="91440" tIns="45720" rIns="91440" bIns="45720" rtlCol="0" anchor="ctr">
+            <a:noAutofit/>
+          </a:bodyPr>
+          <a:lstStyle/>
+          <a:p>
+            <a:pPr lvl="0" algn="r"/>
+            <a:r>
+              <a:rPr lang="en-US" sz="8000" dirty="0">
+                <a:solidFill>
+                  <a:schemeClr val="tx1"/>
+                </a:solidFill>
+                <a:effectLst/>
+              </a:rPr>
+              <a:t>”</a:t>
+            </a:r>
+          </a:p>
+        </p:txBody>
+      </p:sp>
+    </p:spTree>
+    <p:extLst>
+      <p:ext uri="{BB962C8B-B14F-4D97-AF65-F5344CB8AC3E}">
+        <p14:creationId xmlns:p14="http://schemas.microsoft.com/office/powerpoint/2010/main" val="2301748493"/>
+      </p:ext>
+    </p:extLst>
+  </p:cSld>
+  <p:clrMapOvr>
+    <a:masterClrMapping/>
+  </p:clrMapOvr>
+</p:sldLayout>
+</file>
+
+<file path=ppt/slideLayouts/slideLayout13.xml><?xml version="1.0" encoding="utf-8"?>
+<p:sldLayout xmlns:a="http://schemas.openxmlformats.org/drawingml/2006/main" xmlns:r="http://schemas.openxmlformats.org/officeDocument/2006/relationships" xmlns:p="http://schemas.openxmlformats.org/presentationml/2006/main" preserve="1">
+  <p:cSld name="명함">
+    <p:spTree>
+      <p:nvGrpSpPr>
+        <p:cNvPr id="1" name=""/>
+        <p:cNvGrpSpPr/>
+        <p:nvPr/>
+      </p:nvGrpSpPr>
+      <p:grpSpPr>
+        <a:xfrm>
+          <a:off x="0" y="0"/>
+          <a:ext cx="0" cy="0"/>
+          <a:chOff x="0" y="0"/>
+          <a:chExt cx="0" cy="0"/>
+        </a:xfrm>
+      </p:grpSpPr>
+      <p:sp>
+        <p:nvSpPr>
+          <p:cNvPr id="2" name="Title 1"/>
+          <p:cNvSpPr>
+            <a:spLocks noGrp="1"/>
+          </p:cNvSpPr>
+          <p:nvPr>
+            <p:ph type="title"/>
+          </p:nvPr>
+        </p:nvSpPr>
+        <p:spPr>
+          <a:xfrm>
+            <a:off x="533400" y="3429000"/>
+            <a:ext cx="6382361" cy="1697400"/>
+          </a:xfrm>
+        </p:spPr>
+        <p:txBody>
+          <a:bodyPr anchor="b">
+            <a:normAutofit/>
+          </a:bodyPr>
+          <a:lstStyle>
+            <a:lvl1pPr algn="l">
+              <a:defRPr sz="2800" b="0" cap="all"/>
+            </a:lvl1pPr>
+          </a:lstStyle>
+          <a:p>
+            <a:r>
+              <a:rPr lang="ko-KR" altLang="en-US" smtClean="0"/>
+              <a:t>마스터 제목 스타일 편집</a:t>
+            </a:r>
+            <a:endParaRPr lang="en-US" dirty="0"/>
+          </a:p>
+        </p:txBody>
+      </p:sp>
+      <p:sp>
+        <p:nvSpPr>
+          <p:cNvPr id="3" name="Text Placeholder 2"/>
+          <p:cNvSpPr>
+            <a:spLocks noGrp="1"/>
+          </p:cNvSpPr>
+          <p:nvPr>
+            <p:ph type="body" idx="1"/>
+          </p:nvPr>
+        </p:nvSpPr>
+        <p:spPr>
+          <a:xfrm>
+            <a:off x="533400" y="5132980"/>
+            <a:ext cx="6383552" cy="886819"/>
+          </a:xfrm>
+        </p:spPr>
+        <p:txBody>
+          <a:bodyPr anchor="t">
+            <a:normAutofit/>
+          </a:bodyPr>
+          <a:lstStyle>
+            <a:lvl1pPr marL="0" indent="0" algn="l">
+              <a:buNone/>
+              <a:defRPr sz="1800">
+                <a:solidFill>
+                  <a:schemeClr val="bg2">
+                    <a:lumMod val="75000"/>
+                  </a:schemeClr>
+                </a:solidFill>
+              </a:defRPr>
+            </a:lvl1pPr>
+            <a:lvl2pPr marL="457200" indent="0">
+              <a:buNone/>
+              <a:defRPr sz="1800">
+                <a:solidFill>
+                  <a:schemeClr val="tx1">
+                    <a:tint val="75000"/>
+                  </a:schemeClr>
+                </a:solidFill>
+              </a:defRPr>
+            </a:lvl2pPr>
+            <a:lvl3pPr marL="914400" indent="0">
+              <a:buNone/>
+              <a:defRPr sz="1600">
+                <a:solidFill>
+                  <a:schemeClr val="tx1">
+                    <a:tint val="75000"/>
+                  </a:schemeClr>
+                </a:solidFill>
+              </a:defRPr>
+            </a:lvl3pPr>
+            <a:lvl4pPr marL="1371600" indent="0">
+              <a:buNone/>
+              <a:defRPr sz="1400">
+                <a:solidFill>
+                  <a:schemeClr val="tx1">
+                    <a:tint val="75000"/>
+                  </a:schemeClr>
+                </a:solidFill>
+              </a:defRPr>
+            </a:lvl4pPr>
+            <a:lvl5pPr marL="1828800" indent="0">
+              <a:buNone/>
+              <a:defRPr sz="1400">
+                <a:solidFill>
+                  <a:schemeClr val="tx1">
+                    <a:tint val="75000"/>
+                  </a:schemeClr>
+                </a:solidFill>
+              </a:defRPr>
+            </a:lvl5pPr>
+            <a:lvl6pPr marL="2286000" indent="0">
+              <a:buNone/>
+              <a:defRPr sz="1400">
+                <a:solidFill>
+                  <a:schemeClr val="tx1">
+                    <a:tint val="75000"/>
+                  </a:schemeClr>
+                </a:solidFill>
+              </a:defRPr>
+            </a:lvl6pPr>
+            <a:lvl7pPr marL="2743200" indent="0">
+              <a:buNone/>
+              <a:defRPr sz="1400">
+                <a:solidFill>
+                  <a:schemeClr val="tx1">
+                    <a:tint val="75000"/>
+                  </a:schemeClr>
+                </a:solidFill>
+              </a:defRPr>
+            </a:lvl7pPr>
+            <a:lvl8pPr marL="3200400" indent="0">
+              <a:buNone/>
+              <a:defRPr sz="1400">
+                <a:solidFill>
+                  <a:schemeClr val="tx1">
+                    <a:tint val="75000"/>
+                  </a:schemeClr>
+                </a:solidFill>
+              </a:defRPr>
+            </a:lvl8pPr>
+            <a:lvl9pPr marL="3657600" indent="0">
+              <a:buNone/>
+              <a:defRPr sz="1400">
+                <a:solidFill>
+                  <a:schemeClr val="tx1">
+                    <a:tint val="75000"/>
+                  </a:schemeClr>
+                </a:solidFill>
+              </a:defRPr>
+            </a:lvl9pPr>
+          </a:lstStyle>
+          <a:p>
+            <a:pPr lvl="0"/>
+            <a:r>
+              <a:rPr lang="ko-KR" altLang="en-US" smtClean="0"/>
+              <a:t>마스터 텍스트 스타일 편집</a:t>
+            </a:r>
+          </a:p>
+        </p:txBody>
+      </p:sp>
+      <p:sp>
+        <p:nvSpPr>
+          <p:cNvPr id="4" name="Date Placeholder 3"/>
+          <p:cNvSpPr>
+            <a:spLocks noGrp="1"/>
+          </p:cNvSpPr>
+          <p:nvPr>
+            <p:ph type="dt" sz="half" idx="10"/>
+          </p:nvPr>
+        </p:nvSpPr>
+        <p:spPr/>
+        <p:txBody>
+          <a:bodyPr/>
+          <a:lstStyle/>
+          <a:p>
+            <a:pPr algn="l" eaLnBrk="1" latinLnBrk="0" hangingPunct="1"/>
+            <a:fld id="{74CBEAF9-9E58-4CC8-A6FF-6DD8A58DEEA4}" type="datetimeFigureOut">
+              <a:rPr lang="en-US" smtClean="0"/>
+              <a:pPr algn="l" eaLnBrk="1" latinLnBrk="0" hangingPunct="1"/>
+              <a:t>4/27/2017</a:t>
+            </a:fld>
+            <a:endParaRPr lang="en-US" dirty="0">
+              <a:solidFill>
+                <a:schemeClr val="accent1">
+                  <a:shade val="75000"/>
+                </a:schemeClr>
+              </a:solidFill>
+            </a:endParaRPr>
+          </a:p>
+        </p:txBody>
+      </p:sp>
+      <p:sp>
+        <p:nvSpPr>
+          <p:cNvPr id="5" name="Footer Placeholder 4"/>
+          <p:cNvSpPr>
+            <a:spLocks noGrp="1"/>
+          </p:cNvSpPr>
+          <p:nvPr>
+            <p:ph type="ftr" sz="quarter" idx="11"/>
+          </p:nvPr>
+        </p:nvSpPr>
+        <p:spPr/>
+        <p:txBody>
+          <a:bodyPr/>
+          <a:lstStyle/>
+          <a:p>
+            <a:pPr algn="r" eaLnBrk="1" latinLnBrk="0" hangingPunct="1"/>
+            <a:endParaRPr kumimoji="0" lang="en-US" dirty="0">
+              <a:solidFill>
+                <a:schemeClr val="accent1">
+                  <a:shade val="75000"/>
+                </a:schemeClr>
+              </a:solidFill>
+            </a:endParaRPr>
+          </a:p>
+        </p:txBody>
+      </p:sp>
+      <p:sp>
+        <p:nvSpPr>
+          <p:cNvPr id="6" name="Slide Number Placeholder 5"/>
+          <p:cNvSpPr>
+            <a:spLocks noGrp="1"/>
+          </p:cNvSpPr>
+          <p:nvPr>
+            <p:ph type="sldNum" sz="quarter" idx="12"/>
+          </p:nvPr>
+        </p:nvSpPr>
+        <p:spPr/>
+        <p:txBody>
+          <a:bodyPr/>
+          <a:lstStyle/>
+          <a:p>
+            <a:fld id="{CA15C064-DD44-4CAC-873E-2D1F54821676}" type="slidenum">
+              <a:rPr kumimoji="0" lang="en-US" smtClean="0"/>
+              <a:pPr/>
+              <a:t>‹#›</a:t>
+            </a:fld>
+            <a:endParaRPr kumimoji="0" lang="en-US" dirty="0">
+              <a:solidFill>
+                <a:schemeClr val="accent1">
+                  <a:shade val="75000"/>
+                </a:schemeClr>
+              </a:solidFill>
+            </a:endParaRPr>
+          </a:p>
+        </p:txBody>
+      </p:sp>
+    </p:spTree>
+    <p:extLst>
+      <p:ext uri="{BB962C8B-B14F-4D97-AF65-F5344CB8AC3E}">
+        <p14:creationId xmlns:p14="http://schemas.microsoft.com/office/powerpoint/2010/main" val="1110881177"/>
+      </p:ext>
+    </p:extLst>
+  </p:cSld>
+  <p:clrMapOvr>
+    <a:masterClrMapping/>
+  </p:clrMapOvr>
+</p:sldLayout>
+</file>
+
+<file path=ppt/slideLayouts/slideLayout14.xml><?xml version="1.0" encoding="utf-8"?>
+<p:sldLayout xmlns:a="http://schemas.openxmlformats.org/drawingml/2006/main" xmlns:r="http://schemas.openxmlformats.org/officeDocument/2006/relationships" xmlns:p="http://schemas.openxmlformats.org/presentationml/2006/main" preserve="1">
+  <p:cSld name="인용문 있는 명함">
+    <p:spTree>
+      <p:nvGrpSpPr>
+        <p:cNvPr id="1" name=""/>
+        <p:cNvGrpSpPr/>
+        <p:nvPr/>
+      </p:nvGrpSpPr>
+      <p:grpSpPr>
+        <a:xfrm>
+          <a:off x="0" y="0"/>
+          <a:ext cx="0" cy="0"/>
+          <a:chOff x="0" y="0"/>
+          <a:chExt cx="0" cy="0"/>
+        </a:xfrm>
+      </p:grpSpPr>
+      <p:sp>
+        <p:nvSpPr>
+          <p:cNvPr id="2" name="Title 1"/>
+          <p:cNvSpPr>
+            <a:spLocks noGrp="1"/>
+          </p:cNvSpPr>
+          <p:nvPr>
+            <p:ph type="title"/>
+          </p:nvPr>
+        </p:nvSpPr>
+        <p:spPr>
+          <a:xfrm>
+            <a:off x="856284" y="533400"/>
+            <a:ext cx="6859786" cy="2895600"/>
+          </a:xfrm>
+        </p:spPr>
+        <p:txBody>
+          <a:bodyPr anchor="ctr">
+            <a:normAutofit/>
+          </a:bodyPr>
+          <a:lstStyle>
+            <a:lvl1pPr algn="l">
+              <a:defRPr sz="2800" b="0" cap="all">
+                <a:solidFill>
+                  <a:schemeClr val="tx1"/>
+                </a:solidFill>
+              </a:defRPr>
+            </a:lvl1pPr>
+          </a:lstStyle>
+          <a:p>
+            <a:r>
+              <a:rPr lang="ko-KR" altLang="en-US" smtClean="0"/>
+              <a:t>마스터 제목 스타일 편집</a:t>
+            </a:r>
+            <a:endParaRPr lang="en-US" dirty="0"/>
+          </a:p>
+        </p:txBody>
+      </p:sp>
+      <p:sp>
+        <p:nvSpPr>
+          <p:cNvPr id="10" name="Text Placeholder 9"/>
+          <p:cNvSpPr>
+            <a:spLocks noGrp="1"/>
+          </p:cNvSpPr>
+          <p:nvPr>
+            <p:ph type="body" sz="quarter" idx="13"/>
+          </p:nvPr>
+        </p:nvSpPr>
+        <p:spPr>
+          <a:xfrm>
+            <a:off x="533400" y="3886200"/>
+            <a:ext cx="6382361" cy="1049866"/>
+          </a:xfrm>
+        </p:spPr>
+        <p:txBody>
+          <a:bodyPr vert="horz" lIns="91440" tIns="45720" rIns="91440" bIns="45720" rtlCol="0" anchor="b">
+            <a:normAutofit/>
+          </a:bodyPr>
+          <a:lstStyle>
+            <a:lvl1pPr>
+              <a:buNone/>
+              <a:defRPr lang="en-US" sz="2000" b="0" cap="all" dirty="0">
+                <a:ln w="3175" cmpd="sng">
+                  <a:noFill/>
+                </a:ln>
+                <a:solidFill>
+                  <a:schemeClr val="tx1"/>
+                </a:solidFill>
+                <a:effectLst/>
+              </a:defRPr>
+            </a:lvl1pPr>
+          </a:lstStyle>
+          <a:p>
+            <a:pPr marL="0" lvl="0">
+              <a:spcBef>
+                <a:spcPct val="0"/>
+              </a:spcBef>
+              <a:buNone/>
+            </a:pPr>
+            <a:r>
+              <a:rPr lang="ko-KR" altLang="en-US" smtClean="0"/>
+              <a:t>마스터 텍스트 스타일 편집</a:t>
+            </a:r>
+          </a:p>
+        </p:txBody>
+      </p:sp>
+      <p:sp>
+        <p:nvSpPr>
+          <p:cNvPr id="3" name="Text Placeholder 2"/>
+          <p:cNvSpPr>
+            <a:spLocks noGrp="1"/>
+          </p:cNvSpPr>
+          <p:nvPr>
+            <p:ph type="body" idx="1"/>
+          </p:nvPr>
+        </p:nvSpPr>
+        <p:spPr>
+          <a:xfrm>
+            <a:off x="533400" y="4953000"/>
+            <a:ext cx="6382360" cy="1066800"/>
+          </a:xfrm>
+        </p:spPr>
+        <p:txBody>
+          <a:bodyPr anchor="t">
+            <a:normAutofit/>
+          </a:bodyPr>
+          <a:lstStyle>
+            <a:lvl1pPr marL="0" indent="0" algn="l">
+              <a:buNone/>
+              <a:defRPr sz="1800">
+                <a:solidFill>
+                  <a:schemeClr val="bg2">
+                    <a:lumMod val="75000"/>
+                  </a:schemeClr>
+                </a:solidFill>
+              </a:defRPr>
+            </a:lvl1pPr>
+            <a:lvl2pPr marL="457200" indent="0">
+              <a:buNone/>
+              <a:defRPr sz="1800">
+                <a:solidFill>
+                  <a:schemeClr val="tx1">
+                    <a:tint val="75000"/>
+                  </a:schemeClr>
+                </a:solidFill>
+              </a:defRPr>
+            </a:lvl2pPr>
+            <a:lvl3pPr marL="914400" indent="0">
+              <a:buNone/>
+              <a:defRPr sz="1600">
+                <a:solidFill>
+                  <a:schemeClr val="tx1">
+                    <a:tint val="75000"/>
+                  </a:schemeClr>
+                </a:solidFill>
+              </a:defRPr>
+            </a:lvl3pPr>
+            <a:lvl4pPr marL="1371600" indent="0">
+              <a:buNone/>
+              <a:defRPr sz="1400">
+                <a:solidFill>
+                  <a:schemeClr val="tx1">
+                    <a:tint val="75000"/>
+                  </a:schemeClr>
+                </a:solidFill>
+              </a:defRPr>
+            </a:lvl4pPr>
+            <a:lvl5pPr marL="1828800" indent="0">
+              <a:buNone/>
+              <a:defRPr sz="1400">
+                <a:solidFill>
+                  <a:schemeClr val="tx1">
+                    <a:tint val="75000"/>
+                  </a:schemeClr>
+                </a:solidFill>
+              </a:defRPr>
+            </a:lvl5pPr>
+            <a:lvl6pPr marL="2286000" indent="0">
+              <a:buNone/>
+              <a:defRPr sz="1400">
+                <a:solidFill>
+                  <a:schemeClr val="tx1">
+                    <a:tint val="75000"/>
+                  </a:schemeClr>
+                </a:solidFill>
+              </a:defRPr>
+            </a:lvl6pPr>
+            <a:lvl7pPr marL="2743200" indent="0">
+              <a:buNone/>
+              <a:defRPr sz="1400">
+                <a:solidFill>
+                  <a:schemeClr val="tx1">
+                    <a:tint val="75000"/>
+                  </a:schemeClr>
+                </a:solidFill>
+              </a:defRPr>
+            </a:lvl7pPr>
+            <a:lvl8pPr marL="3200400" indent="0">
+              <a:buNone/>
+              <a:defRPr sz="1400">
+                <a:solidFill>
+                  <a:schemeClr val="tx1">
+                    <a:tint val="75000"/>
+                  </a:schemeClr>
+                </a:solidFill>
+              </a:defRPr>
+            </a:lvl8pPr>
+            <a:lvl9pPr marL="3657600" indent="0">
+              <a:buNone/>
+              <a:defRPr sz="1400">
+                <a:solidFill>
+                  <a:schemeClr val="tx1">
+                    <a:tint val="75000"/>
+                  </a:schemeClr>
+                </a:solidFill>
+              </a:defRPr>
+            </a:lvl9pPr>
+          </a:lstStyle>
+          <a:p>
+            <a:pPr lvl="0"/>
+            <a:r>
+              <a:rPr lang="ko-KR" altLang="en-US" smtClean="0"/>
+              <a:t>마스터 텍스트 스타일 편집</a:t>
+            </a:r>
+          </a:p>
+        </p:txBody>
+      </p:sp>
+      <p:sp>
+        <p:nvSpPr>
+          <p:cNvPr id="4" name="Date Placeholder 3"/>
+          <p:cNvSpPr>
+            <a:spLocks noGrp="1"/>
+          </p:cNvSpPr>
+          <p:nvPr>
+            <p:ph type="dt" sz="half" idx="10"/>
+          </p:nvPr>
+        </p:nvSpPr>
+        <p:spPr/>
+        <p:txBody>
+          <a:bodyPr/>
+          <a:lstStyle/>
+          <a:p>
+            <a:pPr algn="l" eaLnBrk="1" latinLnBrk="0" hangingPunct="1"/>
+            <a:fld id="{74CBEAF9-9E58-4CC8-A6FF-6DD8A58DEEA4}" type="datetimeFigureOut">
+              <a:rPr lang="en-US" smtClean="0"/>
+              <a:pPr algn="l" eaLnBrk="1" latinLnBrk="0" hangingPunct="1"/>
+              <a:t>4/27/2017</a:t>
+            </a:fld>
+            <a:endParaRPr lang="en-US" dirty="0">
+              <a:solidFill>
+                <a:schemeClr val="accent1">
+                  <a:shade val="75000"/>
+                </a:schemeClr>
+              </a:solidFill>
+            </a:endParaRPr>
+          </a:p>
+        </p:txBody>
+      </p:sp>
+      <p:sp>
+        <p:nvSpPr>
+          <p:cNvPr id="5" name="Footer Placeholder 4"/>
+          <p:cNvSpPr>
+            <a:spLocks noGrp="1"/>
+          </p:cNvSpPr>
+          <p:nvPr>
+            <p:ph type="ftr" sz="quarter" idx="11"/>
+          </p:nvPr>
+        </p:nvSpPr>
+        <p:spPr/>
+        <p:txBody>
+          <a:bodyPr/>
+          <a:lstStyle/>
+          <a:p>
+            <a:pPr algn="r" eaLnBrk="1" latinLnBrk="0" hangingPunct="1"/>
+            <a:endParaRPr kumimoji="0" lang="en-US" dirty="0">
+              <a:solidFill>
+                <a:schemeClr val="accent1">
+                  <a:shade val="75000"/>
+                </a:schemeClr>
+              </a:solidFill>
+            </a:endParaRPr>
+          </a:p>
+        </p:txBody>
+      </p:sp>
+      <p:sp>
+        <p:nvSpPr>
+          <p:cNvPr id="6" name="Slide Number Placeholder 5"/>
+          <p:cNvSpPr>
+            <a:spLocks noGrp="1"/>
+          </p:cNvSpPr>
+          <p:nvPr>
+            <p:ph type="sldNum" sz="quarter" idx="12"/>
+          </p:nvPr>
+        </p:nvSpPr>
+        <p:spPr/>
+        <p:txBody>
+          <a:bodyPr/>
+          <a:lstStyle/>
+          <a:p>
+            <a:fld id="{CA15C064-DD44-4CAC-873E-2D1F54821676}" type="slidenum">
+              <a:rPr kumimoji="0" lang="en-US" smtClean="0"/>
+              <a:pPr/>
+              <a:t>‹#›</a:t>
+            </a:fld>
+            <a:endParaRPr kumimoji="0" lang="en-US" dirty="0">
+              <a:solidFill>
+                <a:schemeClr val="accent1">
+                  <a:shade val="75000"/>
+                </a:schemeClr>
+              </a:solidFill>
+            </a:endParaRPr>
+          </a:p>
+        </p:txBody>
+      </p:sp>
+      <p:sp>
+        <p:nvSpPr>
+          <p:cNvPr id="14" name="TextBox 13"/>
+          <p:cNvSpPr txBox="1"/>
+          <p:nvPr/>
+        </p:nvSpPr>
+        <p:spPr>
+          <a:xfrm>
+            <a:off x="228600" y="710624"/>
+            <a:ext cx="457319" cy="584776"/>
+          </a:xfrm>
+          <a:prstGeom prst="rect">
+            <a:avLst/>
+          </a:prstGeom>
+        </p:spPr>
+        <p:txBody>
+          <a:bodyPr vert="horz" lIns="91440" tIns="45720" rIns="91440" bIns="45720" rtlCol="0" anchor="ctr">
+            <a:noAutofit/>
+          </a:bodyPr>
+          <a:lstStyle/>
+          <a:p>
+            <a:pPr lvl="0"/>
+            <a:r>
+              <a:rPr lang="en-US" sz="8000" dirty="0">
+                <a:solidFill>
+                  <a:schemeClr val="tx1"/>
+                </a:solidFill>
+                <a:effectLst/>
+              </a:rPr>
+              <a:t>“</a:t>
+            </a:r>
+          </a:p>
+        </p:txBody>
+      </p:sp>
+      <p:sp>
+        <p:nvSpPr>
+          <p:cNvPr id="15" name="TextBox 14"/>
+          <p:cNvSpPr txBox="1"/>
+          <p:nvPr/>
+        </p:nvSpPr>
+        <p:spPr>
+          <a:xfrm>
+            <a:off x="7696200" y="2768601"/>
+            <a:ext cx="457319" cy="584776"/>
+          </a:xfrm>
+          <a:prstGeom prst="rect">
+            <a:avLst/>
+          </a:prstGeom>
+        </p:spPr>
+        <p:txBody>
+          <a:bodyPr vert="horz" lIns="91440" tIns="45720" rIns="91440" bIns="45720" rtlCol="0" anchor="ctr">
+            <a:noAutofit/>
+          </a:bodyPr>
+          <a:lstStyle/>
+          <a:p>
+            <a:pPr lvl="0" algn="r"/>
+            <a:r>
+              <a:rPr lang="en-US" sz="8000" dirty="0">
+                <a:solidFill>
+                  <a:schemeClr val="tx1"/>
+                </a:solidFill>
+                <a:effectLst/>
+              </a:rPr>
+              <a:t>”</a:t>
+            </a:r>
+          </a:p>
+        </p:txBody>
+      </p:sp>
+    </p:spTree>
+    <p:extLst>
+      <p:ext uri="{BB962C8B-B14F-4D97-AF65-F5344CB8AC3E}">
+        <p14:creationId xmlns:p14="http://schemas.microsoft.com/office/powerpoint/2010/main" val="3347267468"/>
+      </p:ext>
+    </p:extLst>
+  </p:cSld>
+  <p:clrMapOvr>
+    <a:masterClrMapping/>
+  </p:clrMapOvr>
+</p:sldLayout>
+</file>
+
+<file path=ppt/slideLayouts/slideLayout15.xml><?xml version="1.0" encoding="utf-8"?>
+<p:sldLayout xmlns:a="http://schemas.openxmlformats.org/drawingml/2006/main" xmlns:r="http://schemas.openxmlformats.org/officeDocument/2006/relationships" xmlns:p="http://schemas.openxmlformats.org/presentationml/2006/main" preserve="1">
+  <p:cSld name="참 또는 거짓">
+    <p:spTree>
+      <p:nvGrpSpPr>
+        <p:cNvPr id="1" name=""/>
+        <p:cNvGrpSpPr/>
+        <p:nvPr/>
+      </p:nvGrpSpPr>
+      <p:grpSpPr>
+        <a:xfrm>
+          <a:off x="0" y="0"/>
+          <a:ext cx="0" cy="0"/>
+          <a:chOff x="0" y="0"/>
+          <a:chExt cx="0" cy="0"/>
+        </a:xfrm>
+      </p:grpSpPr>
+      <p:sp>
+        <p:nvSpPr>
+          <p:cNvPr id="2" name="Title 1"/>
+          <p:cNvSpPr>
+            <a:spLocks noGrp="1"/>
+          </p:cNvSpPr>
+          <p:nvPr>
+            <p:ph type="title"/>
+          </p:nvPr>
+        </p:nvSpPr>
+        <p:spPr>
+          <a:xfrm>
+            <a:off x="533400" y="533400"/>
+            <a:ext cx="7525658" cy="2895600"/>
+          </a:xfrm>
+        </p:spPr>
+        <p:txBody>
+          <a:bodyPr vert="horz" lIns="91440" tIns="45720" rIns="91440" bIns="45720" rtlCol="0" anchor="ctr">
+            <a:normAutofit/>
+          </a:bodyPr>
+          <a:lstStyle>
+            <a:lvl1pPr>
+              <a:defRPr lang="en-US" sz="2800" b="0" dirty="0"/>
+            </a:lvl1pPr>
+          </a:lstStyle>
+          <a:p>
+            <a:pPr marL="0" lvl="0"/>
+            <a:r>
+              <a:rPr lang="ko-KR" altLang="en-US" smtClean="0"/>
+              <a:t>마스터 제목 스타일 편집</a:t>
+            </a:r>
+            <a:endParaRPr lang="en-US" dirty="0"/>
+          </a:p>
+        </p:txBody>
+      </p:sp>
+      <p:sp>
+        <p:nvSpPr>
+          <p:cNvPr id="10" name="Text Placeholder 9"/>
+          <p:cNvSpPr>
+            <a:spLocks noGrp="1"/>
+          </p:cNvSpPr>
+          <p:nvPr>
+            <p:ph type="body" sz="quarter" idx="13"/>
+          </p:nvPr>
+        </p:nvSpPr>
+        <p:spPr>
+          <a:xfrm>
+            <a:off x="533400" y="3928534"/>
+            <a:ext cx="6382361" cy="838200"/>
+          </a:xfrm>
+        </p:spPr>
+        <p:txBody>
+          <a:bodyPr vert="horz" lIns="91440" tIns="45720" rIns="91440" bIns="45720" rtlCol="0" anchor="b">
+            <a:normAutofit/>
+          </a:bodyPr>
+          <a:lstStyle>
+            <a:lvl1pPr>
+              <a:buNone/>
+              <a:defRPr lang="en-US" sz="2000" b="0" cap="all" dirty="0">
+                <a:ln w="3175" cmpd="sng">
+                  <a:noFill/>
+                </a:ln>
+                <a:solidFill>
+                  <a:schemeClr val="tx1"/>
+                </a:solidFill>
+                <a:effectLst/>
+              </a:defRPr>
+            </a:lvl1pPr>
+          </a:lstStyle>
+          <a:p>
+            <a:pPr marL="0" lvl="0">
+              <a:spcBef>
+                <a:spcPct val="0"/>
+              </a:spcBef>
+              <a:buNone/>
+            </a:pPr>
+            <a:r>
+              <a:rPr lang="ko-KR" altLang="en-US" smtClean="0"/>
+              <a:t>마스터 텍스트 스타일 편집</a:t>
+            </a:r>
+          </a:p>
+        </p:txBody>
+      </p:sp>
+      <p:sp>
+        <p:nvSpPr>
+          <p:cNvPr id="3" name="Text Placeholder 2"/>
+          <p:cNvSpPr>
+            <a:spLocks noGrp="1"/>
+          </p:cNvSpPr>
+          <p:nvPr>
+            <p:ph type="body" idx="1"/>
+          </p:nvPr>
+        </p:nvSpPr>
+        <p:spPr>
+          <a:xfrm>
+            <a:off x="533400" y="4766735"/>
+            <a:ext cx="6382360" cy="1253065"/>
+          </a:xfrm>
+        </p:spPr>
+        <p:txBody>
+          <a:bodyPr anchor="t">
+            <a:normAutofit/>
+          </a:bodyPr>
+          <a:lstStyle>
+            <a:lvl1pPr marL="0" indent="0" algn="l">
+              <a:buNone/>
+              <a:defRPr sz="1800">
+                <a:solidFill>
+                  <a:schemeClr val="bg2">
+                    <a:lumMod val="75000"/>
+                  </a:schemeClr>
+                </a:solidFill>
+              </a:defRPr>
+            </a:lvl1pPr>
+            <a:lvl2pPr marL="457200" indent="0">
+              <a:buNone/>
+              <a:defRPr sz="1800">
+                <a:solidFill>
+                  <a:schemeClr val="tx1">
+                    <a:tint val="75000"/>
+                  </a:schemeClr>
+                </a:solidFill>
+              </a:defRPr>
+            </a:lvl2pPr>
+            <a:lvl3pPr marL="914400" indent="0">
+              <a:buNone/>
+              <a:defRPr sz="1600">
+                <a:solidFill>
+                  <a:schemeClr val="tx1">
+                    <a:tint val="75000"/>
+                  </a:schemeClr>
+                </a:solidFill>
+              </a:defRPr>
+            </a:lvl3pPr>
+            <a:lvl4pPr marL="1371600" indent="0">
+              <a:buNone/>
+              <a:defRPr sz="1400">
+                <a:solidFill>
+                  <a:schemeClr val="tx1">
+                    <a:tint val="75000"/>
+                  </a:schemeClr>
+                </a:solidFill>
+              </a:defRPr>
+            </a:lvl4pPr>
+            <a:lvl5pPr marL="1828800" indent="0">
+              <a:buNone/>
+              <a:defRPr sz="1400">
+                <a:solidFill>
+                  <a:schemeClr val="tx1">
+                    <a:tint val="75000"/>
+                  </a:schemeClr>
+                </a:solidFill>
+              </a:defRPr>
+            </a:lvl5pPr>
+            <a:lvl6pPr marL="2286000" indent="0">
+              <a:buNone/>
+              <a:defRPr sz="1400">
+                <a:solidFill>
+                  <a:schemeClr val="tx1">
+                    <a:tint val="75000"/>
+                  </a:schemeClr>
+                </a:solidFill>
+              </a:defRPr>
+            </a:lvl6pPr>
+            <a:lvl7pPr marL="2743200" indent="0">
+              <a:buNone/>
+              <a:defRPr sz="1400">
+                <a:solidFill>
+                  <a:schemeClr val="tx1">
+                    <a:tint val="75000"/>
+                  </a:schemeClr>
+                </a:solidFill>
+              </a:defRPr>
+            </a:lvl7pPr>
+            <a:lvl8pPr marL="3200400" indent="0">
+              <a:buNone/>
+              <a:defRPr sz="1400">
+                <a:solidFill>
+                  <a:schemeClr val="tx1">
+                    <a:tint val="75000"/>
+                  </a:schemeClr>
+                </a:solidFill>
+              </a:defRPr>
+            </a:lvl8pPr>
+            <a:lvl9pPr marL="3657600" indent="0">
+              <a:buNone/>
+              <a:defRPr sz="1400">
+                <a:solidFill>
+                  <a:schemeClr val="tx1">
+                    <a:tint val="75000"/>
+                  </a:schemeClr>
+                </a:solidFill>
+              </a:defRPr>
+            </a:lvl9pPr>
+          </a:lstStyle>
+          <a:p>
+            <a:pPr lvl="0"/>
+            <a:r>
+              <a:rPr lang="ko-KR" altLang="en-US" smtClean="0"/>
+              <a:t>마스터 텍스트 스타일 편집</a:t>
+            </a:r>
+          </a:p>
+        </p:txBody>
+      </p:sp>
+      <p:sp>
+        <p:nvSpPr>
+          <p:cNvPr id="4" name="Date Placeholder 3"/>
+          <p:cNvSpPr>
+            <a:spLocks noGrp="1"/>
+          </p:cNvSpPr>
+          <p:nvPr>
+            <p:ph type="dt" sz="half" idx="10"/>
+          </p:nvPr>
+        </p:nvSpPr>
+        <p:spPr/>
+        <p:txBody>
+          <a:bodyPr/>
+          <a:lstStyle/>
+          <a:p>
+            <a:pPr algn="l" eaLnBrk="1" latinLnBrk="0" hangingPunct="1"/>
+            <a:fld id="{74CBEAF9-9E58-4CC8-A6FF-6DD8A58DEEA4}" type="datetimeFigureOut">
+              <a:rPr lang="en-US" smtClean="0"/>
+              <a:pPr algn="l" eaLnBrk="1" latinLnBrk="0" hangingPunct="1"/>
+              <a:t>4/27/2017</a:t>
+            </a:fld>
+            <a:endParaRPr lang="en-US" dirty="0">
+              <a:solidFill>
+                <a:schemeClr val="accent1">
+                  <a:shade val="75000"/>
+                </a:schemeClr>
+              </a:solidFill>
+            </a:endParaRPr>
+          </a:p>
+        </p:txBody>
+      </p:sp>
+      <p:sp>
+        <p:nvSpPr>
+          <p:cNvPr id="5" name="Footer Placeholder 4"/>
+          <p:cNvSpPr>
+            <a:spLocks noGrp="1"/>
+          </p:cNvSpPr>
+          <p:nvPr>
+            <p:ph type="ftr" sz="quarter" idx="11"/>
+          </p:nvPr>
+        </p:nvSpPr>
+        <p:spPr/>
+        <p:txBody>
+          <a:bodyPr/>
+          <a:lstStyle/>
+          <a:p>
+            <a:pPr algn="r" eaLnBrk="1" latinLnBrk="0" hangingPunct="1"/>
+            <a:endParaRPr kumimoji="0" lang="en-US" dirty="0">
+              <a:solidFill>
+                <a:schemeClr val="accent1">
+                  <a:shade val="75000"/>
+                </a:schemeClr>
+              </a:solidFill>
+            </a:endParaRPr>
+          </a:p>
+        </p:txBody>
+      </p:sp>
+      <p:sp>
+        <p:nvSpPr>
+          <p:cNvPr id="6" name="Slide Number Placeholder 5"/>
+          <p:cNvSpPr>
+            <a:spLocks noGrp="1"/>
+          </p:cNvSpPr>
+          <p:nvPr>
+            <p:ph type="sldNum" sz="quarter" idx="12"/>
+          </p:nvPr>
+        </p:nvSpPr>
+        <p:spPr/>
+        <p:txBody>
+          <a:bodyPr/>
+          <a:lstStyle/>
+          <a:p>
+            <a:fld id="{CA15C064-DD44-4CAC-873E-2D1F54821676}" type="slidenum">
+              <a:rPr kumimoji="0" lang="en-US" smtClean="0"/>
+              <a:pPr/>
+              <a:t>‹#›</a:t>
+            </a:fld>
+            <a:endParaRPr kumimoji="0" lang="en-US" dirty="0">
+              <a:solidFill>
+                <a:schemeClr val="accent1">
+                  <a:shade val="75000"/>
+                </a:schemeClr>
+              </a:solidFill>
+            </a:endParaRPr>
+          </a:p>
+        </p:txBody>
+      </p:sp>
+    </p:spTree>
+    <p:extLst>
+      <p:ext uri="{BB962C8B-B14F-4D97-AF65-F5344CB8AC3E}">
+        <p14:creationId xmlns:p14="http://schemas.microsoft.com/office/powerpoint/2010/main" val="714524287"/>
+      </p:ext>
+    </p:extLst>
+  </p:cSld>
+  <p:clrMapOvr>
+    <a:masterClrMapping/>
+  </p:clrMapOvr>
+</p:sldLayout>
+</file>
+
+<file path=ppt/slideLayouts/slideLayout16.xml><?xml version="1.0" encoding="utf-8"?>
 <p:sldLayout xmlns:a="http://schemas.openxmlformats.org/drawingml/2006/main" xmlns:r="http://schemas.openxmlformats.org/officeDocument/2006/relationships" xmlns:p="http://schemas.openxmlformats.org/presentationml/2006/main" type="vertTx" preserve="1">
   <p:cSld name="제목 및 세로 텍스트">
     <p:spTree>
@@ -374,7 +2551,7 @@
       </p:grpSpPr>
       <p:sp>
         <p:nvSpPr>
-          <p:cNvPr id="2" name="제목 1"/>
+          <p:cNvPr id="2" name="Title 1"/>
           <p:cNvSpPr>
             <a:spLocks noGrp="1"/>
           </p:cNvSpPr>
@@ -382,22 +2559,33 @@
             <p:ph type="title"/>
           </p:nvPr>
         </p:nvSpPr>
-        <p:spPr/>
-        <p:txBody>
-          <a:bodyPr/>
-          <a:lstStyle/>
-          <a:p>
-            <a:r>
-              <a:rPr kumimoji="0" lang="ko-KR" altLang="en-US" smtClean="0"/>
+        <p:spPr>
+          <a:xfrm>
+            <a:off x="533400" y="4495800"/>
+            <a:ext cx="6554867" cy="1524000"/>
+          </a:xfrm>
+        </p:spPr>
+        <p:txBody>
+          <a:bodyPr>
+            <a:normAutofit/>
+          </a:bodyPr>
+          <a:lstStyle>
+            <a:lvl1pPr algn="l">
+              <a:defRPr sz="2800"/>
+            </a:lvl1pPr>
+          </a:lstStyle>
+          <a:p>
+            <a:r>
+              <a:rPr lang="ko-KR" altLang="en-US" smtClean="0"/>
               <a:t>마스터 제목 스타일 편집</a:t>
             </a:r>
-            <a:endParaRPr kumimoji="0" lang="en-US"/>
-          </a:p>
-        </p:txBody>
-      </p:sp>
-      <p:sp>
-        <p:nvSpPr>
-          <p:cNvPr id="3" name="세로 텍스트 개체 틀 2"/>
+            <a:endParaRPr lang="en-US" dirty="0"/>
+          </a:p>
+        </p:txBody>
+      </p:sp>
+      <p:sp>
+        <p:nvSpPr>
+          <p:cNvPr id="3" name="Vertical Text Placeholder 2"/>
           <p:cNvSpPr>
             <a:spLocks noGrp="1"/>
           </p:cNvSpPr>
@@ -405,51 +2593,56 @@
             <p:ph type="body" orient="vert" idx="1"/>
           </p:nvPr>
         </p:nvSpPr>
-        <p:spPr/>
-        <p:txBody>
-          <a:bodyPr vert="eaVert"/>
-          <a:lstStyle/>
-          <a:p>
-            <a:pPr lvl="0" eaLnBrk="1" latinLnBrk="0" hangingPunct="1"/>
-            <a:r>
-              <a:rPr lang="ko-KR" altLang="en-US" smtClean="0"/>
-              <a:t>마스터 텍스트 스타일을 편집합니다</a:t>
-            </a:r>
-          </a:p>
-          <a:p>
-            <a:pPr lvl="1" eaLnBrk="1" latinLnBrk="0" hangingPunct="1"/>
+        <p:spPr>
+          <a:xfrm>
+            <a:off x="533400" y="533401"/>
+            <a:ext cx="6554867" cy="3767670"/>
+          </a:xfrm>
+        </p:spPr>
+        <p:txBody>
+          <a:bodyPr vert="eaVert" anchor="t"/>
+          <a:lstStyle/>
+          <a:p>
+            <a:pPr lvl="0"/>
+            <a:r>
+              <a:rPr lang="ko-KR" altLang="en-US" smtClean="0"/>
+              <a:t>마스터 텍스트 스타일 편집</a:t>
+            </a:r>
+          </a:p>
+          <a:p>
+            <a:pPr lvl="1"/>
             <a:r>
               <a:rPr lang="ko-KR" altLang="en-US" smtClean="0"/>
               <a:t>둘째 수준</a:t>
             </a:r>
           </a:p>
           <a:p>
-            <a:pPr lvl="2" eaLnBrk="1" latinLnBrk="0" hangingPunct="1"/>
+            <a:pPr lvl="2"/>
             <a:r>
               <a:rPr lang="ko-KR" altLang="en-US" smtClean="0"/>
               <a:t>셋째 수준</a:t>
             </a:r>
           </a:p>
           <a:p>
-            <a:pPr lvl="3" eaLnBrk="1" latinLnBrk="0" hangingPunct="1"/>
+            <a:pPr lvl="3"/>
             <a:r>
               <a:rPr lang="ko-KR" altLang="en-US" smtClean="0"/>
               <a:t>넷째 수준</a:t>
             </a:r>
           </a:p>
           <a:p>
-            <a:pPr lvl="4" eaLnBrk="1" latinLnBrk="0" hangingPunct="1"/>
+            <a:pPr lvl="4"/>
             <a:r>
               <a:rPr lang="ko-KR" altLang="en-US" smtClean="0"/>
               <a:t>다섯째 수준</a:t>
             </a:r>
-            <a:endParaRPr kumimoji="0" lang="en-US"/>
-          </a:p>
-        </p:txBody>
-      </p:sp>
-      <p:sp>
-        <p:nvSpPr>
-          <p:cNvPr id="4" name="날짜 개체 틀 3"/>
+            <a:endParaRPr lang="en-US" dirty="0"/>
+          </a:p>
+        </p:txBody>
+      </p:sp>
+      <p:sp>
+        <p:nvSpPr>
+          <p:cNvPr id="4" name="Date Placeholder 3"/>
           <p:cNvSpPr>
             <a:spLocks noGrp="1"/>
           </p:cNvSpPr>
@@ -465,7 +2658,7 @@
             <a:fld id="{74CBEAF9-9E58-4CC8-A6FF-6DD8A58DEEA4}" type="datetimeFigureOut">
               <a:rPr lang="en-US" smtClean="0"/>
               <a:pPr/>
-              <a:t>4/26/2017</a:t>
+              <a:t>4/27/2017</a:t>
             </a:fld>
             <a:endParaRPr lang="en-US"/>
           </a:p>
@@ -473,7 +2666,7 @@
       </p:sp>
       <p:sp>
         <p:nvSpPr>
-          <p:cNvPr id="5" name="바닥글 개체 틀 4"/>
+          <p:cNvPr id="5" name="Footer Placeholder 4"/>
           <p:cNvSpPr>
             <a:spLocks noGrp="1"/>
           </p:cNvSpPr>
@@ -492,7 +2685,7 @@
       </p:sp>
       <p:sp>
         <p:nvSpPr>
-          <p:cNvPr id="6" name="슬라이드 번호 개체 틀 5"/>
+          <p:cNvPr id="6" name="Slide Number Placeholder 5"/>
           <p:cNvSpPr>
             <a:spLocks noGrp="1"/>
           </p:cNvSpPr>
@@ -515,6 +2708,11 @@
         </p:txBody>
       </p:sp>
     </p:spTree>
+    <p:extLst>
+      <p:ext uri="{BB962C8B-B14F-4D97-AF65-F5344CB8AC3E}">
+        <p14:creationId xmlns:p14="http://schemas.microsoft.com/office/powerpoint/2010/main" val="3825872299"/>
+      </p:ext>
+    </p:extLst>
   </p:cSld>
   <p:clrMapOvr>
     <a:masterClrMapping/>
@@ -522,8 +2720,8 @@
 </p:sldLayout>
 </file>
 
-<file path=ppt/slideLayouts/slideLayout11.xml><?xml version="1.0" encoding="utf-8"?>
-<p:sldLayout xmlns:a="http://schemas.openxmlformats.org/drawingml/2006/main" xmlns:r="http://schemas.openxmlformats.org/officeDocument/2006/relationships" xmlns:p="http://schemas.openxmlformats.org/presentationml/2006/main" showMasterSp="0" type="vertTitleAndTx" preserve="1">
+<file path=ppt/slideLayouts/slideLayout17.xml><?xml version="1.0" encoding="utf-8"?>
+<p:sldLayout xmlns:a="http://schemas.openxmlformats.org/drawingml/2006/main" xmlns:r="http://schemas.openxmlformats.org/officeDocument/2006/relationships" xmlns:p="http://schemas.openxmlformats.org/presentationml/2006/main" type="vertTitleAndTx" preserve="1">
   <p:cSld name="세로 제목 및 텍스트">
     <p:spTree>
       <p:nvGrpSpPr>
@@ -541,7 +2739,7 @@
       </p:grpSpPr>
       <p:sp>
         <p:nvSpPr>
-          <p:cNvPr id="2" name="세로 제목 1"/>
+          <p:cNvPr id="2" name="Vertical Title 1"/>
           <p:cNvSpPr>
             <a:spLocks noGrp="1"/>
           </p:cNvSpPr>
@@ -551,25 +2749,31 @@
         </p:nvSpPr>
         <p:spPr>
           <a:xfrm>
-            <a:off x="6858000" y="549276"/>
-            <a:ext cx="1828800" cy="5851525"/>
+            <a:off x="6566406" y="533400"/>
+            <a:ext cx="2044194" cy="4419600"/>
           </a:xfrm>
         </p:spPr>
         <p:txBody>
-          <a:bodyPr vert="eaVert"/>
-          <a:lstStyle/>
-          <a:p>
-            <a:r>
-              <a:rPr kumimoji="0" lang="ko-KR" altLang="en-US" smtClean="0"/>
+          <a:bodyPr vert="eaVert">
+            <a:normAutofit/>
+          </a:bodyPr>
+          <a:lstStyle>
+            <a:lvl1pPr>
+              <a:defRPr sz="2800"/>
+            </a:lvl1pPr>
+          </a:lstStyle>
+          <a:p>
+            <a:r>
+              <a:rPr lang="ko-KR" altLang="en-US" smtClean="0"/>
               <a:t>마스터 제목 스타일 편집</a:t>
             </a:r>
-            <a:endParaRPr kumimoji="0" lang="en-US"/>
-          </a:p>
-        </p:txBody>
-      </p:sp>
-      <p:sp>
-        <p:nvSpPr>
-          <p:cNvPr id="3" name="세로 텍스트 개체 틀 2"/>
+            <a:endParaRPr lang="en-US" dirty="0"/>
+          </a:p>
+        </p:txBody>
+      </p:sp>
+      <p:sp>
+        <p:nvSpPr>
+          <p:cNvPr id="3" name="Vertical Text Placeholder 2"/>
           <p:cNvSpPr>
             <a:spLocks noGrp="1"/>
           </p:cNvSpPr>
@@ -579,54 +2783,54 @@
         </p:nvSpPr>
         <p:spPr>
           <a:xfrm>
-            <a:off x="457200" y="549276"/>
-            <a:ext cx="6248400" cy="5851525"/>
+            <a:off x="533400" y="533400"/>
+            <a:ext cx="5850012" cy="5486400"/>
           </a:xfrm>
         </p:spPr>
         <p:txBody>
-          <a:bodyPr vert="eaVert"/>
-          <a:lstStyle/>
-          <a:p>
-            <a:pPr lvl="0" eaLnBrk="1" latinLnBrk="0" hangingPunct="1"/>
-            <a:r>
-              <a:rPr lang="ko-KR" altLang="en-US" smtClean="0"/>
-              <a:t>마스터 텍스트 스타일을 편집합니다</a:t>
-            </a:r>
-          </a:p>
-          <a:p>
-            <a:pPr lvl="1" eaLnBrk="1" latinLnBrk="0" hangingPunct="1"/>
+          <a:bodyPr vert="eaVert" anchor="t"/>
+          <a:lstStyle/>
+          <a:p>
+            <a:pPr lvl="0"/>
+            <a:r>
+              <a:rPr lang="ko-KR" altLang="en-US" smtClean="0"/>
+              <a:t>마스터 텍스트 스타일 편집</a:t>
+            </a:r>
+          </a:p>
+          <a:p>
+            <a:pPr lvl="1"/>
             <a:r>
               <a:rPr lang="ko-KR" altLang="en-US" smtClean="0"/>
               <a:t>둘째 수준</a:t>
             </a:r>
           </a:p>
           <a:p>
-            <a:pPr lvl="2" eaLnBrk="1" latinLnBrk="0" hangingPunct="1"/>
+            <a:pPr lvl="2"/>
             <a:r>
               <a:rPr lang="ko-KR" altLang="en-US" smtClean="0"/>
               <a:t>셋째 수준</a:t>
             </a:r>
           </a:p>
           <a:p>
-            <a:pPr lvl="3" eaLnBrk="1" latinLnBrk="0" hangingPunct="1"/>
+            <a:pPr lvl="3"/>
             <a:r>
               <a:rPr lang="ko-KR" altLang="en-US" smtClean="0"/>
               <a:t>넷째 수준</a:t>
             </a:r>
           </a:p>
           <a:p>
-            <a:pPr lvl="4" eaLnBrk="1" latinLnBrk="0" hangingPunct="1"/>
+            <a:pPr lvl="4"/>
             <a:r>
               <a:rPr lang="ko-KR" altLang="en-US" smtClean="0"/>
               <a:t>다섯째 수준</a:t>
             </a:r>
-            <a:endParaRPr kumimoji="0" lang="en-US"/>
-          </a:p>
-        </p:txBody>
-      </p:sp>
-      <p:sp>
-        <p:nvSpPr>
-          <p:cNvPr id="4" name="날짜 개체 틀 3"/>
+            <a:endParaRPr lang="en-US" dirty="0"/>
+          </a:p>
+        </p:txBody>
+      </p:sp>
+      <p:sp>
+        <p:nvSpPr>
+          <p:cNvPr id="4" name="Date Placeholder 3"/>
           <p:cNvSpPr>
             <a:spLocks noGrp="1"/>
           </p:cNvSpPr>
@@ -642,7 +2846,7 @@
             <a:fld id="{74CBEAF9-9E58-4CC8-A6FF-6DD8A58DEEA4}" type="datetimeFigureOut">
               <a:rPr lang="en-US" smtClean="0"/>
               <a:pPr/>
-              <a:t>4/26/2017</a:t>
+              <a:t>4/27/2017</a:t>
             </a:fld>
             <a:endParaRPr lang="en-US"/>
           </a:p>
@@ -650,7 +2854,7 @@
       </p:sp>
       <p:sp>
         <p:nvSpPr>
-          <p:cNvPr id="5" name="바닥글 개체 틀 4"/>
+          <p:cNvPr id="5" name="Footer Placeholder 4"/>
           <p:cNvSpPr>
             <a:spLocks noGrp="1"/>
           </p:cNvSpPr>
@@ -669,7 +2873,7 @@
       </p:sp>
       <p:sp>
         <p:nvSpPr>
-          <p:cNvPr id="6" name="슬라이드 번호 개체 틀 5"/>
+          <p:cNvPr id="6" name="Slide Number Placeholder 5"/>
           <p:cNvSpPr>
             <a:spLocks noGrp="1"/>
           </p:cNvSpPr>
@@ -692,6 +2896,11 @@
         </p:txBody>
       </p:sp>
     </p:spTree>
+    <p:extLst>
+      <p:ext uri="{BB962C8B-B14F-4D97-AF65-F5344CB8AC3E}">
+        <p14:creationId xmlns:p14="http://schemas.microsoft.com/office/powerpoint/2010/main" val="104485579"/>
+      </p:ext>
+    </p:extLst>
   </p:cSld>
   <p:clrMapOvr>
     <a:masterClrMapping/>
@@ -718,7 +2927,7 @@
       </p:grpSpPr>
       <p:sp>
         <p:nvSpPr>
-          <p:cNvPr id="22" name="제목 21"/>
+          <p:cNvPr id="2" name="Title 1"/>
           <p:cNvSpPr>
             <a:spLocks noGrp="1"/>
           </p:cNvSpPr>
@@ -726,22 +2935,27 @@
             <p:ph type="title"/>
           </p:nvPr>
         </p:nvSpPr>
-        <p:spPr/>
+        <p:spPr>
+          <a:xfrm>
+            <a:off x="533400" y="4495800"/>
+            <a:ext cx="6554867" cy="1524000"/>
+          </a:xfrm>
+        </p:spPr>
         <p:txBody>
           <a:bodyPr/>
           <a:lstStyle/>
           <a:p>
             <a:r>
-              <a:rPr kumimoji="0" lang="ko-KR" altLang="en-US" smtClean="0"/>
+              <a:rPr lang="ko-KR" altLang="en-US" smtClean="0"/>
               <a:t>마스터 제목 스타일 편집</a:t>
             </a:r>
-            <a:endParaRPr kumimoji="0" lang="en-US"/>
-          </a:p>
-        </p:txBody>
-      </p:sp>
-      <p:sp>
-        <p:nvSpPr>
-          <p:cNvPr id="27" name="내용 개체 틀 26"/>
+            <a:endParaRPr lang="en-US" dirty="0"/>
+          </a:p>
+        </p:txBody>
+      </p:sp>
+      <p:sp>
+        <p:nvSpPr>
+          <p:cNvPr id="3" name="Content Placeholder 2"/>
           <p:cNvSpPr>
             <a:spLocks noGrp="1"/>
           </p:cNvSpPr>
@@ -749,51 +2963,56 @@
             <p:ph idx="1"/>
           </p:nvPr>
         </p:nvSpPr>
-        <p:spPr/>
-        <p:txBody>
-          <a:bodyPr/>
-          <a:lstStyle/>
-          <a:p>
-            <a:pPr lvl="0" eaLnBrk="1" latinLnBrk="0" hangingPunct="1"/>
-            <a:r>
-              <a:rPr lang="ko-KR" altLang="en-US" smtClean="0"/>
-              <a:t>마스터 텍스트 스타일을 편집합니다</a:t>
-            </a:r>
-          </a:p>
-          <a:p>
-            <a:pPr lvl="1" eaLnBrk="1" latinLnBrk="0" hangingPunct="1"/>
+        <p:spPr>
+          <a:xfrm>
+            <a:off x="533400" y="533400"/>
+            <a:ext cx="6554867" cy="3767670"/>
+          </a:xfrm>
+        </p:spPr>
+        <p:txBody>
+          <a:bodyPr anchor="ctr"/>
+          <a:lstStyle/>
+          <a:p>
+            <a:pPr lvl="0"/>
+            <a:r>
+              <a:rPr lang="ko-KR" altLang="en-US" smtClean="0"/>
+              <a:t>마스터 텍스트 스타일 편집</a:t>
+            </a:r>
+          </a:p>
+          <a:p>
+            <a:pPr lvl="1"/>
             <a:r>
               <a:rPr lang="ko-KR" altLang="en-US" smtClean="0"/>
               <a:t>둘째 수준</a:t>
             </a:r>
           </a:p>
           <a:p>
-            <a:pPr lvl="2" eaLnBrk="1" latinLnBrk="0" hangingPunct="1"/>
+            <a:pPr lvl="2"/>
             <a:r>
               <a:rPr lang="ko-KR" altLang="en-US" smtClean="0"/>
               <a:t>셋째 수준</a:t>
             </a:r>
           </a:p>
           <a:p>
-            <a:pPr lvl="3" eaLnBrk="1" latinLnBrk="0" hangingPunct="1"/>
+            <a:pPr lvl="3"/>
             <a:r>
               <a:rPr lang="ko-KR" altLang="en-US" smtClean="0"/>
               <a:t>넷째 수준</a:t>
             </a:r>
           </a:p>
           <a:p>
-            <a:pPr lvl="4" eaLnBrk="1" latinLnBrk="0" hangingPunct="1"/>
+            <a:pPr lvl="4"/>
             <a:r>
               <a:rPr lang="ko-KR" altLang="en-US" smtClean="0"/>
               <a:t>다섯째 수준</a:t>
             </a:r>
-            <a:endParaRPr kumimoji="0" lang="en-US"/>
-          </a:p>
-        </p:txBody>
-      </p:sp>
-      <p:sp>
-        <p:nvSpPr>
-          <p:cNvPr id="25" name="날짜 개체 틀 24"/>
+            <a:endParaRPr lang="en-US" dirty="0"/>
+          </a:p>
+        </p:txBody>
+      </p:sp>
+      <p:sp>
+        <p:nvSpPr>
+          <p:cNvPr id="4" name="Date Placeholder 3"/>
           <p:cNvSpPr>
             <a:spLocks noGrp="1"/>
           </p:cNvSpPr>
@@ -809,7 +3028,7 @@
             <a:fld id="{74CBEAF9-9E58-4CC8-A6FF-6DD8A58DEEA4}" type="datetimeFigureOut">
               <a:rPr lang="en-US" smtClean="0"/>
               <a:pPr/>
-              <a:t>4/26/2017</a:t>
+              <a:t>4/27/2017</a:t>
             </a:fld>
             <a:endParaRPr lang="en-US"/>
           </a:p>
@@ -817,7 +3036,7 @@
       </p:sp>
       <p:sp>
         <p:nvSpPr>
-          <p:cNvPr id="19" name="바닥글 개체 틀 18"/>
+          <p:cNvPr id="5" name="Footer Placeholder 4"/>
           <p:cNvSpPr>
             <a:spLocks noGrp="1"/>
           </p:cNvSpPr>
@@ -825,12 +3044,7 @@
             <p:ph type="ftr" sz="quarter" idx="11"/>
           </p:nvPr>
         </p:nvSpPr>
-        <p:spPr>
-          <a:xfrm>
-            <a:off x="3581400" y="76200"/>
-            <a:ext cx="2895600" cy="288925"/>
-          </a:xfrm>
-        </p:spPr>
+        <p:spPr/>
         <p:txBody>
           <a:bodyPr/>
           <a:lstStyle/>
@@ -841,7 +3055,7 @@
       </p:sp>
       <p:sp>
         <p:nvSpPr>
-          <p:cNvPr id="16" name="슬라이드 번호 개체 틀 15"/>
+          <p:cNvPr id="6" name="Slide Number Placeholder 5"/>
           <p:cNvSpPr>
             <a:spLocks noGrp="1"/>
           </p:cNvSpPr>
@@ -849,12 +3063,7 @@
             <p:ph type="sldNum" sz="quarter" idx="12"/>
           </p:nvPr>
         </p:nvSpPr>
-        <p:spPr>
-          <a:xfrm>
-            <a:off x="8229600" y="6473952"/>
-            <a:ext cx="758952" cy="246888"/>
-          </a:xfrm>
-        </p:spPr>
+        <p:spPr/>
         <p:txBody>
           <a:bodyPr/>
           <a:lstStyle/>
@@ -869,6 +3078,11 @@
         </p:txBody>
       </p:sp>
     </p:spTree>
+    <p:extLst>
+      <p:ext uri="{BB962C8B-B14F-4D97-AF65-F5344CB8AC3E}">
+        <p14:creationId xmlns:p14="http://schemas.microsoft.com/office/powerpoint/2010/main" val="2013731434"/>
+      </p:ext>
+    </p:extLst>
   </p:cSld>
   <p:clrMapOvr>
     <a:masterClrMapping/>
@@ -877,13 +3091,8 @@
 </file>
 
 <file path=ppt/slideLayouts/slideLayout3.xml><?xml version="1.0" encoding="utf-8"?>
-<p:sldLayout xmlns:a="http://schemas.openxmlformats.org/drawingml/2006/main" xmlns:r="http://schemas.openxmlformats.org/officeDocument/2006/relationships" xmlns:p="http://schemas.openxmlformats.org/presentationml/2006/main" showMasterSp="0" type="secHead" preserve="1">
+<p:sldLayout xmlns:a="http://schemas.openxmlformats.org/drawingml/2006/main" xmlns:r="http://schemas.openxmlformats.org/officeDocument/2006/relationships" xmlns:p="http://schemas.openxmlformats.org/presentationml/2006/main" type="secHead" preserve="1">
   <p:cSld name="구역 머리글">
-    <p:bg>
-      <p:bgRef idx="1003">
-        <a:schemeClr val="bg2"/>
-      </p:bgRef>
-    </p:bg>
     <p:spTree>
       <p:nvGrpSpPr>
         <p:cNvPr id="1" name=""/>
@@ -900,84 +3109,70 @@
       </p:grpSpPr>
       <p:sp>
         <p:nvSpPr>
-          <p:cNvPr id="7" name="직선 연결선 6"/>
-          <p:cNvSpPr>
-            <a:spLocks noChangeShapeType="1"/>
-          </p:cNvSpPr>
-          <p:nvPr/>
-        </p:nvSpPr>
-        <p:spPr bwMode="auto">
-          <a:xfrm>
-            <a:off x="514350" y="3444902"/>
-            <a:ext cx="8629650" cy="2381"/>
-          </a:xfrm>
-          <a:prstGeom prst="line">
-            <a:avLst/>
-          </a:prstGeom>
-          <a:noFill/>
-          <a:ln w="9525" cap="flat" cmpd="sng" algn="ctr">
-            <a:gradFill flip="none" rotWithShape="1">
-              <a:gsLst>
-                <a:gs pos="0">
-                  <a:schemeClr val="accent1">
-                    <a:alpha val="0"/>
-                  </a:schemeClr>
-                </a:gs>
-                <a:gs pos="17000">
-                  <a:schemeClr val="accent1"/>
-                </a:gs>
-                <a:gs pos="100000">
-                  <a:schemeClr val="accent1"/>
-                </a:gs>
-              </a:gsLst>
-              <a:lin ang="0" scaled="1"/>
-              <a:tileRect/>
-            </a:gradFill>
-            <a:prstDash val="solid"/>
-            <a:round/>
-            <a:headEnd type="none" w="med" len="med"/>
-            <a:tailEnd type="none" w="med" len="med"/>
-          </a:ln>
-          <a:effectLst/>
-        </p:spPr>
-        <p:txBody>
-          <a:bodyPr vert="horz" wrap="square" lIns="91440" tIns="45720" rIns="91440" bIns="45720" anchor="t" compatLnSpc="1"/>
-          <a:lstStyle/>
-          <a:p>
-            <a:endParaRPr kumimoji="0" lang="en-US"/>
-          </a:p>
-        </p:txBody>
-      </p:sp>
-      <p:sp>
-        <p:nvSpPr>
-          <p:cNvPr id="6" name="텍스트 개체 틀 5"/>
-          <p:cNvSpPr>
-            <a:spLocks noGrp="1"/>
-          </p:cNvSpPr>
-          <p:nvPr>
-            <p:ph type="body" idx="1"/>
+          <p:cNvPr id="2" name="Title 1"/>
+          <p:cNvSpPr>
+            <a:spLocks noGrp="1"/>
+          </p:cNvSpPr>
+          <p:nvPr>
+            <p:ph type="title"/>
           </p:nvPr>
         </p:nvSpPr>
         <p:spPr>
           <a:xfrm>
-            <a:off x="381000" y="1676400"/>
-            <a:ext cx="8458200" cy="1219200"/>
+            <a:off x="533400" y="1981199"/>
+            <a:ext cx="6402468" cy="2319867"/>
           </a:xfrm>
         </p:spPr>
         <p:txBody>
-          <a:bodyPr anchor="b"/>
+          <a:bodyPr anchor="b">
+            <a:normAutofit/>
+          </a:bodyPr>
           <a:lstStyle>
-            <a:lvl1pPr marL="0" indent="0" algn="r">
-              <a:buNone/>
-              <a:defRPr sz="2000">
+            <a:lvl1pPr algn="l">
+              <a:defRPr sz="3200" b="0" cap="all"/>
+            </a:lvl1pPr>
+          </a:lstStyle>
+          <a:p>
+            <a:r>
+              <a:rPr lang="ko-KR" altLang="en-US" smtClean="0"/>
+              <a:t>마스터 제목 스타일 편집</a:t>
+            </a:r>
+            <a:endParaRPr lang="en-US" dirty="0"/>
+          </a:p>
+        </p:txBody>
+      </p:sp>
+      <p:sp>
+        <p:nvSpPr>
+          <p:cNvPr id="3" name="Text Placeholder 2"/>
+          <p:cNvSpPr>
+            <a:spLocks noGrp="1"/>
+          </p:cNvSpPr>
+          <p:nvPr>
+            <p:ph type="body" idx="1"/>
+          </p:nvPr>
+        </p:nvSpPr>
+        <p:spPr>
+          <a:xfrm>
+            <a:off x="533400" y="4487333"/>
+            <a:ext cx="6402467" cy="1532467"/>
+          </a:xfrm>
+        </p:spPr>
+        <p:txBody>
+          <a:bodyPr anchor="t">
+            <a:normAutofit/>
+          </a:bodyPr>
+          <a:lstStyle>
+            <a:lvl1pPr marL="0" indent="0" algn="l">
+              <a:buNone/>
+              <a:defRPr sz="1800">
                 <a:solidFill>
-                  <a:schemeClr val="tx2">
-                    <a:shade val="75000"/>
+                  <a:schemeClr val="bg2">
+                    <a:lumMod val="75000"/>
                   </a:schemeClr>
                 </a:solidFill>
               </a:defRPr>
             </a:lvl1pPr>
-            <a:lvl2pPr>
+            <a:lvl2pPr marL="457200" indent="0">
               <a:buNone/>
               <a:defRPr sz="1800">
                 <a:solidFill>
@@ -987,7 +3182,7 @@
                 </a:solidFill>
               </a:defRPr>
             </a:lvl2pPr>
-            <a:lvl3pPr>
+            <a:lvl3pPr marL="914400" indent="0">
               <a:buNone/>
               <a:defRPr sz="1600">
                 <a:solidFill>
@@ -997,7 +3192,7 @@
                 </a:solidFill>
               </a:defRPr>
             </a:lvl3pPr>
-            <a:lvl4pPr>
+            <a:lvl4pPr marL="1371600" indent="0">
               <a:buNone/>
               <a:defRPr sz="1400">
                 <a:solidFill>
@@ -1007,7 +3202,7 @@
                 </a:solidFill>
               </a:defRPr>
             </a:lvl4pPr>
-            <a:lvl5pPr>
+            <a:lvl5pPr marL="1828800" indent="0">
               <a:buNone/>
               <a:defRPr sz="1400">
                 <a:solidFill>
@@ -1017,19 +3212,59 @@
                 </a:solidFill>
               </a:defRPr>
             </a:lvl5pPr>
+            <a:lvl6pPr marL="2286000" indent="0">
+              <a:buNone/>
+              <a:defRPr sz="1400">
+                <a:solidFill>
+                  <a:schemeClr val="tx1">
+                    <a:tint val="75000"/>
+                  </a:schemeClr>
+                </a:solidFill>
+              </a:defRPr>
+            </a:lvl6pPr>
+            <a:lvl7pPr marL="2743200" indent="0">
+              <a:buNone/>
+              <a:defRPr sz="1400">
+                <a:solidFill>
+                  <a:schemeClr val="tx1">
+                    <a:tint val="75000"/>
+                  </a:schemeClr>
+                </a:solidFill>
+              </a:defRPr>
+            </a:lvl7pPr>
+            <a:lvl8pPr marL="3200400" indent="0">
+              <a:buNone/>
+              <a:defRPr sz="1400">
+                <a:solidFill>
+                  <a:schemeClr val="tx1">
+                    <a:tint val="75000"/>
+                  </a:schemeClr>
+                </a:solidFill>
+              </a:defRPr>
+            </a:lvl8pPr>
+            <a:lvl9pPr marL="3657600" indent="0">
+              <a:buNone/>
+              <a:defRPr sz="1400">
+                <a:solidFill>
+                  <a:schemeClr val="tx1">
+                    <a:tint val="75000"/>
+                  </a:schemeClr>
+                </a:solidFill>
+              </a:defRPr>
+            </a:lvl9pPr>
           </a:lstStyle>
           <a:p>
-            <a:pPr lvl="0" eaLnBrk="1" latinLnBrk="0" hangingPunct="1"/>
-            <a:r>
-              <a:rPr kumimoji="0" lang="ko-KR" altLang="en-US" smtClean="0"/>
-              <a:t>마스터 텍스트 스타일을 편집합니다</a:t>
-            </a:r>
-          </a:p>
-        </p:txBody>
-      </p:sp>
-      <p:sp>
-        <p:nvSpPr>
-          <p:cNvPr id="19" name="날짜 개체 틀 18"/>
+            <a:pPr lvl="0"/>
+            <a:r>
+              <a:rPr lang="ko-KR" altLang="en-US" smtClean="0"/>
+              <a:t>마스터 텍스트 스타일 편집</a:t>
+            </a:r>
+          </a:p>
+        </p:txBody>
+      </p:sp>
+      <p:sp>
+        <p:nvSpPr>
+          <p:cNvPr id="4" name="Date Placeholder 3"/>
           <p:cNvSpPr>
             <a:spLocks noGrp="1"/>
           </p:cNvSpPr>
@@ -1045,7 +3280,7 @@
             <a:fld id="{74CBEAF9-9E58-4CC8-A6FF-6DD8A58DEEA4}" type="datetimeFigureOut">
               <a:rPr lang="en-US" smtClean="0"/>
               <a:pPr/>
-              <a:t>4/26/2017</a:t>
+              <a:t>4/27/2017</a:t>
             </a:fld>
             <a:endParaRPr lang="en-US"/>
           </a:p>
@@ -1053,7 +3288,7 @@
       </p:sp>
       <p:sp>
         <p:nvSpPr>
-          <p:cNvPr id="11" name="바닥글 개체 틀 10"/>
+          <p:cNvPr id="5" name="Footer Placeholder 4"/>
           <p:cNvSpPr>
             <a:spLocks noGrp="1"/>
           </p:cNvSpPr>
@@ -1072,7 +3307,7 @@
       </p:sp>
       <p:sp>
         <p:nvSpPr>
-          <p:cNvPr id="16" name="슬라이드 번호 개체 틀 15"/>
+          <p:cNvPr id="6" name="Slide Number Placeholder 5"/>
           <p:cNvSpPr>
             <a:spLocks noGrp="1"/>
           </p:cNvSpPr>
@@ -1094,42 +3329,15 @@
           </a:p>
         </p:txBody>
       </p:sp>
-      <p:sp>
-        <p:nvSpPr>
-          <p:cNvPr id="8" name="제목 7"/>
-          <p:cNvSpPr>
-            <a:spLocks noGrp="1"/>
-          </p:cNvSpPr>
-          <p:nvPr>
-            <p:ph type="title"/>
-          </p:nvPr>
-        </p:nvSpPr>
-        <p:spPr>
-          <a:xfrm>
-            <a:off x="180475" y="2947085"/>
-            <a:ext cx="8686800" cy="1184825"/>
-          </a:xfrm>
-        </p:spPr>
-        <p:txBody>
-          <a:bodyPr rtlCol="0" anchor="t"/>
-          <a:lstStyle>
-            <a:lvl1pPr algn="r">
-              <a:defRPr/>
-            </a:lvl1pPr>
-          </a:lstStyle>
-          <a:p>
-            <a:r>
-              <a:rPr kumimoji="0" lang="ko-KR" altLang="en-US" smtClean="0"/>
-              <a:t>마스터 제목 스타일 편집</a:t>
-            </a:r>
-            <a:endParaRPr kumimoji="0" lang="en-US"/>
-          </a:p>
-        </p:txBody>
-      </p:sp>
     </p:spTree>
+    <p:extLst>
+      <p:ext uri="{BB962C8B-B14F-4D97-AF65-F5344CB8AC3E}">
+        <p14:creationId xmlns:p14="http://schemas.microsoft.com/office/powerpoint/2010/main" val="3466441216"/>
+      </p:ext>
+    </p:extLst>
   </p:cSld>
   <p:clrMapOvr>
-    <a:overrideClrMapping bg1="dk1" tx1="lt1" bg2="dk2" tx2="lt2" accent1="accent1" accent2="accent2" accent3="accent3" accent4="accent4" accent5="accent5" accent6="accent6" hlink="hlink" folHlink="folHlink"/>
+    <a:masterClrMapping/>
   </p:clrMapOvr>
 </p:sldLayout>
 </file>
@@ -1153,7 +3361,7 @@
       </p:grpSpPr>
       <p:sp>
         <p:nvSpPr>
-          <p:cNvPr id="20" name="제목 19"/>
+          <p:cNvPr id="2" name="Title 1"/>
           <p:cNvSpPr>
             <a:spLocks noGrp="1"/>
           </p:cNvSpPr>
@@ -1163,171 +3371,149 @@
         </p:nvSpPr>
         <p:spPr>
           <a:xfrm>
-            <a:off x="301752" y="457200"/>
-            <a:ext cx="8686800" cy="841248"/>
+            <a:off x="533400" y="4495800"/>
+            <a:ext cx="6554867" cy="1524000"/>
           </a:xfrm>
         </p:spPr>
         <p:txBody>
-          <a:bodyPr/>
-          <a:lstStyle/>
-          <a:p>
-            <a:r>
-              <a:rPr kumimoji="0" lang="ko-KR" altLang="en-US" smtClean="0"/>
+          <a:bodyPr>
+            <a:normAutofit/>
+          </a:bodyPr>
+          <a:lstStyle>
+            <a:lvl1pPr>
+              <a:defRPr sz="3200"/>
+            </a:lvl1pPr>
+          </a:lstStyle>
+          <a:p>
+            <a:r>
+              <a:rPr lang="ko-KR" altLang="en-US" smtClean="0"/>
               <a:t>마스터 제목 스타일 편집</a:t>
             </a:r>
-            <a:endParaRPr kumimoji="0" lang="en-US"/>
-          </a:p>
-        </p:txBody>
-      </p:sp>
-      <p:sp>
-        <p:nvSpPr>
-          <p:cNvPr id="14" name="내용 개체 틀 13"/>
-          <p:cNvSpPr>
-            <a:spLocks noGrp="1"/>
-          </p:cNvSpPr>
-          <p:nvPr>
-            <p:ph sz="half" idx="1"/>
+            <a:endParaRPr lang="en-US" dirty="0"/>
+          </a:p>
+        </p:txBody>
+      </p:sp>
+      <p:sp>
+        <p:nvSpPr>
+          <p:cNvPr id="11" name="Content Placeholder 3"/>
+          <p:cNvSpPr>
+            <a:spLocks noGrp="1"/>
+          </p:cNvSpPr>
+          <p:nvPr>
+            <p:ph sz="half" idx="13"/>
           </p:nvPr>
         </p:nvSpPr>
         <p:spPr>
           <a:xfrm>
-            <a:off x="304800" y="1600200"/>
-            <a:ext cx="4191000" cy="4724400"/>
+            <a:off x="533400" y="533400"/>
+            <a:ext cx="3949967" cy="3767667"/>
           </a:xfrm>
         </p:spPr>
         <p:txBody>
-          <a:bodyPr/>
-          <a:lstStyle>
-            <a:lvl1pPr>
-              <a:defRPr sz="2800"/>
-            </a:lvl1pPr>
-            <a:lvl2pPr>
-              <a:defRPr sz="2400"/>
-            </a:lvl2pPr>
-            <a:lvl3pPr>
-              <a:defRPr sz="2000"/>
-            </a:lvl3pPr>
-            <a:lvl4pPr>
-              <a:defRPr sz="1800"/>
-            </a:lvl4pPr>
-            <a:lvl5pPr>
-              <a:defRPr sz="1800"/>
-            </a:lvl5pPr>
-          </a:lstStyle>
-          <a:p>
-            <a:pPr lvl="0" eaLnBrk="1" latinLnBrk="0" hangingPunct="1"/>
-            <a:r>
-              <a:rPr lang="ko-KR" altLang="en-US" smtClean="0"/>
-              <a:t>마스터 텍스트 스타일을 편집합니다</a:t>
-            </a:r>
-          </a:p>
-          <a:p>
-            <a:pPr lvl="1" eaLnBrk="1" latinLnBrk="0" hangingPunct="1"/>
+          <a:bodyPr anchor="ctr">
+            <a:normAutofit/>
+          </a:bodyPr>
+          <a:lstStyle/>
+          <a:p>
+            <a:pPr lvl="0"/>
+            <a:r>
+              <a:rPr lang="ko-KR" altLang="en-US" smtClean="0"/>
+              <a:t>마스터 텍스트 스타일 편집</a:t>
+            </a:r>
+          </a:p>
+          <a:p>
+            <a:pPr lvl="1"/>
             <a:r>
               <a:rPr lang="ko-KR" altLang="en-US" smtClean="0"/>
               <a:t>둘째 수준</a:t>
             </a:r>
           </a:p>
           <a:p>
-            <a:pPr lvl="2" eaLnBrk="1" latinLnBrk="0" hangingPunct="1"/>
+            <a:pPr lvl="2"/>
             <a:r>
               <a:rPr lang="ko-KR" altLang="en-US" smtClean="0"/>
               <a:t>셋째 수준</a:t>
             </a:r>
           </a:p>
           <a:p>
-            <a:pPr lvl="3" eaLnBrk="1" latinLnBrk="0" hangingPunct="1"/>
+            <a:pPr lvl="3"/>
             <a:r>
               <a:rPr lang="ko-KR" altLang="en-US" smtClean="0"/>
               <a:t>넷째 수준</a:t>
             </a:r>
           </a:p>
           <a:p>
-            <a:pPr lvl="4" eaLnBrk="1" latinLnBrk="0" hangingPunct="1"/>
+            <a:pPr lvl="4"/>
             <a:r>
               <a:rPr lang="ko-KR" altLang="en-US" smtClean="0"/>
               <a:t>다섯째 수준</a:t>
             </a:r>
-            <a:endParaRPr kumimoji="0" lang="en-US"/>
-          </a:p>
-        </p:txBody>
-      </p:sp>
-      <p:sp>
-        <p:nvSpPr>
-          <p:cNvPr id="13" name="내용 개체 틀 12"/>
-          <p:cNvSpPr>
-            <a:spLocks noGrp="1"/>
-          </p:cNvSpPr>
-          <p:nvPr>
-            <p:ph sz="half" idx="2"/>
+            <a:endParaRPr lang="en-US" dirty="0"/>
+          </a:p>
+        </p:txBody>
+      </p:sp>
+      <p:sp>
+        <p:nvSpPr>
+          <p:cNvPr id="12" name="Content Placeholder 5"/>
+          <p:cNvSpPr>
+            <a:spLocks noGrp="1"/>
+          </p:cNvSpPr>
+          <p:nvPr>
+            <p:ph sz="quarter" idx="4"/>
           </p:nvPr>
         </p:nvSpPr>
         <p:spPr>
           <a:xfrm>
-            <a:off x="4648200" y="1600200"/>
-            <a:ext cx="4343400" cy="4724400"/>
+            <a:off x="4662362" y="533400"/>
+            <a:ext cx="3948238" cy="3759200"/>
           </a:xfrm>
         </p:spPr>
         <p:txBody>
-          <a:bodyPr/>
-          <a:lstStyle>
-            <a:lvl1pPr>
-              <a:defRPr sz="2800"/>
-            </a:lvl1pPr>
-            <a:lvl2pPr>
-              <a:defRPr sz="2400"/>
-            </a:lvl2pPr>
-            <a:lvl3pPr>
-              <a:defRPr sz="2000"/>
-            </a:lvl3pPr>
-            <a:lvl4pPr>
-              <a:defRPr sz="1800"/>
-            </a:lvl4pPr>
-            <a:lvl5pPr>
-              <a:defRPr sz="1800"/>
-            </a:lvl5pPr>
-          </a:lstStyle>
-          <a:p>
-            <a:pPr lvl="0" eaLnBrk="1" latinLnBrk="0" hangingPunct="1"/>
-            <a:r>
-              <a:rPr lang="ko-KR" altLang="en-US" smtClean="0"/>
-              <a:t>마스터 텍스트 스타일을 편집합니다</a:t>
-            </a:r>
-          </a:p>
-          <a:p>
-            <a:pPr lvl="1" eaLnBrk="1" latinLnBrk="0" hangingPunct="1"/>
+          <a:bodyPr anchor="ctr">
+            <a:normAutofit/>
+          </a:bodyPr>
+          <a:lstStyle/>
+          <a:p>
+            <a:pPr lvl="0"/>
+            <a:r>
+              <a:rPr lang="ko-KR" altLang="en-US" smtClean="0"/>
+              <a:t>마스터 텍스트 스타일 편집</a:t>
+            </a:r>
+          </a:p>
+          <a:p>
+            <a:pPr lvl="1"/>
             <a:r>
               <a:rPr lang="ko-KR" altLang="en-US" smtClean="0"/>
               <a:t>둘째 수준</a:t>
             </a:r>
           </a:p>
           <a:p>
-            <a:pPr lvl="2" eaLnBrk="1" latinLnBrk="0" hangingPunct="1"/>
+            <a:pPr lvl="2"/>
             <a:r>
               <a:rPr lang="ko-KR" altLang="en-US" smtClean="0"/>
               <a:t>셋째 수준</a:t>
             </a:r>
           </a:p>
           <a:p>
-            <a:pPr lvl="3" eaLnBrk="1" latinLnBrk="0" hangingPunct="1"/>
+            <a:pPr lvl="3"/>
             <a:r>
               <a:rPr lang="ko-KR" altLang="en-US" smtClean="0"/>
               <a:t>넷째 수준</a:t>
             </a:r>
           </a:p>
           <a:p>
-            <a:pPr lvl="4" eaLnBrk="1" latinLnBrk="0" hangingPunct="1"/>
+            <a:pPr lvl="4"/>
             <a:r>
               <a:rPr lang="ko-KR" altLang="en-US" smtClean="0"/>
               <a:t>다섯째 수준</a:t>
             </a:r>
-            <a:endParaRPr kumimoji="0" lang="en-US"/>
-          </a:p>
-        </p:txBody>
-      </p:sp>
-      <p:sp>
-        <p:nvSpPr>
-          <p:cNvPr id="21" name="날짜 개체 틀 20"/>
+            <a:endParaRPr lang="en-US" dirty="0"/>
+          </a:p>
+        </p:txBody>
+      </p:sp>
+      <p:sp>
+        <p:nvSpPr>
+          <p:cNvPr id="5" name="Date Placeholder 4"/>
           <p:cNvSpPr>
             <a:spLocks noGrp="1"/>
           </p:cNvSpPr>
@@ -1343,7 +3529,7 @@
             <a:fld id="{74CBEAF9-9E58-4CC8-A6FF-6DD8A58DEEA4}" type="datetimeFigureOut">
               <a:rPr lang="en-US" smtClean="0"/>
               <a:pPr/>
-              <a:t>4/26/2017</a:t>
+              <a:t>4/27/2017</a:t>
             </a:fld>
             <a:endParaRPr lang="en-US"/>
           </a:p>
@@ -1351,7 +3537,7 @@
       </p:sp>
       <p:sp>
         <p:nvSpPr>
-          <p:cNvPr id="10" name="바닥글 개체 틀 9"/>
+          <p:cNvPr id="6" name="Footer Placeholder 5"/>
           <p:cNvSpPr>
             <a:spLocks noGrp="1"/>
           </p:cNvSpPr>
@@ -1370,7 +3556,7 @@
       </p:sp>
       <p:sp>
         <p:nvSpPr>
-          <p:cNvPr id="31" name="슬라이드 번호 개체 틀 30"/>
+          <p:cNvPr id="7" name="Slide Number Placeholder 6"/>
           <p:cNvSpPr>
             <a:spLocks noGrp="1"/>
           </p:cNvSpPr>
@@ -1393,6 +3579,11 @@
         </p:txBody>
       </p:sp>
     </p:spTree>
+    <p:extLst>
+      <p:ext uri="{BB962C8B-B14F-4D97-AF65-F5344CB8AC3E}">
+        <p14:creationId xmlns:p14="http://schemas.microsoft.com/office/powerpoint/2010/main" val="1776604527"/>
+      </p:ext>
+    </p:extLst>
   </p:cSld>
   <p:clrMapOvr>
     <a:masterClrMapping/>
@@ -1401,7 +3592,7 @@
 </file>
 
 <file path=ppt/slideLayouts/slideLayout5.xml><?xml version="1.0" encoding="utf-8"?>
-<p:sldLayout xmlns:a="http://schemas.openxmlformats.org/drawingml/2006/main" xmlns:r="http://schemas.openxmlformats.org/officeDocument/2006/relationships" xmlns:p="http://schemas.openxmlformats.org/presentationml/2006/main" showMasterSp="0" type="twoTxTwoObj" preserve="1">
+<p:sldLayout xmlns:a="http://schemas.openxmlformats.org/drawingml/2006/main" xmlns:r="http://schemas.openxmlformats.org/officeDocument/2006/relationships" xmlns:p="http://schemas.openxmlformats.org/presentationml/2006/main" type="twoTxTwoObj" preserve="1">
   <p:cSld name="비교">
     <p:spTree>
       <p:nvGrpSpPr>
@@ -1419,7 +3610,7 @@
       </p:grpSpPr>
       <p:sp>
         <p:nvSpPr>
-          <p:cNvPr id="29" name="제목 28"/>
+          <p:cNvPr id="2" name="Title 1"/>
           <p:cNvSpPr>
             <a:spLocks noGrp="1"/>
           </p:cNvSpPr>
@@ -1429,29 +3620,31 @@
         </p:nvSpPr>
         <p:spPr>
           <a:xfrm>
-            <a:off x="304800" y="5410200"/>
-            <a:ext cx="8610600" cy="882650"/>
+            <a:off x="533400" y="4495800"/>
+            <a:ext cx="6554867" cy="1524000"/>
           </a:xfrm>
         </p:spPr>
         <p:txBody>
-          <a:bodyPr anchor="ctr"/>
+          <a:bodyPr>
+            <a:normAutofit/>
+          </a:bodyPr>
           <a:lstStyle>
             <a:lvl1pPr>
-              <a:defRPr/>
+              <a:defRPr sz="3200"/>
             </a:lvl1pPr>
           </a:lstStyle>
           <a:p>
             <a:r>
-              <a:rPr kumimoji="0" lang="ko-KR" altLang="en-US" smtClean="0"/>
+              <a:rPr lang="ko-KR" altLang="en-US" smtClean="0"/>
               <a:t>마스터 제목 스타일 편집</a:t>
             </a:r>
-            <a:endParaRPr kumimoji="0" lang="en-US"/>
-          </a:p>
-        </p:txBody>
-      </p:sp>
-      <p:sp>
-        <p:nvSpPr>
-          <p:cNvPr id="13" name="텍스트 개체 틀 12"/>
+            <a:endParaRPr lang="en-US" dirty="0"/>
+          </a:p>
+        </p:txBody>
+      </p:sp>
+      <p:sp>
+        <p:nvSpPr>
+          <p:cNvPr id="3" name="Text Placeholder 2"/>
           <p:cNvSpPr>
             <a:spLocks noGrp="1"/>
           </p:cNvSpPr>
@@ -1461,259 +3654,257 @@
         </p:nvSpPr>
         <p:spPr>
           <a:xfrm>
-            <a:off x="281444" y="666750"/>
-            <a:ext cx="4290556" cy="639762"/>
+            <a:off x="762001" y="533400"/>
+            <a:ext cx="3716866" cy="609600"/>
           </a:xfrm>
         </p:spPr>
         <p:txBody>
-          <a:bodyPr anchor="ctr"/>
+          <a:bodyPr anchor="b">
+            <a:noAutofit/>
+          </a:bodyPr>
           <a:lstStyle>
             <a:lvl1pPr marL="0" indent="0">
               <a:buNone/>
-              <a:defRPr sz="1800" b="0" cap="all" baseline="0">
+              <a:defRPr sz="2400" b="0" cap="all">
                 <a:solidFill>
-                  <a:schemeClr val="accent1">
-                    <a:shade val="50000"/>
-                  </a:schemeClr>
+                  <a:schemeClr val="tx1"/>
                 </a:solidFill>
-                <a:latin typeface="+mj-lt"/>
-                <a:ea typeface="+mj-ea"/>
-                <a:cs typeface="+mj-cs"/>
               </a:defRPr>
             </a:lvl1pPr>
-            <a:lvl2pPr>
+            <a:lvl2pPr marL="457200" indent="0">
               <a:buNone/>
               <a:defRPr sz="2000" b="1"/>
             </a:lvl2pPr>
-            <a:lvl3pPr>
+            <a:lvl3pPr marL="914400" indent="0">
               <a:buNone/>
               <a:defRPr sz="1800" b="1"/>
             </a:lvl3pPr>
-            <a:lvl4pPr>
+            <a:lvl4pPr marL="1371600" indent="0">
               <a:buNone/>
               <a:defRPr sz="1600" b="1"/>
             </a:lvl4pPr>
-            <a:lvl5pPr>
+            <a:lvl5pPr marL="1828800" indent="0">
               <a:buNone/>
               <a:defRPr sz="1600" b="1"/>
             </a:lvl5pPr>
+            <a:lvl6pPr marL="2286000" indent="0">
+              <a:buNone/>
+              <a:defRPr sz="1600" b="1"/>
+            </a:lvl6pPr>
+            <a:lvl7pPr marL="2743200" indent="0">
+              <a:buNone/>
+              <a:defRPr sz="1600" b="1"/>
+            </a:lvl7pPr>
+            <a:lvl8pPr marL="3200400" indent="0">
+              <a:buNone/>
+              <a:defRPr sz="1600" b="1"/>
+            </a:lvl8pPr>
+            <a:lvl9pPr marL="3657600" indent="0">
+              <a:buNone/>
+              <a:defRPr sz="1600" b="1"/>
+            </a:lvl9pPr>
           </a:lstStyle>
           <a:p>
-            <a:pPr lvl="0" eaLnBrk="1" latinLnBrk="0" hangingPunct="1"/>
-            <a:r>
-              <a:rPr kumimoji="0" lang="ko-KR" altLang="en-US" smtClean="0"/>
-              <a:t>마스터 텍스트 스타일을 편집합니다</a:t>
-            </a:r>
-          </a:p>
-        </p:txBody>
-      </p:sp>
-      <p:sp>
-        <p:nvSpPr>
-          <p:cNvPr id="25" name="텍스트 개체 틀 24"/>
-          <p:cNvSpPr>
-            <a:spLocks noGrp="1"/>
-          </p:cNvSpPr>
-          <p:nvPr>
-            <p:ph type="body" sz="half" idx="3"/>
+            <a:pPr lvl="0"/>
+            <a:r>
+              <a:rPr lang="ko-KR" altLang="en-US" smtClean="0"/>
+              <a:t>마스터 텍스트 스타일 편집</a:t>
+            </a:r>
+          </a:p>
+        </p:txBody>
+      </p:sp>
+      <p:sp>
+        <p:nvSpPr>
+          <p:cNvPr id="4" name="Content Placeholder 3"/>
+          <p:cNvSpPr>
+            <a:spLocks noGrp="1"/>
+          </p:cNvSpPr>
+          <p:nvPr>
+            <p:ph sz="half" idx="2"/>
           </p:nvPr>
         </p:nvSpPr>
         <p:spPr>
           <a:xfrm>
-            <a:off x="4645025" y="666750"/>
-            <a:ext cx="4292241" cy="639762"/>
+            <a:off x="533399" y="1143000"/>
+            <a:ext cx="3945467" cy="3158067"/>
           </a:xfrm>
         </p:spPr>
         <p:txBody>
-          <a:bodyPr anchor="ctr"/>
+          <a:bodyPr anchor="t">
+            <a:normAutofit/>
+          </a:bodyPr>
+          <a:lstStyle/>
+          <a:p>
+            <a:pPr lvl="0"/>
+            <a:r>
+              <a:rPr lang="ko-KR" altLang="en-US" smtClean="0"/>
+              <a:t>마스터 텍스트 스타일 편집</a:t>
+            </a:r>
+          </a:p>
+          <a:p>
+            <a:pPr lvl="1"/>
+            <a:r>
+              <a:rPr lang="ko-KR" altLang="en-US" smtClean="0"/>
+              <a:t>둘째 수준</a:t>
+            </a:r>
+          </a:p>
+          <a:p>
+            <a:pPr lvl="2"/>
+            <a:r>
+              <a:rPr lang="ko-KR" altLang="en-US" smtClean="0"/>
+              <a:t>셋째 수준</a:t>
+            </a:r>
+          </a:p>
+          <a:p>
+            <a:pPr lvl="3"/>
+            <a:r>
+              <a:rPr lang="ko-KR" altLang="en-US" smtClean="0"/>
+              <a:t>넷째 수준</a:t>
+            </a:r>
+          </a:p>
+          <a:p>
+            <a:pPr lvl="4"/>
+            <a:r>
+              <a:rPr lang="ko-KR" altLang="en-US" smtClean="0"/>
+              <a:t>다섯째 수준</a:t>
+            </a:r>
+            <a:endParaRPr lang="en-US" dirty="0"/>
+          </a:p>
+        </p:txBody>
+      </p:sp>
+      <p:sp>
+        <p:nvSpPr>
+          <p:cNvPr id="5" name="Text Placeholder 4"/>
+          <p:cNvSpPr>
+            <a:spLocks noGrp="1"/>
+          </p:cNvSpPr>
+          <p:nvPr>
+            <p:ph type="body" sz="quarter" idx="3"/>
+          </p:nvPr>
+        </p:nvSpPr>
+        <p:spPr>
+          <a:xfrm>
+            <a:off x="4855016" y="566738"/>
+            <a:ext cx="3764051" cy="576262"/>
+          </a:xfrm>
+        </p:spPr>
+        <p:txBody>
+          <a:bodyPr anchor="b">
+            <a:noAutofit/>
+          </a:bodyPr>
           <a:lstStyle>
             <a:lvl1pPr marL="0" indent="0">
               <a:buNone/>
-              <a:defRPr sz="1800" b="0" cap="all" baseline="0">
+              <a:defRPr sz="2400" b="0" cap="all">
                 <a:solidFill>
-                  <a:schemeClr val="accent1">
-                    <a:shade val="50000"/>
-                  </a:schemeClr>
+                  <a:schemeClr val="tx1"/>
                 </a:solidFill>
-                <a:latin typeface="+mj-lt"/>
-                <a:ea typeface="+mj-ea"/>
-                <a:cs typeface="+mj-cs"/>
               </a:defRPr>
             </a:lvl1pPr>
-            <a:lvl2pPr>
+            <a:lvl2pPr marL="457200" indent="0">
               <a:buNone/>
               <a:defRPr sz="2000" b="1"/>
             </a:lvl2pPr>
-            <a:lvl3pPr>
+            <a:lvl3pPr marL="914400" indent="0">
               <a:buNone/>
               <a:defRPr sz="1800" b="1"/>
             </a:lvl3pPr>
-            <a:lvl4pPr>
+            <a:lvl4pPr marL="1371600" indent="0">
               <a:buNone/>
               <a:defRPr sz="1600" b="1"/>
             </a:lvl4pPr>
-            <a:lvl5pPr>
+            <a:lvl5pPr marL="1828800" indent="0">
               <a:buNone/>
               <a:defRPr sz="1600" b="1"/>
             </a:lvl5pPr>
+            <a:lvl6pPr marL="2286000" indent="0">
+              <a:buNone/>
+              <a:defRPr sz="1600" b="1"/>
+            </a:lvl6pPr>
+            <a:lvl7pPr marL="2743200" indent="0">
+              <a:buNone/>
+              <a:defRPr sz="1600" b="1"/>
+            </a:lvl7pPr>
+            <a:lvl8pPr marL="3200400" indent="0">
+              <a:buNone/>
+              <a:defRPr sz="1600" b="1"/>
+            </a:lvl8pPr>
+            <a:lvl9pPr marL="3657600" indent="0">
+              <a:buNone/>
+              <a:defRPr sz="1600" b="1"/>
+            </a:lvl9pPr>
           </a:lstStyle>
           <a:p>
-            <a:pPr lvl="0" eaLnBrk="1" latinLnBrk="0" hangingPunct="1"/>
-            <a:r>
-              <a:rPr kumimoji="0" lang="ko-KR" altLang="en-US" smtClean="0"/>
-              <a:t>마스터 텍스트 스타일을 편집합니다</a:t>
-            </a:r>
-          </a:p>
-        </p:txBody>
-      </p:sp>
-      <p:sp>
-        <p:nvSpPr>
-          <p:cNvPr id="4" name="내용 개체 틀 3"/>
-          <p:cNvSpPr>
-            <a:spLocks noGrp="1"/>
-          </p:cNvSpPr>
-          <p:nvPr>
-            <p:ph sz="quarter" idx="2"/>
+            <a:pPr lvl="0"/>
+            <a:r>
+              <a:rPr lang="ko-KR" altLang="en-US" smtClean="0"/>
+              <a:t>마스터 텍스트 스타일 편집</a:t>
+            </a:r>
+          </a:p>
+        </p:txBody>
+      </p:sp>
+      <p:sp>
+        <p:nvSpPr>
+          <p:cNvPr id="6" name="Content Placeholder 5"/>
+          <p:cNvSpPr>
+            <a:spLocks noGrp="1"/>
+          </p:cNvSpPr>
+          <p:nvPr>
+            <p:ph sz="quarter" idx="4"/>
           </p:nvPr>
         </p:nvSpPr>
         <p:spPr>
           <a:xfrm>
-            <a:off x="281444" y="1316037"/>
-            <a:ext cx="4290556" cy="3941763"/>
+            <a:off x="4662362" y="1143000"/>
+            <a:ext cx="3956705" cy="3149600"/>
           </a:xfrm>
         </p:spPr>
         <p:txBody>
-          <a:bodyPr/>
-          <a:lstStyle>
-            <a:lvl1pPr>
-              <a:defRPr sz="2400"/>
-            </a:lvl1pPr>
-            <a:lvl2pPr>
-              <a:defRPr sz="2000"/>
-            </a:lvl2pPr>
-            <a:lvl3pPr>
-              <a:defRPr sz="1800"/>
-            </a:lvl3pPr>
-            <a:lvl4pPr>
-              <a:defRPr sz="1600"/>
-            </a:lvl4pPr>
-            <a:lvl5pPr>
-              <a:defRPr sz="1600"/>
-            </a:lvl5pPr>
-          </a:lstStyle>
-          <a:p>
-            <a:pPr lvl="0" eaLnBrk="1" latinLnBrk="0" hangingPunct="1"/>
-            <a:r>
-              <a:rPr lang="ko-KR" altLang="en-US" smtClean="0"/>
-              <a:t>마스터 텍스트 스타일을 편집합니다</a:t>
-            </a:r>
-          </a:p>
-          <a:p>
-            <a:pPr lvl="1" eaLnBrk="1" latinLnBrk="0" hangingPunct="1"/>
+          <a:bodyPr anchor="t">
+            <a:normAutofit/>
+          </a:bodyPr>
+          <a:lstStyle/>
+          <a:p>
+            <a:pPr lvl="0"/>
+            <a:r>
+              <a:rPr lang="ko-KR" altLang="en-US" smtClean="0"/>
+              <a:t>마스터 텍스트 스타일 편집</a:t>
+            </a:r>
+          </a:p>
+          <a:p>
+            <a:pPr lvl="1"/>
             <a:r>
               <a:rPr lang="ko-KR" altLang="en-US" smtClean="0"/>
               <a:t>둘째 수준</a:t>
             </a:r>
           </a:p>
           <a:p>
-            <a:pPr lvl="2" eaLnBrk="1" latinLnBrk="0" hangingPunct="1"/>
+            <a:pPr lvl="2"/>
             <a:r>
               <a:rPr lang="ko-KR" altLang="en-US" smtClean="0"/>
               <a:t>셋째 수준</a:t>
             </a:r>
           </a:p>
           <a:p>
-            <a:pPr lvl="3" eaLnBrk="1" latinLnBrk="0" hangingPunct="1"/>
+            <a:pPr lvl="3"/>
             <a:r>
               <a:rPr lang="ko-KR" altLang="en-US" smtClean="0"/>
               <a:t>넷째 수준</a:t>
             </a:r>
           </a:p>
           <a:p>
-            <a:pPr lvl="4" eaLnBrk="1" latinLnBrk="0" hangingPunct="1"/>
+            <a:pPr lvl="4"/>
             <a:r>
               <a:rPr lang="ko-KR" altLang="en-US" smtClean="0"/>
               <a:t>다섯째 수준</a:t>
             </a:r>
-            <a:endParaRPr kumimoji="0" lang="en-US"/>
-          </a:p>
-        </p:txBody>
-      </p:sp>
-      <p:sp>
-        <p:nvSpPr>
-          <p:cNvPr id="28" name="내용 개체 틀 27"/>
-          <p:cNvSpPr>
-            <a:spLocks noGrp="1"/>
-          </p:cNvSpPr>
-          <p:nvPr>
-            <p:ph sz="quarter" idx="4"/>
-          </p:nvPr>
-        </p:nvSpPr>
-        <p:spPr>
-          <a:xfrm>
-            <a:off x="4648730" y="1316037"/>
-            <a:ext cx="4288536" cy="3941763"/>
-          </a:xfrm>
-        </p:spPr>
-        <p:txBody>
-          <a:bodyPr/>
-          <a:lstStyle>
-            <a:lvl1pPr>
-              <a:defRPr sz="2400"/>
-            </a:lvl1pPr>
-            <a:lvl2pPr>
-              <a:defRPr sz="2000"/>
-            </a:lvl2pPr>
-            <a:lvl3pPr>
-              <a:defRPr sz="1800"/>
-            </a:lvl3pPr>
-            <a:lvl4pPr>
-              <a:defRPr sz="1600"/>
-            </a:lvl4pPr>
-            <a:lvl5pPr>
-              <a:defRPr sz="1600"/>
-            </a:lvl5pPr>
-          </a:lstStyle>
-          <a:p>
-            <a:pPr lvl="0" eaLnBrk="1" latinLnBrk="0" hangingPunct="1"/>
-            <a:r>
-              <a:rPr lang="ko-KR" altLang="en-US" smtClean="0"/>
-              <a:t>마스터 텍스트 스타일을 편집합니다</a:t>
-            </a:r>
-          </a:p>
-          <a:p>
-            <a:pPr lvl="1" eaLnBrk="1" latinLnBrk="0" hangingPunct="1"/>
-            <a:r>
-              <a:rPr lang="ko-KR" altLang="en-US" smtClean="0"/>
-              <a:t>둘째 수준</a:t>
-            </a:r>
-          </a:p>
-          <a:p>
-            <a:pPr lvl="2" eaLnBrk="1" latinLnBrk="0" hangingPunct="1"/>
-            <a:r>
-              <a:rPr lang="ko-KR" altLang="en-US" smtClean="0"/>
-              <a:t>셋째 수준</a:t>
-            </a:r>
-          </a:p>
-          <a:p>
-            <a:pPr lvl="3" eaLnBrk="1" latinLnBrk="0" hangingPunct="1"/>
-            <a:r>
-              <a:rPr lang="ko-KR" altLang="en-US" smtClean="0"/>
-              <a:t>넷째 수준</a:t>
-            </a:r>
-          </a:p>
-          <a:p>
-            <a:pPr lvl="4" eaLnBrk="1" latinLnBrk="0" hangingPunct="1"/>
-            <a:r>
-              <a:rPr lang="ko-KR" altLang="en-US" smtClean="0"/>
-              <a:t>다섯째 수준</a:t>
-            </a:r>
-            <a:endParaRPr kumimoji="0" lang="en-US"/>
-          </a:p>
-        </p:txBody>
-      </p:sp>
-      <p:sp>
-        <p:nvSpPr>
-          <p:cNvPr id="10" name="날짜 개체 틀 9"/>
+            <a:endParaRPr lang="en-US" dirty="0"/>
+          </a:p>
+        </p:txBody>
+      </p:sp>
+      <p:sp>
+        <p:nvSpPr>
+          <p:cNvPr id="7" name="Date Placeholder 6"/>
           <p:cNvSpPr>
             <a:spLocks noGrp="1"/>
           </p:cNvSpPr>
@@ -1729,7 +3920,7 @@
             <a:fld id="{74CBEAF9-9E58-4CC8-A6FF-6DD8A58DEEA4}" type="datetimeFigureOut">
               <a:rPr lang="en-US" smtClean="0"/>
               <a:pPr/>
-              <a:t>4/26/2017</a:t>
+              <a:t>4/27/2017</a:t>
             </a:fld>
             <a:endParaRPr lang="en-US"/>
           </a:p>
@@ -1737,7 +3928,7 @@
       </p:sp>
       <p:sp>
         <p:nvSpPr>
-          <p:cNvPr id="6" name="바닥글 개체 틀 5"/>
+          <p:cNvPr id="8" name="Footer Placeholder 7"/>
           <p:cNvSpPr>
             <a:spLocks noGrp="1"/>
           </p:cNvSpPr>
@@ -1756,7 +3947,7 @@
       </p:sp>
       <p:sp>
         <p:nvSpPr>
-          <p:cNvPr id="7" name="슬라이드 번호 개체 틀 6"/>
+          <p:cNvPr id="9" name="Slide Number Placeholder 8"/>
           <p:cNvSpPr>
             <a:spLocks noGrp="1"/>
           </p:cNvSpPr>
@@ -1764,12 +3955,7 @@
             <p:ph type="sldNum" sz="quarter" idx="12"/>
           </p:nvPr>
         </p:nvSpPr>
-        <p:spPr>
-          <a:xfrm>
-            <a:off x="8229600" y="6477000"/>
-            <a:ext cx="762000" cy="246888"/>
-          </a:xfrm>
-        </p:spPr>
+        <p:spPr/>
         <p:txBody>
           <a:bodyPr/>
           <a:lstStyle/>
@@ -1783,57 +3969,12 @@
           </a:p>
         </p:txBody>
       </p:sp>
-      <p:sp>
-        <p:nvSpPr>
-          <p:cNvPr id="11" name="직선 연결선 10"/>
-          <p:cNvSpPr>
-            <a:spLocks noChangeShapeType="1"/>
-          </p:cNvSpPr>
-          <p:nvPr/>
-        </p:nvSpPr>
-        <p:spPr bwMode="auto">
-          <a:xfrm>
-            <a:off x="514350" y="6019800"/>
-            <a:ext cx="8629650" cy="2381"/>
-          </a:xfrm>
-          <a:prstGeom prst="line">
-            <a:avLst/>
-          </a:prstGeom>
-          <a:noFill/>
-          <a:ln w="9525" cap="flat" cmpd="sng" algn="ctr">
-            <a:gradFill flip="none" rotWithShape="1">
-              <a:gsLst>
-                <a:gs pos="0">
-                  <a:schemeClr val="accent1">
-                    <a:alpha val="0"/>
-                  </a:schemeClr>
-                </a:gs>
-                <a:gs pos="17000">
-                  <a:schemeClr val="accent1"/>
-                </a:gs>
-                <a:gs pos="100000">
-                  <a:schemeClr val="accent1"/>
-                </a:gs>
-              </a:gsLst>
-              <a:lin ang="0" scaled="1"/>
-              <a:tileRect/>
-            </a:gradFill>
-            <a:prstDash val="solid"/>
-            <a:round/>
-            <a:headEnd type="none" w="med" len="med"/>
-            <a:tailEnd type="none" w="med" len="med"/>
-          </a:ln>
-          <a:effectLst/>
-        </p:spPr>
-        <p:txBody>
-          <a:bodyPr vert="horz" wrap="square" lIns="91440" tIns="45720" rIns="91440" bIns="45720" anchor="t" compatLnSpc="1"/>
-          <a:lstStyle/>
-          <a:p>
-            <a:endParaRPr kumimoji="0" lang="en-US"/>
-          </a:p>
-        </p:txBody>
-      </p:sp>
     </p:spTree>
+    <p:extLst>
+      <p:ext uri="{BB962C8B-B14F-4D97-AF65-F5344CB8AC3E}">
+        <p14:creationId xmlns:p14="http://schemas.microsoft.com/office/powerpoint/2010/main" val="1812055349"/>
+      </p:ext>
+    </p:extLst>
   </p:cSld>
   <p:clrMapOvr>
     <a:masterClrMapping/>
@@ -1860,7 +4001,7 @@
       </p:grpSpPr>
       <p:sp>
         <p:nvSpPr>
-          <p:cNvPr id="30" name="제목 29"/>
+          <p:cNvPr id="2" name="Title 1"/>
           <p:cNvSpPr>
             <a:spLocks noGrp="1"/>
           </p:cNvSpPr>
@@ -1870,25 +4011,31 @@
         </p:nvSpPr>
         <p:spPr>
           <a:xfrm>
-            <a:off x="301752" y="457200"/>
-            <a:ext cx="8686800" cy="841248"/>
+            <a:off x="533400" y="4495800"/>
+            <a:ext cx="6554867" cy="1524000"/>
           </a:xfrm>
         </p:spPr>
         <p:txBody>
-          <a:bodyPr/>
-          <a:lstStyle/>
-          <a:p>
-            <a:r>
-              <a:rPr kumimoji="0" lang="ko-KR" altLang="en-US" smtClean="0"/>
+          <a:bodyPr>
+            <a:normAutofit/>
+          </a:bodyPr>
+          <a:lstStyle>
+            <a:lvl1pPr>
+              <a:defRPr sz="3200"/>
+            </a:lvl1pPr>
+          </a:lstStyle>
+          <a:p>
+            <a:r>
+              <a:rPr lang="ko-KR" altLang="en-US" smtClean="0"/>
               <a:t>마스터 제목 스타일 편집</a:t>
             </a:r>
-            <a:endParaRPr kumimoji="0" lang="en-US"/>
-          </a:p>
-        </p:txBody>
-      </p:sp>
-      <p:sp>
-        <p:nvSpPr>
-          <p:cNvPr id="12" name="날짜 개체 틀 11"/>
+            <a:endParaRPr lang="en-US" dirty="0"/>
+          </a:p>
+        </p:txBody>
+      </p:sp>
+      <p:sp>
+        <p:nvSpPr>
+          <p:cNvPr id="3" name="Date Placeholder 2"/>
           <p:cNvSpPr>
             <a:spLocks noGrp="1"/>
           </p:cNvSpPr>
@@ -1904,7 +4051,7 @@
             <a:fld id="{74CBEAF9-9E58-4CC8-A6FF-6DD8A58DEEA4}" type="datetimeFigureOut">
               <a:rPr lang="en-US" smtClean="0"/>
               <a:pPr/>
-              <a:t>4/26/2017</a:t>
+              <a:t>4/27/2017</a:t>
             </a:fld>
             <a:endParaRPr lang="en-US"/>
           </a:p>
@@ -1912,7 +4059,7 @@
       </p:sp>
       <p:sp>
         <p:nvSpPr>
-          <p:cNvPr id="21" name="바닥글 개체 틀 20"/>
+          <p:cNvPr id="4" name="Footer Placeholder 3"/>
           <p:cNvSpPr>
             <a:spLocks noGrp="1"/>
           </p:cNvSpPr>
@@ -1931,7 +4078,7 @@
       </p:sp>
       <p:sp>
         <p:nvSpPr>
-          <p:cNvPr id="6" name="슬라이드 번호 개체 틀 5"/>
+          <p:cNvPr id="5" name="Slide Number Placeholder 4"/>
           <p:cNvSpPr>
             <a:spLocks noGrp="1"/>
           </p:cNvSpPr>
@@ -1954,6 +4101,11 @@
         </p:txBody>
       </p:sp>
     </p:spTree>
+    <p:extLst>
+      <p:ext uri="{BB962C8B-B14F-4D97-AF65-F5344CB8AC3E}">
+        <p14:creationId xmlns:p14="http://schemas.microsoft.com/office/powerpoint/2010/main" val="186201763"/>
+      </p:ext>
+    </p:extLst>
   </p:cSld>
   <p:clrMapOvr>
     <a:masterClrMapping/>
@@ -1962,7 +4114,7 @@
 </file>
 
 <file path=ppt/slideLayouts/slideLayout7.xml><?xml version="1.0" encoding="utf-8"?>
-<p:sldLayout xmlns:a="http://schemas.openxmlformats.org/drawingml/2006/main" xmlns:r="http://schemas.openxmlformats.org/officeDocument/2006/relationships" xmlns:p="http://schemas.openxmlformats.org/presentationml/2006/main" showMasterSp="0" type="blank" preserve="1">
+<p:sldLayout xmlns:a="http://schemas.openxmlformats.org/drawingml/2006/main" xmlns:r="http://schemas.openxmlformats.org/officeDocument/2006/relationships" xmlns:p="http://schemas.openxmlformats.org/presentationml/2006/main" type="blank" preserve="1">
   <p:cSld name="빈 화면">
     <p:spTree>
       <p:nvGrpSpPr>
@@ -1980,7 +4132,7 @@
       </p:grpSpPr>
       <p:sp>
         <p:nvSpPr>
-          <p:cNvPr id="3" name="날짜 개체 틀 2"/>
+          <p:cNvPr id="2" name="Date Placeholder 1"/>
           <p:cNvSpPr>
             <a:spLocks noGrp="1"/>
           </p:cNvSpPr>
@@ -1996,7 +4148,7 @@
             <a:fld id="{74CBEAF9-9E58-4CC8-A6FF-6DD8A58DEEA4}" type="datetimeFigureOut">
               <a:rPr lang="en-US" smtClean="0"/>
               <a:pPr/>
-              <a:t>4/26/2017</a:t>
+              <a:t>4/27/2017</a:t>
             </a:fld>
             <a:endParaRPr lang="en-US"/>
           </a:p>
@@ -2004,7 +4156,7 @@
       </p:sp>
       <p:sp>
         <p:nvSpPr>
-          <p:cNvPr id="24" name="바닥글 개체 틀 23"/>
+          <p:cNvPr id="3" name="Footer Placeholder 2"/>
           <p:cNvSpPr>
             <a:spLocks noGrp="1"/>
           </p:cNvSpPr>
@@ -2023,7 +4175,7 @@
       </p:sp>
       <p:sp>
         <p:nvSpPr>
-          <p:cNvPr id="7" name="슬라이드 번호 개체 틀 6"/>
+          <p:cNvPr id="4" name="Slide Number Placeholder 3"/>
           <p:cNvSpPr>
             <a:spLocks noGrp="1"/>
           </p:cNvSpPr>
@@ -2046,6 +4198,11 @@
         </p:txBody>
       </p:sp>
     </p:spTree>
+    <p:extLst>
+      <p:ext uri="{BB962C8B-B14F-4D97-AF65-F5344CB8AC3E}">
+        <p14:creationId xmlns:p14="http://schemas.microsoft.com/office/powerpoint/2010/main" val="884565090"/>
+      </p:ext>
+    </p:extLst>
   </p:cSld>
   <p:clrMapOvr>
     <a:masterClrMapping/>
@@ -2054,7 +4211,7 @@
 </file>
 
 <file path=ppt/slideLayouts/slideLayout8.xml><?xml version="1.0" encoding="utf-8"?>
-<p:sldLayout xmlns:a="http://schemas.openxmlformats.org/drawingml/2006/main" xmlns:r="http://schemas.openxmlformats.org/officeDocument/2006/relationships" xmlns:p="http://schemas.openxmlformats.org/presentationml/2006/main" showMasterSp="0" type="objTx" preserve="1">
+<p:sldLayout xmlns:a="http://schemas.openxmlformats.org/drawingml/2006/main" xmlns:r="http://schemas.openxmlformats.org/officeDocument/2006/relationships" xmlns:p="http://schemas.openxmlformats.org/presentationml/2006/main" type="objTx" preserve="1">
   <p:cSld name="캡션 있는 콘텐츠">
     <p:spTree>
       <p:nvGrpSpPr>
@@ -2072,57 +4229,7 @@
       </p:grpSpPr>
       <p:sp>
         <p:nvSpPr>
-          <p:cNvPr id="8" name="직선 연결선 7"/>
-          <p:cNvSpPr>
-            <a:spLocks noChangeShapeType="1"/>
-          </p:cNvSpPr>
-          <p:nvPr/>
-        </p:nvSpPr>
-        <p:spPr bwMode="auto">
-          <a:xfrm>
-            <a:off x="514350" y="5849117"/>
-            <a:ext cx="8629650" cy="2381"/>
-          </a:xfrm>
-          <a:prstGeom prst="line">
-            <a:avLst/>
-          </a:prstGeom>
-          <a:noFill/>
-          <a:ln w="9525" cap="flat" cmpd="sng" algn="ctr">
-            <a:gradFill flip="none" rotWithShape="1">
-              <a:gsLst>
-                <a:gs pos="0">
-                  <a:schemeClr val="accent1">
-                    <a:alpha val="0"/>
-                  </a:schemeClr>
-                </a:gs>
-                <a:gs pos="17000">
-                  <a:schemeClr val="accent1"/>
-                </a:gs>
-                <a:gs pos="100000">
-                  <a:schemeClr val="accent1"/>
-                </a:gs>
-              </a:gsLst>
-              <a:lin ang="0" scaled="1"/>
-              <a:tileRect/>
-            </a:gradFill>
-            <a:prstDash val="solid"/>
-            <a:round/>
-            <a:headEnd type="none" w="med" len="med"/>
-            <a:tailEnd type="none" w="med" len="med"/>
-          </a:ln>
-          <a:effectLst/>
-        </p:spPr>
-        <p:txBody>
-          <a:bodyPr vert="horz" wrap="square" lIns="91440" tIns="45720" rIns="91440" bIns="45720" anchor="t" compatLnSpc="1"/>
-          <a:lstStyle/>
-          <a:p>
-            <a:endParaRPr kumimoji="0" lang="en-US"/>
-          </a:p>
-        </p:txBody>
-      </p:sp>
-      <p:sp>
-        <p:nvSpPr>
-          <p:cNvPr id="12" name="제목 11"/>
+          <p:cNvPr id="2" name="Title 1"/>
           <p:cNvSpPr>
             <a:spLocks noGrp="1"/>
           </p:cNvSpPr>
@@ -2132,152 +4239,157 @@
         </p:nvSpPr>
         <p:spPr>
           <a:xfrm>
-            <a:off x="457200" y="5486400"/>
-            <a:ext cx="8458200" cy="520700"/>
+            <a:off x="5418667" y="533400"/>
+            <a:ext cx="3200400" cy="1524000"/>
           </a:xfrm>
         </p:spPr>
         <p:txBody>
-          <a:bodyPr anchor="ctr"/>
+          <a:bodyPr anchor="b">
+            <a:normAutofit/>
+          </a:bodyPr>
           <a:lstStyle>
             <a:lvl1pPr algn="l">
-              <a:buNone/>
-              <a:defRPr sz="2000" b="1"/>
+              <a:defRPr sz="2000" b="0"/>
             </a:lvl1pPr>
           </a:lstStyle>
           <a:p>
             <a:r>
-              <a:rPr kumimoji="0" lang="ko-KR" altLang="en-US" smtClean="0"/>
+              <a:rPr lang="ko-KR" altLang="en-US" smtClean="0"/>
               <a:t>마스터 제목 스타일 편집</a:t>
             </a:r>
-            <a:endParaRPr kumimoji="0" lang="en-US"/>
-          </a:p>
-        </p:txBody>
-      </p:sp>
-      <p:sp>
-        <p:nvSpPr>
-          <p:cNvPr id="26" name="텍스트 개체 틀 25"/>
-          <p:cNvSpPr>
-            <a:spLocks noGrp="1"/>
-          </p:cNvSpPr>
-          <p:nvPr>
-            <p:ph type="body" idx="2"/>
+            <a:endParaRPr lang="en-US" dirty="0"/>
+          </a:p>
+        </p:txBody>
+      </p:sp>
+      <p:sp>
+        <p:nvSpPr>
+          <p:cNvPr id="3" name="Content Placeholder 2"/>
+          <p:cNvSpPr>
+            <a:spLocks noGrp="1"/>
+          </p:cNvSpPr>
+          <p:nvPr>
+            <p:ph idx="1"/>
           </p:nvPr>
         </p:nvSpPr>
         <p:spPr>
           <a:xfrm>
-            <a:off x="457200" y="609600"/>
-            <a:ext cx="3008313" cy="4800600"/>
+            <a:off x="533399" y="533400"/>
+            <a:ext cx="4438755" cy="5486400"/>
           </a:xfrm>
         </p:spPr>
         <p:txBody>
-          <a:bodyPr/>
+          <a:bodyPr anchor="ctr">
+            <a:normAutofit/>
+          </a:bodyPr>
+          <a:lstStyle/>
+          <a:p>
+            <a:pPr lvl="0"/>
+            <a:r>
+              <a:rPr lang="ko-KR" altLang="en-US" smtClean="0"/>
+              <a:t>마스터 텍스트 스타일 편집</a:t>
+            </a:r>
+          </a:p>
+          <a:p>
+            <a:pPr lvl="1"/>
+            <a:r>
+              <a:rPr lang="ko-KR" altLang="en-US" smtClean="0"/>
+              <a:t>둘째 수준</a:t>
+            </a:r>
+          </a:p>
+          <a:p>
+            <a:pPr lvl="2"/>
+            <a:r>
+              <a:rPr lang="ko-KR" altLang="en-US" smtClean="0"/>
+              <a:t>셋째 수준</a:t>
+            </a:r>
+          </a:p>
+          <a:p>
+            <a:pPr lvl="3"/>
+            <a:r>
+              <a:rPr lang="ko-KR" altLang="en-US" smtClean="0"/>
+              <a:t>넷째 수준</a:t>
+            </a:r>
+          </a:p>
+          <a:p>
+            <a:pPr lvl="4"/>
+            <a:r>
+              <a:rPr lang="ko-KR" altLang="en-US" smtClean="0"/>
+              <a:t>다섯째 수준</a:t>
+            </a:r>
+            <a:endParaRPr lang="en-US" dirty="0"/>
+          </a:p>
+        </p:txBody>
+      </p:sp>
+      <p:sp>
+        <p:nvSpPr>
+          <p:cNvPr id="4" name="Text Placeholder 3"/>
+          <p:cNvSpPr>
+            <a:spLocks noGrp="1"/>
+          </p:cNvSpPr>
+          <p:nvPr>
+            <p:ph type="body" sz="half" idx="2"/>
+          </p:nvPr>
+        </p:nvSpPr>
+        <p:spPr>
+          <a:xfrm>
+            <a:off x="5418667" y="2209802"/>
+            <a:ext cx="3200400" cy="2091267"/>
+          </a:xfrm>
+        </p:spPr>
+        <p:txBody>
+          <a:bodyPr anchor="t">
+            <a:normAutofit/>
+          </a:bodyPr>
           <a:lstStyle>
             <a:lvl1pPr marL="0" indent="0">
               <a:buNone/>
-              <a:defRPr sz="1400"/>
+              <a:defRPr sz="1600"/>
             </a:lvl1pPr>
-            <a:lvl2pPr>
+            <a:lvl2pPr marL="457200" indent="0">
               <a:buNone/>
               <a:defRPr sz="1200"/>
             </a:lvl2pPr>
-            <a:lvl3pPr>
+            <a:lvl3pPr marL="914400" indent="0">
               <a:buNone/>
               <a:defRPr sz="1000"/>
             </a:lvl3pPr>
-            <a:lvl4pPr>
+            <a:lvl4pPr marL="1371600" indent="0">
               <a:buNone/>
               <a:defRPr sz="900"/>
             </a:lvl4pPr>
-            <a:lvl5pPr>
+            <a:lvl5pPr marL="1828800" indent="0">
               <a:buNone/>
               <a:defRPr sz="900"/>
             </a:lvl5pPr>
+            <a:lvl6pPr marL="2286000" indent="0">
+              <a:buNone/>
+              <a:defRPr sz="900"/>
+            </a:lvl6pPr>
+            <a:lvl7pPr marL="2743200" indent="0">
+              <a:buNone/>
+              <a:defRPr sz="900"/>
+            </a:lvl7pPr>
+            <a:lvl8pPr marL="3200400" indent="0">
+              <a:buNone/>
+              <a:defRPr sz="900"/>
+            </a:lvl8pPr>
+            <a:lvl9pPr marL="3657600" indent="0">
+              <a:buNone/>
+              <a:defRPr sz="900"/>
+            </a:lvl9pPr>
           </a:lstStyle>
           <a:p>
-            <a:pPr lvl="0" eaLnBrk="1" latinLnBrk="0" hangingPunct="1"/>
-            <a:r>
-              <a:rPr kumimoji="0" lang="ko-KR" altLang="en-US" smtClean="0"/>
-              <a:t>마스터 텍스트 스타일을 편집합니다</a:t>
-            </a:r>
-          </a:p>
-        </p:txBody>
-      </p:sp>
-      <p:sp>
-        <p:nvSpPr>
-          <p:cNvPr id="14" name="내용 개체 틀 13"/>
-          <p:cNvSpPr>
-            <a:spLocks noGrp="1"/>
-          </p:cNvSpPr>
-          <p:nvPr>
-            <p:ph sz="half" idx="1"/>
-          </p:nvPr>
-        </p:nvSpPr>
-        <p:spPr>
-          <a:xfrm>
-            <a:off x="3575050" y="609600"/>
-            <a:ext cx="5340350" cy="4800600"/>
-          </a:xfrm>
-        </p:spPr>
-        <p:txBody>
-          <a:bodyPr/>
-          <a:lstStyle>
-            <a:lvl1pPr>
-              <a:defRPr sz="3200"/>
-            </a:lvl1pPr>
-            <a:lvl2pPr>
-              <a:defRPr sz="2800"/>
-            </a:lvl2pPr>
-            <a:lvl3pPr>
-              <a:defRPr sz="2400"/>
-            </a:lvl3pPr>
-            <a:lvl4pPr>
-              <a:defRPr sz="2000"/>
-            </a:lvl4pPr>
-            <a:lvl5pPr>
-              <a:defRPr sz="2000"/>
-            </a:lvl5pPr>
-          </a:lstStyle>
-          <a:p>
-            <a:pPr lvl="0" eaLnBrk="1" latinLnBrk="0" hangingPunct="1"/>
-            <a:r>
-              <a:rPr lang="ko-KR" altLang="en-US" smtClean="0"/>
-              <a:t>마스터 텍스트 스타일을 편집합니다</a:t>
-            </a:r>
-          </a:p>
-          <a:p>
-            <a:pPr lvl="1" eaLnBrk="1" latinLnBrk="0" hangingPunct="1"/>
-            <a:r>
-              <a:rPr lang="ko-KR" altLang="en-US" smtClean="0"/>
-              <a:t>둘째 수준</a:t>
-            </a:r>
-          </a:p>
-          <a:p>
-            <a:pPr lvl="2" eaLnBrk="1" latinLnBrk="0" hangingPunct="1"/>
-            <a:r>
-              <a:rPr lang="ko-KR" altLang="en-US" smtClean="0"/>
-              <a:t>셋째 수준</a:t>
-            </a:r>
-          </a:p>
-          <a:p>
-            <a:pPr lvl="3" eaLnBrk="1" latinLnBrk="0" hangingPunct="1"/>
-            <a:r>
-              <a:rPr lang="ko-KR" altLang="en-US" smtClean="0"/>
-              <a:t>넷째 수준</a:t>
-            </a:r>
-          </a:p>
-          <a:p>
-            <a:pPr lvl="4" eaLnBrk="1" latinLnBrk="0" hangingPunct="1"/>
-            <a:r>
-              <a:rPr lang="ko-KR" altLang="en-US" smtClean="0"/>
-              <a:t>다섯째 수준</a:t>
-            </a:r>
-            <a:endParaRPr kumimoji="0" lang="en-US"/>
-          </a:p>
-        </p:txBody>
-      </p:sp>
-      <p:sp>
-        <p:nvSpPr>
-          <p:cNvPr id="25" name="날짜 개체 틀 24"/>
+            <a:pPr lvl="0"/>
+            <a:r>
+              <a:rPr lang="ko-KR" altLang="en-US" smtClean="0"/>
+              <a:t>마스터 텍스트 스타일 편집</a:t>
+            </a:r>
+          </a:p>
+        </p:txBody>
+      </p:sp>
+      <p:sp>
+        <p:nvSpPr>
+          <p:cNvPr id="5" name="Date Placeholder 4"/>
           <p:cNvSpPr>
             <a:spLocks noGrp="1"/>
           </p:cNvSpPr>
@@ -2293,7 +4405,7 @@
             <a:fld id="{74CBEAF9-9E58-4CC8-A6FF-6DD8A58DEEA4}" type="datetimeFigureOut">
               <a:rPr lang="en-US" smtClean="0"/>
               <a:pPr/>
-              <a:t>4/26/2017</a:t>
+              <a:t>4/27/2017</a:t>
             </a:fld>
             <a:endParaRPr lang="en-US"/>
           </a:p>
@@ -2301,7 +4413,7 @@
       </p:sp>
       <p:sp>
         <p:nvSpPr>
-          <p:cNvPr id="29" name="바닥글 개체 틀 28"/>
+          <p:cNvPr id="6" name="Footer Placeholder 5"/>
           <p:cNvSpPr>
             <a:spLocks noGrp="1"/>
           </p:cNvSpPr>
@@ -2320,7 +4432,7 @@
       </p:sp>
       <p:sp>
         <p:nvSpPr>
-          <p:cNvPr id="7" name="슬라이드 번호 개체 틀 6"/>
+          <p:cNvPr id="7" name="Slide Number Placeholder 6"/>
           <p:cNvSpPr>
             <a:spLocks noGrp="1"/>
           </p:cNvSpPr>
@@ -2343,6 +4455,11 @@
         </p:txBody>
       </p:sp>
     </p:spTree>
+    <p:extLst>
+      <p:ext uri="{BB962C8B-B14F-4D97-AF65-F5344CB8AC3E}">
+        <p14:creationId xmlns:p14="http://schemas.microsoft.com/office/powerpoint/2010/main" val="2968298762"/>
+      </p:ext>
+    </p:extLst>
   </p:cSld>
   <p:clrMapOvr>
     <a:masterClrMapping/>
@@ -2351,7 +4468,7 @@
 </file>
 
 <file path=ppt/slideLayouts/slideLayout9.xml><?xml version="1.0" encoding="utf-8"?>
-<p:sldLayout xmlns:a="http://schemas.openxmlformats.org/drawingml/2006/main" xmlns:r="http://schemas.openxmlformats.org/officeDocument/2006/relationships" xmlns:p="http://schemas.openxmlformats.org/presentationml/2006/main" showMasterSp="0" type="picTx" preserve="1">
+<p:sldLayout xmlns:a="http://schemas.openxmlformats.org/drawingml/2006/main" xmlns:r="http://schemas.openxmlformats.org/officeDocument/2006/relationships" xmlns:p="http://schemas.openxmlformats.org/presentationml/2006/main" type="picTx" preserve="1">
   <p:cSld name="캡션 있는 그림">
     <p:spTree>
       <p:nvGrpSpPr>
@@ -2369,51 +4486,195 @@
       </p:grpSpPr>
       <p:sp>
         <p:nvSpPr>
-          <p:cNvPr id="13" name="그림 개체 틀 12"/>
-          <p:cNvSpPr>
-            <a:spLocks noGrp="1"/>
-          </p:cNvSpPr>
-          <p:nvPr>
-            <p:ph type="pic" idx="1"/>
+          <p:cNvPr id="2" name="Title 1"/>
+          <p:cNvSpPr>
+            <a:spLocks noGrp="1"/>
+          </p:cNvSpPr>
+          <p:nvPr>
+            <p:ph type="title"/>
           </p:nvPr>
         </p:nvSpPr>
         <p:spPr>
           <a:xfrm>
-            <a:off x="3505200" y="616634"/>
-            <a:ext cx="5029200" cy="3657600"/>
+            <a:off x="4495800" y="1447800"/>
+            <a:ext cx="3563258" cy="1143000"/>
           </a:xfrm>
-          <a:solidFill>
-            <a:schemeClr val="bg1"/>
-          </a:solidFill>
-          <a:ln w="6350">
+        </p:spPr>
+        <p:txBody>
+          <a:bodyPr anchor="b">
+            <a:normAutofit/>
+          </a:bodyPr>
+          <a:lstStyle>
+            <a:lvl1pPr algn="l">
+              <a:defRPr sz="2400" b="0"/>
+            </a:lvl1pPr>
+          </a:lstStyle>
+          <a:p>
+            <a:r>
+              <a:rPr lang="ko-KR" altLang="en-US" smtClean="0"/>
+              <a:t>마스터 제목 스타일 편집</a:t>
+            </a:r>
+            <a:endParaRPr lang="en-US" dirty="0"/>
+          </a:p>
+        </p:txBody>
+      </p:sp>
+      <p:sp>
+        <p:nvSpPr>
+          <p:cNvPr id="17" name="Picture Placeholder 2"/>
+          <p:cNvSpPr>
+            <a:spLocks noGrp="1" noChangeAspect="1"/>
+          </p:cNvSpPr>
+          <p:nvPr>
+            <p:ph type="pic" idx="13"/>
+          </p:nvPr>
+        </p:nvSpPr>
+        <p:spPr>
+          <a:xfrm>
+            <a:off x="762000" y="914400"/>
+            <a:ext cx="3280974" cy="4800600"/>
+          </a:xfrm>
+          <a:prstGeom prst="snip2DiagRect">
+            <a:avLst>
+              <a:gd name="adj1" fmla="val 10815"/>
+              <a:gd name="adj2" fmla="val 0"/>
+            </a:avLst>
+          </a:prstGeom>
+          <a:ln w="15875">
             <a:solidFill>
-              <a:schemeClr val="accent1"/>
+              <a:schemeClr val="tx1">
+                <a:alpha val="40000"/>
+              </a:schemeClr>
             </a:solidFill>
           </a:ln>
           <a:effectLst>
-            <a:reflection blurRad="1000" stA="49000" endA="500" endPos="10000" dist="900" dir="5400000" sy="-90000" algn="bl" rotWithShape="0"/>
+            <a:innerShdw blurRad="57150" dist="38100" dir="14460000">
+              <a:srgbClr val="000000">
+                <a:alpha val="70000"/>
+              </a:srgbClr>
+            </a:innerShdw>
           </a:effectLst>
         </p:spPr>
         <p:txBody>
-          <a:bodyPr/>
+          <a:bodyPr anchor="t">
+            <a:normAutofit/>
+          </a:bodyPr>
+          <a:lstStyle>
+            <a:lvl1pPr marL="0" indent="0" algn="ctr">
+              <a:buNone/>
+              <a:defRPr sz="1600"/>
+            </a:lvl1pPr>
+            <a:lvl2pPr marL="457200" indent="0">
+              <a:buNone/>
+              <a:defRPr sz="1600"/>
+            </a:lvl2pPr>
+            <a:lvl3pPr marL="914400" indent="0">
+              <a:buNone/>
+              <a:defRPr sz="1600"/>
+            </a:lvl3pPr>
+            <a:lvl4pPr marL="1371600" indent="0">
+              <a:buNone/>
+              <a:defRPr sz="1600"/>
+            </a:lvl4pPr>
+            <a:lvl5pPr marL="1828800" indent="0">
+              <a:buNone/>
+              <a:defRPr sz="1600"/>
+            </a:lvl5pPr>
+            <a:lvl6pPr marL="2286000" indent="0">
+              <a:buNone/>
+              <a:defRPr sz="1600"/>
+            </a:lvl6pPr>
+            <a:lvl7pPr marL="2743200" indent="0">
+              <a:buNone/>
+              <a:defRPr sz="1600"/>
+            </a:lvl7pPr>
+            <a:lvl8pPr marL="3200400" indent="0">
+              <a:buNone/>
+              <a:defRPr sz="1600"/>
+            </a:lvl8pPr>
+            <a:lvl9pPr marL="3657600" indent="0">
+              <a:buNone/>
+              <a:defRPr sz="1600"/>
+            </a:lvl9pPr>
+          </a:lstStyle>
+          <a:p>
+            <a:r>
+              <a:rPr lang="ko-KR" altLang="en-US" smtClean="0"/>
+              <a:t>그림을 추가하려면 아이콘을 클릭하십시오</a:t>
+            </a:r>
+            <a:endParaRPr lang="en-US" dirty="0"/>
+          </a:p>
+        </p:txBody>
+      </p:sp>
+      <p:sp>
+        <p:nvSpPr>
+          <p:cNvPr id="4" name="Text Placeholder 3"/>
+          <p:cNvSpPr>
+            <a:spLocks noGrp="1"/>
+          </p:cNvSpPr>
+          <p:nvPr>
+            <p:ph type="body" sz="half" idx="2"/>
+          </p:nvPr>
+        </p:nvSpPr>
+        <p:spPr>
+          <a:xfrm>
+            <a:off x="4496027" y="2743200"/>
+            <a:ext cx="3564223" cy="2082800"/>
+          </a:xfrm>
+        </p:spPr>
+        <p:txBody>
+          <a:bodyPr anchor="t">
+            <a:normAutofit/>
+          </a:bodyPr>
           <a:lstStyle>
             <a:lvl1pPr marL="0" indent="0">
               <a:buNone/>
-              <a:defRPr sz="3200"/>
+              <a:defRPr sz="1800"/>
             </a:lvl1pPr>
+            <a:lvl2pPr marL="457200" indent="0">
+              <a:buNone/>
+              <a:defRPr sz="1200"/>
+            </a:lvl2pPr>
+            <a:lvl3pPr marL="914400" indent="0">
+              <a:buNone/>
+              <a:defRPr sz="1000"/>
+            </a:lvl3pPr>
+            <a:lvl4pPr marL="1371600" indent="0">
+              <a:buNone/>
+              <a:defRPr sz="900"/>
+            </a:lvl4pPr>
+            <a:lvl5pPr marL="1828800" indent="0">
+              <a:buNone/>
+              <a:defRPr sz="900"/>
+            </a:lvl5pPr>
+            <a:lvl6pPr marL="2286000" indent="0">
+              <a:buNone/>
+              <a:defRPr sz="900"/>
+            </a:lvl6pPr>
+            <a:lvl7pPr marL="2743200" indent="0">
+              <a:buNone/>
+              <a:defRPr sz="900"/>
+            </a:lvl7pPr>
+            <a:lvl8pPr marL="3200400" indent="0">
+              <a:buNone/>
+              <a:defRPr sz="900"/>
+            </a:lvl8pPr>
+            <a:lvl9pPr marL="3657600" indent="0">
+              <a:buNone/>
+              <a:defRPr sz="900"/>
+            </a:lvl9pPr>
           </a:lstStyle>
           <a:p>
-            <a:r>
-              <a:rPr kumimoji="0" lang="ko-KR" altLang="en-US" smtClean="0"/>
-              <a:t>그림을 추가하려면 아이콘을 클릭하십시오</a:t>
-            </a:r>
-            <a:endParaRPr kumimoji="0" lang="en-US" dirty="0"/>
-          </a:p>
-        </p:txBody>
-      </p:sp>
-      <p:sp>
-        <p:nvSpPr>
-          <p:cNvPr id="7" name="날짜 개체 틀 6"/>
+            <a:pPr lvl="0"/>
+            <a:r>
+              <a:rPr lang="ko-KR" altLang="en-US" smtClean="0"/>
+              <a:t>마스터 텍스트 스타일 편집</a:t>
+            </a:r>
+          </a:p>
+        </p:txBody>
+      </p:sp>
+      <p:sp>
+        <p:nvSpPr>
+          <p:cNvPr id="5" name="Date Placeholder 4"/>
           <p:cNvSpPr>
             <a:spLocks noGrp="1"/>
           </p:cNvSpPr>
@@ -2429,7 +4690,7 @@
             <a:fld id="{74CBEAF9-9E58-4CC8-A6FF-6DD8A58DEEA4}" type="datetimeFigureOut">
               <a:rPr lang="en-US" smtClean="0"/>
               <a:pPr/>
-              <a:t>4/26/2017</a:t>
+              <a:t>4/27/2017</a:t>
             </a:fld>
             <a:endParaRPr lang="en-US"/>
           </a:p>
@@ -2437,7 +4698,7 @@
       </p:sp>
       <p:sp>
         <p:nvSpPr>
-          <p:cNvPr id="5" name="바닥글 개체 틀 4"/>
+          <p:cNvPr id="6" name="Footer Placeholder 5"/>
           <p:cNvSpPr>
             <a:spLocks noGrp="1"/>
           </p:cNvSpPr>
@@ -2445,7 +4706,12 @@
             <p:ph type="ftr" sz="quarter" idx="11"/>
           </p:nvPr>
         </p:nvSpPr>
-        <p:spPr/>
+        <p:spPr>
+          <a:xfrm>
+            <a:off x="533400" y="6172200"/>
+            <a:ext cx="5811724" cy="365125"/>
+          </a:xfrm>
+        </p:spPr>
         <p:txBody>
           <a:bodyPr/>
           <a:lstStyle/>
@@ -2456,7 +4722,7 @@
       </p:sp>
       <p:sp>
         <p:nvSpPr>
-          <p:cNvPr id="31" name="슬라이드 번호 개체 틀 30"/>
+          <p:cNvPr id="7" name="Slide Number Placeholder 6"/>
           <p:cNvSpPr>
             <a:spLocks noGrp="1"/>
           </p:cNvSpPr>
@@ -2478,85 +4744,12 @@
           </a:p>
         </p:txBody>
       </p:sp>
-      <p:sp>
-        <p:nvSpPr>
-          <p:cNvPr id="17" name="제목 16"/>
-          <p:cNvSpPr>
-            <a:spLocks noGrp="1"/>
-          </p:cNvSpPr>
-          <p:nvPr>
-            <p:ph type="title"/>
-          </p:nvPr>
-        </p:nvSpPr>
-        <p:spPr>
-          <a:xfrm>
-            <a:off x="381000" y="4993760"/>
-            <a:ext cx="5867400" cy="522288"/>
-          </a:xfrm>
-        </p:spPr>
-        <p:txBody>
-          <a:bodyPr anchor="ctr"/>
-          <a:lstStyle>
-            <a:lvl1pPr algn="l">
-              <a:buNone/>
-              <a:defRPr sz="2000" b="1"/>
-            </a:lvl1pPr>
-          </a:lstStyle>
-          <a:p>
-            <a:r>
-              <a:rPr kumimoji="0" lang="ko-KR" altLang="en-US" smtClean="0"/>
-              <a:t>마스터 제목 스타일 편집</a:t>
-            </a:r>
-            <a:endParaRPr kumimoji="0" lang="en-US"/>
-          </a:p>
-        </p:txBody>
-      </p:sp>
-      <p:sp>
-        <p:nvSpPr>
-          <p:cNvPr id="26" name="텍스트 개체 틀 25"/>
-          <p:cNvSpPr>
-            <a:spLocks noGrp="1"/>
-          </p:cNvSpPr>
-          <p:nvPr>
-            <p:ph type="body" sz="half" idx="2"/>
-          </p:nvPr>
-        </p:nvSpPr>
-        <p:spPr>
-          <a:xfrm>
-            <a:off x="381000" y="5533218"/>
-            <a:ext cx="5867400" cy="768350"/>
-          </a:xfrm>
-        </p:spPr>
-        <p:txBody>
-          <a:bodyPr lIns="109728" tIns="0"/>
-          <a:lstStyle>
-            <a:lvl1pPr marL="0" indent="0">
-              <a:buNone/>
-              <a:defRPr sz="1400"/>
-            </a:lvl1pPr>
-            <a:lvl2pPr>
-              <a:defRPr sz="1200"/>
-            </a:lvl2pPr>
-            <a:lvl3pPr>
-              <a:defRPr sz="1000"/>
-            </a:lvl3pPr>
-            <a:lvl4pPr>
-              <a:defRPr sz="900"/>
-            </a:lvl4pPr>
-            <a:lvl5pPr>
-              <a:defRPr sz="900"/>
-            </a:lvl5pPr>
-          </a:lstStyle>
-          <a:p>
-            <a:pPr lvl="0" eaLnBrk="1" latinLnBrk="0" hangingPunct="1"/>
-            <a:r>
-              <a:rPr kumimoji="0" lang="ko-KR" altLang="en-US" smtClean="0"/>
-              <a:t>마스터 텍스트 스타일을 편집합니다</a:t>
-            </a:r>
-          </a:p>
-        </p:txBody>
-      </p:sp>
     </p:spTree>
+    <p:extLst>
+      <p:ext uri="{BB962C8B-B14F-4D97-AF65-F5344CB8AC3E}">
+        <p14:creationId xmlns:p14="http://schemas.microsoft.com/office/powerpoint/2010/main" val="4284234106"/>
+      </p:ext>
+    </p:extLst>
   </p:cSld>
   <p:clrMapOvr>
     <a:masterClrMapping/>
@@ -2568,7 +4761,7 @@
 <p:sldMaster xmlns:a="http://schemas.openxmlformats.org/drawingml/2006/main" xmlns:r="http://schemas.openxmlformats.org/officeDocument/2006/relationships" xmlns:p="http://schemas.openxmlformats.org/presentationml/2006/main">
   <p:cSld>
     <p:bg>
-      <p:bgRef idx="1003">
+      <p:bgRef idx="1002">
         <a:schemeClr val="bg2"/>
       </p:bgRef>
     </p:bg>
@@ -2586,59 +4779,233 @@
           <a:chExt cx="0" cy="0"/>
         </a:xfrm>
       </p:grpSpPr>
-      <p:sp>
-        <p:nvSpPr>
-          <p:cNvPr id="7" name="직선 연결선 6"/>
-          <p:cNvSpPr>
-            <a:spLocks noChangeShapeType="1"/>
-          </p:cNvSpPr>
+      <p:grpSp>
+        <p:nvGrpSpPr>
+          <p:cNvPr id="7" name="Group 6"/>
+          <p:cNvGrpSpPr/>
           <p:nvPr/>
-        </p:nvSpPr>
-        <p:spPr bwMode="auto">
+        </p:nvGrpSpPr>
+        <p:grpSpPr>
           <a:xfrm>
-            <a:off x="514350" y="1050898"/>
-            <a:ext cx="8629650" cy="2381"/>
+            <a:off x="6670675" y="3894667"/>
+            <a:ext cx="2470456" cy="2658533"/>
+            <a:chOff x="6687077" y="3259666"/>
+            <a:chExt cx="2981857" cy="3208867"/>
           </a:xfrm>
-          <a:prstGeom prst="line">
+        </p:grpSpPr>
+        <p:cxnSp>
+          <p:nvCxnSpPr>
+            <p:cNvPr id="8" name="Straight Connector 7"/>
+            <p:cNvCxnSpPr/>
+            <p:nvPr/>
+          </p:nvCxnSpPr>
+          <p:spPr>
+            <a:xfrm flipH="1">
+              <a:off x="8756120" y="3259666"/>
+              <a:ext cx="912814" cy="912812"/>
+            </a:xfrm>
+            <a:prstGeom prst="line">
+              <a:avLst/>
+            </a:prstGeom>
+            <a:ln w="9525">
+              <a:solidFill>
+                <a:schemeClr val="tx1"/>
+              </a:solidFill>
+            </a:ln>
+          </p:spPr>
+          <p:style>
+            <a:lnRef idx="2">
+              <a:schemeClr val="accent1"/>
+            </a:lnRef>
+            <a:fillRef idx="0">
+              <a:schemeClr val="accent1"/>
+            </a:fillRef>
+            <a:effectRef idx="1">
+              <a:schemeClr val="accent1"/>
+            </a:effectRef>
+            <a:fontRef idx="minor">
+              <a:schemeClr val="tx1"/>
+            </a:fontRef>
+          </p:style>
+        </p:cxnSp>
+        <p:cxnSp>
+          <p:nvCxnSpPr>
+            <p:cNvPr id="9" name="Straight Connector 8"/>
+            <p:cNvCxnSpPr/>
+            <p:nvPr/>
+          </p:nvCxnSpPr>
+          <p:spPr>
+            <a:xfrm flipH="1">
+              <a:off x="6687077" y="3486677"/>
+              <a:ext cx="2981857" cy="2981856"/>
+            </a:xfrm>
+            <a:prstGeom prst="line">
+              <a:avLst/>
+            </a:prstGeom>
+            <a:ln w="9525">
+              <a:solidFill>
+                <a:schemeClr val="tx1"/>
+              </a:solidFill>
+            </a:ln>
+          </p:spPr>
+          <p:style>
+            <a:lnRef idx="2">
+              <a:schemeClr val="accent1"/>
+            </a:lnRef>
+            <a:fillRef idx="0">
+              <a:schemeClr val="accent1"/>
+            </a:fillRef>
+            <a:effectRef idx="1">
+              <a:schemeClr val="accent1"/>
+            </a:effectRef>
+            <a:fontRef idx="minor">
+              <a:schemeClr val="tx1"/>
+            </a:fontRef>
+          </p:style>
+        </p:cxnSp>
+        <p:cxnSp>
+          <p:nvCxnSpPr>
+            <p:cNvPr id="10" name="Straight Connector 9"/>
+            <p:cNvCxnSpPr/>
+            <p:nvPr/>
+          </p:nvCxnSpPr>
+          <p:spPr>
+            <a:xfrm flipH="1">
+              <a:off x="7772400" y="3581400"/>
+              <a:ext cx="1896534" cy="1896533"/>
+            </a:xfrm>
+            <a:prstGeom prst="line">
+              <a:avLst/>
+            </a:prstGeom>
+            <a:ln w="9525">
+              <a:solidFill>
+                <a:schemeClr val="tx1"/>
+              </a:solidFill>
+            </a:ln>
+          </p:spPr>
+          <p:style>
+            <a:lnRef idx="2">
+              <a:schemeClr val="accent1"/>
+            </a:lnRef>
+            <a:fillRef idx="0">
+              <a:schemeClr val="accent1"/>
+            </a:fillRef>
+            <a:effectRef idx="1">
+              <a:schemeClr val="accent1"/>
+            </a:effectRef>
+            <a:fontRef idx="minor">
+              <a:schemeClr val="tx1"/>
+            </a:fontRef>
+          </p:style>
+        </p:cxnSp>
+        <p:cxnSp>
+          <p:nvCxnSpPr>
+            <p:cNvPr id="11" name="Straight Connector 10"/>
+            <p:cNvCxnSpPr/>
+            <p:nvPr/>
+          </p:nvCxnSpPr>
+          <p:spPr>
+            <a:xfrm flipH="1">
+              <a:off x="7923214" y="3433394"/>
+              <a:ext cx="1739738" cy="1739740"/>
+            </a:xfrm>
+            <a:prstGeom prst="line">
+              <a:avLst/>
+            </a:prstGeom>
+            <a:ln w="28575">
+              <a:solidFill>
+                <a:schemeClr val="tx1"/>
+              </a:solidFill>
+            </a:ln>
+          </p:spPr>
+          <p:style>
+            <a:lnRef idx="2">
+              <a:schemeClr val="accent1"/>
+            </a:lnRef>
+            <a:fillRef idx="0">
+              <a:schemeClr val="accent1"/>
+            </a:fillRef>
+            <a:effectRef idx="1">
+              <a:schemeClr val="accent1"/>
+            </a:effectRef>
+            <a:fontRef idx="minor">
+              <a:schemeClr val="tx1"/>
+            </a:fontRef>
+          </p:style>
+        </p:cxnSp>
+        <p:cxnSp>
+          <p:nvCxnSpPr>
+            <p:cNvPr id="12" name="Straight Connector 11"/>
+            <p:cNvCxnSpPr/>
+            <p:nvPr/>
+          </p:nvCxnSpPr>
+          <p:spPr>
+            <a:xfrm flipH="1">
+              <a:off x="8398935" y="3985317"/>
+              <a:ext cx="1264017" cy="1264016"/>
+            </a:xfrm>
+            <a:prstGeom prst="line">
+              <a:avLst/>
+            </a:prstGeom>
+            <a:ln w="28575">
+              <a:solidFill>
+                <a:schemeClr val="tx1"/>
+              </a:solidFill>
+            </a:ln>
+          </p:spPr>
+          <p:style>
+            <a:lnRef idx="2">
+              <a:schemeClr val="accent1"/>
+            </a:lnRef>
+            <a:fillRef idx="0">
+              <a:schemeClr val="accent1"/>
+            </a:fillRef>
+            <a:effectRef idx="1">
+              <a:schemeClr val="accent1"/>
+            </a:effectRef>
+            <a:fontRef idx="minor">
+              <a:schemeClr val="tx1"/>
+            </a:fontRef>
+          </p:style>
+        </p:cxnSp>
+      </p:grpSp>
+      <p:sp>
+        <p:nvSpPr>
+          <p:cNvPr id="2" name="Title Placeholder 1"/>
+          <p:cNvSpPr>
+            <a:spLocks noGrp="1"/>
+          </p:cNvSpPr>
+          <p:nvPr>
+            <p:ph type="title"/>
+          </p:nvPr>
+        </p:nvSpPr>
+        <p:spPr>
+          <a:xfrm>
+            <a:off x="533400" y="4495800"/>
+            <a:ext cx="6554867" cy="1524000"/>
+          </a:xfrm>
+          <a:prstGeom prst="rect">
             <a:avLst/>
           </a:prstGeom>
-          <a:noFill/>
-          <a:ln w="9525" cap="flat" cmpd="sng" algn="ctr">
-            <a:gradFill flip="none" rotWithShape="1">
-              <a:gsLst>
-                <a:gs pos="0">
-                  <a:schemeClr val="accent1">
-                    <a:alpha val="0"/>
-                  </a:schemeClr>
-                </a:gs>
-                <a:gs pos="17000">
-                  <a:schemeClr val="accent1"/>
-                </a:gs>
-                <a:gs pos="100000">
-                  <a:schemeClr val="accent1"/>
-                </a:gs>
-              </a:gsLst>
-              <a:lin ang="0" scaled="1"/>
-              <a:tileRect/>
-            </a:gradFill>
-            <a:prstDash val="solid"/>
-            <a:round/>
-            <a:headEnd type="none" w="med" len="med"/>
-            <a:tailEnd type="none" w="med" len="med"/>
-          </a:ln>
           <a:effectLst/>
         </p:spPr>
         <p:txBody>
-          <a:bodyPr vert="horz" wrap="square" lIns="91440" tIns="45720" rIns="91440" bIns="45720" anchor="t" compatLnSpc="1"/>
-          <a:lstStyle/>
-          <a:p>
-            <a:endParaRPr kumimoji="0" lang="en-US"/>
-          </a:p>
-        </p:txBody>
-      </p:sp>
-      <p:sp>
-        <p:nvSpPr>
-          <p:cNvPr id="8" name="텍스트 개체 틀 7"/>
+          <a:bodyPr vert="horz" lIns="91440" tIns="45720" rIns="91440" bIns="45720" rtlCol="0" anchor="ctr">
+            <a:normAutofit/>
+          </a:bodyPr>
+          <a:lstStyle/>
+          <a:p>
+            <a:r>
+              <a:rPr lang="ko-KR" altLang="en-US" smtClean="0"/>
+              <a:t>마스터 제목 스타일 편집</a:t>
+            </a:r>
+            <a:endParaRPr lang="en-US" dirty="0"/>
+          </a:p>
+        </p:txBody>
+      </p:sp>
+      <p:sp>
+        <p:nvSpPr>
+          <p:cNvPr id="3" name="Text Placeholder 2"/>
           <p:cNvSpPr>
             <a:spLocks noGrp="1"/>
           </p:cNvSpPr>
@@ -2648,59 +5015,59 @@
         </p:nvSpPr>
         <p:spPr>
           <a:xfrm>
-            <a:off x="304800" y="1554162"/>
-            <a:ext cx="8686800" cy="4525963"/>
+            <a:off x="533400" y="533401"/>
+            <a:ext cx="6554867" cy="3767670"/>
           </a:xfrm>
           <a:prstGeom prst="rect">
             <a:avLst/>
           </a:prstGeom>
         </p:spPr>
         <p:txBody>
-          <a:bodyPr vert="horz">
+          <a:bodyPr vert="horz" lIns="91440" tIns="45720" rIns="91440" bIns="45720" rtlCol="0" anchor="ctr">
             <a:normAutofit/>
           </a:bodyPr>
           <a:lstStyle/>
           <a:p>
-            <a:pPr lvl="0" eaLnBrk="1" latinLnBrk="0" hangingPunct="1"/>
-            <a:r>
-              <a:rPr kumimoji="0" lang="ko-KR" altLang="en-US" smtClean="0"/>
-              <a:t>마스터 텍스트 스타일을 편집합니다</a:t>
-            </a:r>
-          </a:p>
-          <a:p>
-            <a:pPr lvl="1" eaLnBrk="1" latinLnBrk="0" hangingPunct="1"/>
-            <a:r>
-              <a:rPr kumimoji="0" lang="ko-KR" altLang="en-US" smtClean="0"/>
+            <a:pPr lvl="0"/>
+            <a:r>
+              <a:rPr lang="ko-KR" altLang="en-US" smtClean="0"/>
+              <a:t>마스터 텍스트 스타일 편집</a:t>
+            </a:r>
+          </a:p>
+          <a:p>
+            <a:pPr lvl="1"/>
+            <a:r>
+              <a:rPr lang="ko-KR" altLang="en-US" smtClean="0"/>
               <a:t>둘째 수준</a:t>
             </a:r>
           </a:p>
           <a:p>
-            <a:pPr lvl="2" eaLnBrk="1" latinLnBrk="0" hangingPunct="1"/>
-            <a:r>
-              <a:rPr kumimoji="0" lang="ko-KR" altLang="en-US" smtClean="0"/>
+            <a:pPr lvl="2"/>
+            <a:r>
+              <a:rPr lang="ko-KR" altLang="en-US" smtClean="0"/>
               <a:t>셋째 수준</a:t>
             </a:r>
           </a:p>
           <a:p>
-            <a:pPr lvl="3" eaLnBrk="1" latinLnBrk="0" hangingPunct="1"/>
-            <a:r>
-              <a:rPr kumimoji="0" lang="ko-KR" altLang="en-US" smtClean="0"/>
+            <a:pPr lvl="3"/>
+            <a:r>
+              <a:rPr lang="ko-KR" altLang="en-US" smtClean="0"/>
               <a:t>넷째 수준</a:t>
             </a:r>
           </a:p>
           <a:p>
-            <a:pPr lvl="4" eaLnBrk="1" latinLnBrk="0" hangingPunct="1"/>
-            <a:r>
-              <a:rPr kumimoji="0" lang="ko-KR" altLang="en-US" smtClean="0"/>
+            <a:pPr lvl="4"/>
+            <a:r>
+              <a:rPr lang="ko-KR" altLang="en-US" smtClean="0"/>
               <a:t>다섯째 수준</a:t>
             </a:r>
-            <a:endParaRPr kumimoji="0" lang="en-US"/>
-          </a:p>
-        </p:txBody>
-      </p:sp>
-      <p:sp>
-        <p:nvSpPr>
-          <p:cNvPr id="11" name="날짜 개체 틀 10"/>
+            <a:endParaRPr lang="en-US" dirty="0"/>
+          </a:p>
+        </p:txBody>
+      </p:sp>
+      <p:sp>
+        <p:nvSpPr>
+          <p:cNvPr id="4" name="Date Placeholder 3"/>
           <p:cNvSpPr>
             <a:spLocks noGrp="1"/>
           </p:cNvSpPr>
@@ -2710,23 +5077,25 @@
         </p:nvSpPr>
         <p:spPr>
           <a:xfrm>
-            <a:off x="6477000" y="76200"/>
-            <a:ext cx="2514600" cy="288925"/>
+            <a:off x="7430245" y="6172203"/>
+            <a:ext cx="1200463" cy="365125"/>
           </a:xfrm>
           <a:prstGeom prst="rect">
             <a:avLst/>
           </a:prstGeom>
         </p:spPr>
         <p:txBody>
-          <a:bodyPr vert="horz"/>
+          <a:bodyPr vert="horz" lIns="91440" tIns="45720" rIns="91440" bIns="45720" rtlCol="0" anchor="t"/>
           <a:lstStyle>
-            <a:lvl1pPr algn="l" eaLnBrk="1" latinLnBrk="0" hangingPunct="1">
-              <a:defRPr kumimoji="0" sz="1200">
+            <a:lvl1pPr algn="r">
+              <a:defRPr sz="1000" b="0" i="0">
                 <a:solidFill>
-                  <a:schemeClr val="accent1">
-                    <a:shade val="75000"/>
+                  <a:schemeClr val="bg2">
+                    <a:lumMod val="50000"/>
                   </a:schemeClr>
                 </a:solidFill>
+                <a:effectLst/>
+                <a:latin typeface="+mn-lt"/>
               </a:defRPr>
             </a:lvl1pPr>
           </a:lstStyle>
@@ -2735,7 +5104,7 @@
             <a:fld id="{74CBEAF9-9E58-4CC8-A6FF-6DD8A58DEEA4}" type="datetimeFigureOut">
               <a:rPr lang="en-US" smtClean="0"/>
               <a:pPr algn="l" eaLnBrk="1" latinLnBrk="0" hangingPunct="1"/>
-              <a:t>4/26/2017</a:t>
+              <a:t>4/27/2017</a:t>
             </a:fld>
             <a:endParaRPr lang="en-US" dirty="0">
               <a:solidFill>
@@ -2749,7 +5118,7 @@
       </p:sp>
       <p:sp>
         <p:nvSpPr>
-          <p:cNvPr id="28" name="바닥글 개체 틀 27"/>
+          <p:cNvPr id="5" name="Footer Placeholder 4"/>
           <p:cNvSpPr>
             <a:spLocks noGrp="1"/>
           </p:cNvSpPr>
@@ -2759,23 +5128,25 @@
         </p:nvSpPr>
         <p:spPr>
           <a:xfrm>
-            <a:off x="3124200" y="76200"/>
-            <a:ext cx="3352800" cy="288925"/>
+            <a:off x="533400" y="6172200"/>
+            <a:ext cx="5811724" cy="365125"/>
           </a:xfrm>
           <a:prstGeom prst="rect">
             <a:avLst/>
           </a:prstGeom>
         </p:spPr>
         <p:txBody>
-          <a:bodyPr vert="horz"/>
+          <a:bodyPr vert="horz" lIns="91440" tIns="45720" rIns="91440" bIns="45720" rtlCol="0" anchor="t"/>
           <a:lstStyle>
-            <a:lvl1pPr algn="r" eaLnBrk="1" latinLnBrk="0" hangingPunct="1">
-              <a:defRPr kumimoji="0" sz="1200">
+            <a:lvl1pPr algn="l">
+              <a:defRPr sz="1000" b="0" i="0">
                 <a:solidFill>
-                  <a:schemeClr val="accent1">
-                    <a:shade val="75000"/>
+                  <a:schemeClr val="bg2">
+                    <a:lumMod val="50000"/>
                   </a:schemeClr>
                 </a:solidFill>
+                <a:effectLst/>
+                <a:latin typeface="+mn-lt"/>
               </a:defRPr>
             </a:lvl1pPr>
           </a:lstStyle>
@@ -2793,7 +5164,7 @@
       </p:sp>
       <p:sp>
         <p:nvSpPr>
-          <p:cNvPr id="5" name="슬라이드 번호 개체 틀 4"/>
+          <p:cNvPr id="6" name="Slide Number Placeholder 5"/>
           <p:cNvSpPr>
             <a:spLocks noGrp="1"/>
           </p:cNvSpPr>
@@ -2803,23 +5174,25 @@
         </p:nvSpPr>
         <p:spPr>
           <a:xfrm>
-            <a:off x="8229600" y="6477000"/>
-            <a:ext cx="762000" cy="244475"/>
+            <a:off x="7774426" y="5578478"/>
+            <a:ext cx="856907" cy="669925"/>
           </a:xfrm>
           <a:prstGeom prst="rect">
             <a:avLst/>
           </a:prstGeom>
         </p:spPr>
         <p:txBody>
-          <a:bodyPr vert="horz"/>
+          <a:bodyPr vert="horz" lIns="91440" tIns="45720" rIns="91440" bIns="45720" rtlCol="0" anchor="b"/>
           <a:lstStyle>
-            <a:lvl1pPr algn="r" eaLnBrk="1" latinLnBrk="0" hangingPunct="1">
-              <a:defRPr kumimoji="0" sz="1200">
+            <a:lvl1pPr algn="r">
+              <a:defRPr sz="2800" b="0" i="0">
                 <a:solidFill>
-                  <a:schemeClr val="accent1">
-                    <a:shade val="75000"/>
+                  <a:schemeClr val="bg2">
+                    <a:lumMod val="50000"/>
                   </a:schemeClr>
                 </a:solidFill>
+                <a:effectLst/>
+                <a:latin typeface="+mn-lt"/>
               </a:defRPr>
             </a:lvl1pPr>
           </a:lstStyle>
@@ -2839,342 +5212,331 @@
           </a:p>
         </p:txBody>
       </p:sp>
-      <p:sp>
-        <p:nvSpPr>
-          <p:cNvPr id="10" name="제목 개체 틀 9"/>
-          <p:cNvSpPr>
-            <a:spLocks noGrp="1"/>
-          </p:cNvSpPr>
-          <p:nvPr>
-            <p:ph type="title"/>
-          </p:nvPr>
-        </p:nvSpPr>
-        <p:spPr>
-          <a:xfrm>
-            <a:off x="304800" y="457200"/>
-            <a:ext cx="8686800" cy="838200"/>
-          </a:xfrm>
-          <a:prstGeom prst="rect">
-            <a:avLst/>
-          </a:prstGeom>
-        </p:spPr>
-        <p:txBody>
-          <a:bodyPr vert="horz" anchor="ctr">
-            <a:normAutofit/>
-          </a:bodyPr>
-          <a:lstStyle/>
-          <a:p>
-            <a:r>
-              <a:rPr kumimoji="0" lang="ko-KR" altLang="en-US" smtClean="0"/>
-              <a:t>마스터 제목 스타일 편집</a:t>
-            </a:r>
-            <a:endParaRPr kumimoji="0" lang="en-US"/>
-          </a:p>
-        </p:txBody>
-      </p:sp>
-      <p:sp>
-        <p:nvSpPr>
-          <p:cNvPr id="9" name="직선 연결선 8"/>
-          <p:cNvSpPr>
-            <a:spLocks noChangeShapeType="1"/>
-          </p:cNvSpPr>
-          <p:nvPr/>
-        </p:nvSpPr>
-        <p:spPr bwMode="auto">
-          <a:xfrm>
-            <a:off x="514350" y="1050898"/>
-            <a:ext cx="8629650" cy="2381"/>
-          </a:xfrm>
-          <a:prstGeom prst="line">
-            <a:avLst/>
-          </a:prstGeom>
-          <a:noFill/>
-          <a:ln w="9525" cap="flat" cmpd="sng" algn="ctr">
-            <a:gradFill flip="none" rotWithShape="1">
-              <a:gsLst>
-                <a:gs pos="0">
-                  <a:schemeClr val="accent1">
-                    <a:alpha val="0"/>
-                  </a:schemeClr>
-                </a:gs>
-                <a:gs pos="17000">
-                  <a:schemeClr val="accent1"/>
-                </a:gs>
-                <a:gs pos="100000">
-                  <a:schemeClr val="accent1"/>
-                </a:gs>
-              </a:gsLst>
-              <a:lin ang="0" scaled="1"/>
-              <a:tileRect/>
-            </a:gradFill>
-            <a:prstDash val="solid"/>
-            <a:round/>
-            <a:headEnd type="none" w="med" len="med"/>
-            <a:tailEnd type="none" w="med" len="med"/>
-          </a:ln>
-          <a:effectLst/>
-        </p:spPr>
-        <p:txBody>
-          <a:bodyPr vert="horz" wrap="square" lIns="91440" tIns="45720" rIns="91440" bIns="45720" anchor="t" compatLnSpc="1"/>
-          <a:lstStyle/>
-          <a:p>
-            <a:endParaRPr kumimoji="0" lang="en-US"/>
-          </a:p>
-        </p:txBody>
-      </p:sp>
-      <p:sp>
-        <p:nvSpPr>
-          <p:cNvPr id="12" name="직선 연결선 11"/>
-          <p:cNvSpPr>
-            <a:spLocks noChangeShapeType="1"/>
-          </p:cNvSpPr>
-          <p:nvPr/>
-        </p:nvSpPr>
-        <p:spPr bwMode="auto">
-          <a:xfrm>
-            <a:off x="514350" y="1057986"/>
-            <a:ext cx="8629650" cy="2381"/>
-          </a:xfrm>
-          <a:prstGeom prst="line">
-            <a:avLst/>
-          </a:prstGeom>
-          <a:noFill/>
-          <a:ln w="9525" cap="flat" cmpd="sng" algn="ctr">
-            <a:gradFill flip="none" rotWithShape="1">
-              <a:gsLst>
-                <a:gs pos="0">
-                  <a:schemeClr val="accent1">
-                    <a:alpha val="0"/>
-                  </a:schemeClr>
-                </a:gs>
-                <a:gs pos="17000">
-                  <a:schemeClr val="accent1"/>
-                </a:gs>
-                <a:gs pos="100000">
-                  <a:schemeClr val="accent1"/>
-                </a:gs>
-              </a:gsLst>
-              <a:lin ang="0" scaled="1"/>
-              <a:tileRect/>
-            </a:gradFill>
-            <a:prstDash val="solid"/>
-            <a:round/>
-            <a:headEnd type="none" w="med" len="med"/>
-            <a:tailEnd type="none" w="med" len="med"/>
-          </a:ln>
-          <a:effectLst/>
-        </p:spPr>
-        <p:txBody>
-          <a:bodyPr vert="horz" wrap="square" lIns="91440" tIns="45720" rIns="91440" bIns="45720" anchor="t" compatLnSpc="1"/>
-          <a:lstStyle/>
-          <a:p>
-            <a:endParaRPr kumimoji="0" lang="en-US"/>
-          </a:p>
-        </p:txBody>
-      </p:sp>
     </p:spTree>
+    <p:extLst>
+      <p:ext uri="{BB962C8B-B14F-4D97-AF65-F5344CB8AC3E}">
+        <p14:creationId xmlns:p14="http://schemas.microsoft.com/office/powerpoint/2010/main" val="1960732587"/>
+      </p:ext>
+    </p:extLst>
   </p:cSld>
-  <p:clrMap bg1="lt1" tx1="dk1" bg2="lt2" tx2="dk2" accent1="accent1" accent2="accent2" accent3="accent3" accent4="accent4" accent5="accent5" accent6="accent6" hlink="hlink" folHlink="folHlink"/>
+  <p:clrMap bg1="dk1" tx1="lt1" bg2="dk2" tx2="lt2" accent1="accent1" accent2="accent2" accent3="accent3" accent4="accent4" accent5="accent5" accent6="accent6" hlink="hlink" folHlink="folHlink"/>
   <p:sldLayoutIdLst>
-    <p:sldLayoutId id="2147483661" r:id="rId1"/>
-    <p:sldLayoutId id="2147483662" r:id="rId2"/>
-    <p:sldLayoutId id="2147483663" r:id="rId3"/>
-    <p:sldLayoutId id="2147483664" r:id="rId4"/>
-    <p:sldLayoutId id="2147483665" r:id="rId5"/>
-    <p:sldLayoutId id="2147483666" r:id="rId6"/>
-    <p:sldLayoutId id="2147483667" r:id="rId7"/>
-    <p:sldLayoutId id="2147483668" r:id="rId8"/>
-    <p:sldLayoutId id="2147483669" r:id="rId9"/>
-    <p:sldLayoutId id="2147483670" r:id="rId10"/>
-    <p:sldLayoutId id="2147483671" r:id="rId11"/>
+    <p:sldLayoutId id="2147483673" r:id="rId1"/>
+    <p:sldLayoutId id="2147483674" r:id="rId2"/>
+    <p:sldLayoutId id="2147483675" r:id="rId3"/>
+    <p:sldLayoutId id="2147483676" r:id="rId4"/>
+    <p:sldLayoutId id="2147483677" r:id="rId5"/>
+    <p:sldLayoutId id="2147483678" r:id="rId6"/>
+    <p:sldLayoutId id="2147483679" r:id="rId7"/>
+    <p:sldLayoutId id="2147483680" r:id="rId8"/>
+    <p:sldLayoutId id="2147483681" r:id="rId9"/>
+    <p:sldLayoutId id="2147483682" r:id="rId10"/>
+    <p:sldLayoutId id="2147483683" r:id="rId11"/>
+    <p:sldLayoutId id="2147483684" r:id="rId12"/>
+    <p:sldLayoutId id="2147483685" r:id="rId13"/>
+    <p:sldLayoutId id="2147483686" r:id="rId14"/>
+    <p:sldLayoutId id="2147483687" r:id="rId15"/>
+    <p:sldLayoutId id="2147483688" r:id="rId16"/>
+    <p:sldLayoutId id="2147483689" r:id="rId17"/>
   </p:sldLayoutIdLst>
   <p:txStyles>
     <p:titleStyle>
-      <a:lvl1pPr algn="l" rtl="0" eaLnBrk="1" latinLnBrk="1" hangingPunct="1">
+      <a:lvl1pPr algn="l" defTabSz="457200" rtl="0" eaLnBrk="1" latinLnBrk="1" hangingPunct="1">
         <a:spcBef>
           <a:spcPct val="0"/>
         </a:spcBef>
         <a:buNone/>
-        <a:defRPr kumimoji="0" sz="3600" kern="1200" cap="all" baseline="0">
+        <a:defRPr sz="3200" kern="1200" cap="all">
+          <a:ln w="3175" cmpd="sng">
+            <a:noFill/>
+          </a:ln>
           <a:solidFill>
-            <a:schemeClr val="tx2"/>
+            <a:schemeClr val="tx1"/>
           </a:solidFill>
-          <a:effectLst>
-            <a:reflection blurRad="12700" stA="48000" endA="300" endPos="55000" dir="5400000" sy="-90000" algn="bl" rotWithShape="0"/>
-          </a:effectLst>
+          <a:effectLst/>
           <a:latin typeface="+mj-lt"/>
           <a:ea typeface="+mj-ea"/>
           <a:cs typeface="+mj-cs"/>
         </a:defRPr>
       </a:lvl1pPr>
+      <a:lvl2pPr eaLnBrk="1" latinLnBrk="1" hangingPunct="1">
+        <a:defRPr>
+          <a:solidFill>
+            <a:schemeClr val="tx2"/>
+          </a:solidFill>
+        </a:defRPr>
+      </a:lvl2pPr>
+      <a:lvl3pPr eaLnBrk="1" latinLnBrk="1" hangingPunct="1">
+        <a:defRPr>
+          <a:solidFill>
+            <a:schemeClr val="tx2"/>
+          </a:solidFill>
+        </a:defRPr>
+      </a:lvl3pPr>
+      <a:lvl4pPr eaLnBrk="1" latinLnBrk="1" hangingPunct="1">
+        <a:defRPr>
+          <a:solidFill>
+            <a:schemeClr val="tx2"/>
+          </a:solidFill>
+        </a:defRPr>
+      </a:lvl4pPr>
+      <a:lvl5pPr eaLnBrk="1" latinLnBrk="1" hangingPunct="1">
+        <a:defRPr>
+          <a:solidFill>
+            <a:schemeClr val="tx2"/>
+          </a:solidFill>
+        </a:defRPr>
+      </a:lvl5pPr>
+      <a:lvl6pPr eaLnBrk="1" latinLnBrk="1" hangingPunct="1">
+        <a:defRPr>
+          <a:solidFill>
+            <a:schemeClr val="tx2"/>
+          </a:solidFill>
+        </a:defRPr>
+      </a:lvl6pPr>
+      <a:lvl7pPr eaLnBrk="1" latinLnBrk="1" hangingPunct="1">
+        <a:defRPr>
+          <a:solidFill>
+            <a:schemeClr val="tx2"/>
+          </a:solidFill>
+        </a:defRPr>
+      </a:lvl7pPr>
+      <a:lvl8pPr eaLnBrk="1" latinLnBrk="1" hangingPunct="1">
+        <a:defRPr>
+          <a:solidFill>
+            <a:schemeClr val="tx2"/>
+          </a:solidFill>
+        </a:defRPr>
+      </a:lvl8pPr>
+      <a:lvl9pPr eaLnBrk="1" latinLnBrk="1" hangingPunct="1">
+        <a:defRPr>
+          <a:solidFill>
+            <a:schemeClr val="tx2"/>
+          </a:solidFill>
+        </a:defRPr>
+      </a:lvl9pPr>
     </p:titleStyle>
     <p:bodyStyle>
-      <a:lvl1pPr marL="342900" indent="-342900" algn="l" rtl="0" eaLnBrk="1" latinLnBrk="1" hangingPunct="1">
+      <a:lvl1pPr marL="285750" indent="-285750" algn="l" defTabSz="457200" rtl="0" eaLnBrk="1" latinLnBrk="1" hangingPunct="1">
         <a:spcBef>
           <a:spcPct val="20000"/>
         </a:spcBef>
+        <a:spcAft>
+          <a:spcPts val="600"/>
+        </a:spcAft>
         <a:buClr>
-          <a:schemeClr val="accent1"/>
+          <a:schemeClr val="tx1"/>
         </a:buClr>
-        <a:buSzPct val="70000"/>
-        <a:buFont typeface="Wingdings 2"/>
-        <a:buChar char=""/>
-        <a:defRPr kumimoji="0" sz="3200" kern="1200">
+        <a:buSzPct val="80000"/>
+        <a:buFont typeface="Wingdings 3" panose="05040102010807070707" pitchFamily="18" charset="2"/>
+        <a:buChar char=""/>
+        <a:defRPr sz="2000" kern="1200" cap="none">
           <a:solidFill>
-            <a:schemeClr val="tx2"/>
+            <a:schemeClr val="bg2">
+              <a:lumMod val="75000"/>
+            </a:schemeClr>
           </a:solidFill>
+          <a:effectLst/>
           <a:latin typeface="+mn-lt"/>
           <a:ea typeface="+mn-ea"/>
           <a:cs typeface="+mn-cs"/>
         </a:defRPr>
       </a:lvl1pPr>
-      <a:lvl2pPr marL="742950" indent="-285750" algn="l" rtl="0" eaLnBrk="1" latinLnBrk="1" hangingPunct="1">
+      <a:lvl2pPr marL="742950" indent="-285750" algn="l" defTabSz="457200" rtl="0" eaLnBrk="1" latinLnBrk="1" hangingPunct="1">
         <a:spcBef>
           <a:spcPct val="20000"/>
         </a:spcBef>
+        <a:spcAft>
+          <a:spcPts val="600"/>
+        </a:spcAft>
         <a:buClr>
-          <a:schemeClr val="accent1"/>
+          <a:schemeClr val="tx1"/>
         </a:buClr>
-        <a:buSzPct val="70000"/>
-        <a:buFont typeface="Wingdings 2"/>
-        <a:buChar char=""/>
-        <a:defRPr kumimoji="0" sz="2800" kern="1200">
+        <a:buSzPct val="80000"/>
+        <a:buFont typeface="Wingdings 3" panose="05040102010807070707" pitchFamily="18" charset="2"/>
+        <a:buChar char=""/>
+        <a:defRPr sz="1800" kern="1200" cap="none">
           <a:solidFill>
-            <a:schemeClr val="tx2"/>
+            <a:schemeClr val="bg2">
+              <a:lumMod val="75000"/>
+            </a:schemeClr>
           </a:solidFill>
+          <a:effectLst/>
           <a:latin typeface="+mn-lt"/>
           <a:ea typeface="+mn-ea"/>
           <a:cs typeface="+mn-cs"/>
         </a:defRPr>
       </a:lvl2pPr>
-      <a:lvl3pPr marL="1143000" indent="-228600" algn="l" rtl="0" eaLnBrk="1" latinLnBrk="1" hangingPunct="1">
+      <a:lvl3pPr marL="1200150" indent="-285750" algn="l" defTabSz="457200" rtl="0" eaLnBrk="1" latinLnBrk="1" hangingPunct="1">
         <a:spcBef>
           <a:spcPct val="20000"/>
         </a:spcBef>
+        <a:spcAft>
+          <a:spcPts val="600"/>
+        </a:spcAft>
         <a:buClr>
-          <a:schemeClr val="accent1"/>
+          <a:schemeClr val="tx1"/>
         </a:buClr>
-        <a:buSzPct val="70000"/>
-        <a:buFont typeface="Wingdings 2"/>
-        <a:buChar char=""/>
-        <a:defRPr kumimoji="0" sz="2400" kern="1200">
+        <a:buSzPct val="80000"/>
+        <a:buFont typeface="Wingdings 3" panose="05040102010807070707" pitchFamily="18" charset="2"/>
+        <a:buChar char=""/>
+        <a:defRPr sz="1600" kern="1200" cap="none">
           <a:solidFill>
-            <a:schemeClr val="tx2"/>
+            <a:schemeClr val="bg2">
+              <a:lumMod val="75000"/>
+            </a:schemeClr>
           </a:solidFill>
+          <a:effectLst/>
           <a:latin typeface="+mn-lt"/>
           <a:ea typeface="+mn-ea"/>
           <a:cs typeface="+mn-cs"/>
         </a:defRPr>
       </a:lvl3pPr>
-      <a:lvl4pPr marL="1600200" indent="-228600" algn="l" rtl="0" eaLnBrk="1" latinLnBrk="1" hangingPunct="1">
+      <a:lvl4pPr marL="1543050" indent="-171450" algn="l" defTabSz="457200" rtl="0" eaLnBrk="1" latinLnBrk="1" hangingPunct="1">
         <a:spcBef>
           <a:spcPct val="20000"/>
         </a:spcBef>
+        <a:spcAft>
+          <a:spcPts val="600"/>
+        </a:spcAft>
         <a:buClr>
-          <a:schemeClr val="accent1"/>
+          <a:schemeClr val="tx1"/>
         </a:buClr>
-        <a:buSzPct val="70000"/>
-        <a:buFont typeface="Wingdings 2"/>
-        <a:buChar char=""/>
-        <a:defRPr kumimoji="0" sz="2000" kern="1200">
+        <a:buSzPct val="80000"/>
+        <a:buFont typeface="Wingdings 3" panose="05040102010807070707" pitchFamily="18" charset="2"/>
+        <a:buChar char=""/>
+        <a:defRPr sz="1400" kern="1200" cap="none">
           <a:solidFill>
-            <a:schemeClr val="tx2"/>
+            <a:schemeClr val="bg2">
+              <a:lumMod val="75000"/>
+            </a:schemeClr>
           </a:solidFill>
+          <a:effectLst/>
           <a:latin typeface="+mn-lt"/>
           <a:ea typeface="+mn-ea"/>
           <a:cs typeface="+mn-cs"/>
         </a:defRPr>
       </a:lvl4pPr>
-      <a:lvl5pPr marL="2057400" indent="-228600" algn="l" rtl="0" eaLnBrk="1" latinLnBrk="1" hangingPunct="1">
+      <a:lvl5pPr marL="2000250" indent="-171450" algn="l" defTabSz="457200" rtl="0" eaLnBrk="1" latinLnBrk="1" hangingPunct="1">
         <a:spcBef>
           <a:spcPct val="20000"/>
         </a:spcBef>
+        <a:spcAft>
+          <a:spcPts val="600"/>
+        </a:spcAft>
         <a:buClr>
-          <a:schemeClr val="accent1"/>
+          <a:schemeClr val="tx1"/>
         </a:buClr>
-        <a:buSzPct val="60000"/>
-        <a:buFont typeface="Wingdings 2"/>
-        <a:buChar char=""/>
-        <a:defRPr kumimoji="0" sz="1800" kern="1200">
+        <a:buSzPct val="80000"/>
+        <a:buFont typeface="Wingdings 3" panose="05040102010807070707" pitchFamily="18" charset="2"/>
+        <a:buChar char=""/>
+        <a:defRPr sz="1400" kern="1200" cap="none">
           <a:solidFill>
-            <a:schemeClr val="tx2"/>
+            <a:schemeClr val="bg2">
+              <a:lumMod val="75000"/>
+            </a:schemeClr>
           </a:solidFill>
+          <a:effectLst/>
           <a:latin typeface="+mn-lt"/>
           <a:ea typeface="+mn-ea"/>
           <a:cs typeface="+mn-cs"/>
         </a:defRPr>
       </a:lvl5pPr>
-      <a:lvl6pPr marL="2514600" indent="-228600" algn="l" rtl="0" eaLnBrk="1" latinLnBrk="1" hangingPunct="1">
+      <a:lvl6pPr marL="2514600" indent="-228600" algn="l" defTabSz="457200" rtl="0" eaLnBrk="1" latinLnBrk="1" hangingPunct="1">
         <a:spcBef>
           <a:spcPct val="20000"/>
         </a:spcBef>
+        <a:spcAft>
+          <a:spcPts val="600"/>
+        </a:spcAft>
         <a:buClr>
-          <a:schemeClr val="accent1"/>
+          <a:schemeClr val="tx1"/>
         </a:buClr>
-        <a:buSzPct val="60000"/>
-        <a:buFont typeface="Wingdings 2"/>
-        <a:buChar char=""/>
-        <a:defRPr kumimoji="0" sz="1800" kern="1200">
+        <a:buSzPct val="80000"/>
+        <a:buFont typeface="Wingdings 3" panose="05040102010807070707" pitchFamily="18" charset="2"/>
+        <a:buChar char=""/>
+        <a:defRPr sz="1400" kern="1200" cap="none">
           <a:solidFill>
-            <a:schemeClr val="tx2"/>
+            <a:schemeClr val="bg2">
+              <a:lumMod val="75000"/>
+            </a:schemeClr>
           </a:solidFill>
+          <a:effectLst/>
           <a:latin typeface="+mn-lt"/>
           <a:ea typeface="+mn-ea"/>
           <a:cs typeface="+mn-cs"/>
         </a:defRPr>
       </a:lvl6pPr>
-      <a:lvl7pPr marL="2971800" indent="-228600" algn="l" rtl="0" eaLnBrk="1" latinLnBrk="1" hangingPunct="1">
+      <a:lvl7pPr marL="2971800" indent="-228600" algn="l" defTabSz="457200" rtl="0" eaLnBrk="1" latinLnBrk="1" hangingPunct="1">
         <a:spcBef>
           <a:spcPct val="20000"/>
         </a:spcBef>
+        <a:spcAft>
+          <a:spcPts val="600"/>
+        </a:spcAft>
         <a:buClr>
-          <a:schemeClr val="accent1"/>
+          <a:schemeClr val="tx1"/>
         </a:buClr>
-        <a:buSzPct val="60000"/>
-        <a:buFont typeface="Wingdings 2"/>
-        <a:buChar char=""/>
-        <a:defRPr kumimoji="0" sz="1600" kern="1200">
+        <a:buSzPct val="80000"/>
+        <a:buFont typeface="Wingdings 3" panose="05040102010807070707" pitchFamily="18" charset="2"/>
+        <a:buChar char=""/>
+        <a:defRPr sz="1400" kern="1200" cap="none">
           <a:solidFill>
-            <a:schemeClr val="tx2"/>
+            <a:schemeClr val="bg2">
+              <a:lumMod val="75000"/>
+            </a:schemeClr>
           </a:solidFill>
+          <a:effectLst/>
           <a:latin typeface="+mn-lt"/>
           <a:ea typeface="+mn-ea"/>
           <a:cs typeface="+mn-cs"/>
         </a:defRPr>
       </a:lvl7pPr>
-      <a:lvl8pPr marL="3429000" indent="-228600" algn="l" rtl="0" eaLnBrk="1" latinLnBrk="1" hangingPunct="1">
+      <a:lvl8pPr marL="3429000" indent="-228600" algn="l" defTabSz="457200" rtl="0" eaLnBrk="1" latinLnBrk="1" hangingPunct="1">
         <a:spcBef>
           <a:spcPct val="20000"/>
         </a:spcBef>
+        <a:spcAft>
+          <a:spcPts val="600"/>
+        </a:spcAft>
         <a:buClr>
-          <a:schemeClr val="accent1"/>
+          <a:schemeClr val="tx1"/>
         </a:buClr>
-        <a:buSzPct val="60000"/>
-        <a:buFont typeface="Wingdings 2"/>
-        <a:buChar char=""/>
-        <a:defRPr kumimoji="0" sz="1600" kern="1200" baseline="0">
+        <a:buSzPct val="80000"/>
+        <a:buFont typeface="Wingdings 3" panose="05040102010807070707" pitchFamily="18" charset="2"/>
+        <a:buChar char=""/>
+        <a:defRPr sz="1400" kern="1200" cap="none">
           <a:solidFill>
-            <a:schemeClr val="tx2"/>
+            <a:schemeClr val="bg2">
+              <a:lumMod val="75000"/>
+            </a:schemeClr>
           </a:solidFill>
+          <a:effectLst/>
           <a:latin typeface="+mn-lt"/>
           <a:ea typeface="+mn-ea"/>
           <a:cs typeface="+mn-cs"/>
         </a:defRPr>
       </a:lvl8pPr>
-      <a:lvl9pPr marL="3886200" indent="-228600" algn="l" rtl="0" eaLnBrk="1" latinLnBrk="1" hangingPunct="1">
+      <a:lvl9pPr marL="3886200" indent="-228600" algn="l" defTabSz="457200" rtl="0" eaLnBrk="1" latinLnBrk="1" hangingPunct="1">
         <a:spcBef>
           <a:spcPct val="20000"/>
         </a:spcBef>
+        <a:spcAft>
+          <a:spcPts val="600"/>
+        </a:spcAft>
         <a:buClr>
-          <a:schemeClr val="accent1"/>
+          <a:schemeClr val="tx1"/>
         </a:buClr>
-        <a:buSzPct val="60000"/>
-        <a:buFont typeface="Wingdings 2"/>
-        <a:buChar char=""/>
-        <a:defRPr kumimoji="0" sz="1400" kern="1200" baseline="0">
+        <a:buSzPct val="80000"/>
+        <a:buFont typeface="Wingdings 3" panose="05040102010807070707" pitchFamily="18" charset="2"/>
+        <a:buChar char=""/>
+        <a:defRPr sz="1400" kern="1200" cap="none">
           <a:solidFill>
-            <a:schemeClr val="tx2"/>
+            <a:schemeClr val="bg2">
+              <a:lumMod val="75000"/>
+            </a:schemeClr>
           </a:solidFill>
+          <a:effectLst/>
           <a:latin typeface="+mn-lt"/>
           <a:ea typeface="+mn-ea"/>
           <a:cs typeface="+mn-cs"/>
@@ -3182,8 +5544,11 @@
       </a:lvl9pPr>
     </p:bodyStyle>
     <p:otherStyle>
-      <a:lvl1pPr marL="0" algn="l" rtl="0" eaLnBrk="1" latinLnBrk="1" hangingPunct="1">
-        <a:defRPr kumimoji="0" kern="1200">
+      <a:defPPr>
+        <a:defRPr lang="en-US"/>
+      </a:defPPr>
+      <a:lvl1pPr marL="0" algn="l" defTabSz="457200" rtl="0" eaLnBrk="1" latinLnBrk="1" hangingPunct="1">
+        <a:defRPr sz="1800" kern="1200">
           <a:solidFill>
             <a:schemeClr val="tx1"/>
           </a:solidFill>
@@ -3192,8 +5557,8 @@
           <a:cs typeface="+mn-cs"/>
         </a:defRPr>
       </a:lvl1pPr>
-      <a:lvl2pPr marL="457200" algn="l" rtl="0" eaLnBrk="1" latinLnBrk="1" hangingPunct="1">
-        <a:defRPr kumimoji="0" kern="1200">
+      <a:lvl2pPr marL="457200" algn="l" defTabSz="457200" rtl="0" eaLnBrk="1" latinLnBrk="1" hangingPunct="1">
+        <a:defRPr sz="1800" kern="1200">
           <a:solidFill>
             <a:schemeClr val="tx1"/>
           </a:solidFill>
@@ -3202,8 +5567,8 @@
           <a:cs typeface="+mn-cs"/>
         </a:defRPr>
       </a:lvl2pPr>
-      <a:lvl3pPr marL="914400" algn="l" rtl="0" eaLnBrk="1" latinLnBrk="1" hangingPunct="1">
-        <a:defRPr kumimoji="0" kern="1200">
+      <a:lvl3pPr marL="914400" algn="l" defTabSz="457200" rtl="0" eaLnBrk="1" latinLnBrk="1" hangingPunct="1">
+        <a:defRPr sz="1800" kern="1200">
           <a:solidFill>
             <a:schemeClr val="tx1"/>
           </a:solidFill>
@@ -3212,8 +5577,8 @@
           <a:cs typeface="+mn-cs"/>
         </a:defRPr>
       </a:lvl3pPr>
-      <a:lvl4pPr marL="1371600" algn="l" rtl="0" eaLnBrk="1" latinLnBrk="1" hangingPunct="1">
-        <a:defRPr kumimoji="0" kern="1200">
+      <a:lvl4pPr marL="1371600" algn="l" defTabSz="457200" rtl="0" eaLnBrk="1" latinLnBrk="1" hangingPunct="1">
+        <a:defRPr sz="1800" kern="1200">
           <a:solidFill>
             <a:schemeClr val="tx1"/>
           </a:solidFill>
@@ -3222,8 +5587,8 @@
           <a:cs typeface="+mn-cs"/>
         </a:defRPr>
       </a:lvl4pPr>
-      <a:lvl5pPr marL="1828800" algn="l" rtl="0" eaLnBrk="1" latinLnBrk="1" hangingPunct="1">
-        <a:defRPr kumimoji="0" kern="1200">
+      <a:lvl5pPr marL="1828800" algn="l" defTabSz="457200" rtl="0" eaLnBrk="1" latinLnBrk="1" hangingPunct="1">
+        <a:defRPr sz="1800" kern="1200">
           <a:solidFill>
             <a:schemeClr val="tx1"/>
           </a:solidFill>
@@ -3232,8 +5597,8 @@
           <a:cs typeface="+mn-cs"/>
         </a:defRPr>
       </a:lvl5pPr>
-      <a:lvl6pPr marL="2286000" algn="l" rtl="0" eaLnBrk="1" latinLnBrk="1" hangingPunct="1">
-        <a:defRPr kumimoji="0" kern="1200">
+      <a:lvl6pPr marL="2286000" algn="l" defTabSz="457200" rtl="0" eaLnBrk="1" latinLnBrk="1" hangingPunct="1">
+        <a:defRPr sz="1800" kern="1200">
           <a:solidFill>
             <a:schemeClr val="tx1"/>
           </a:solidFill>
@@ -3242,8 +5607,8 @@
           <a:cs typeface="+mn-cs"/>
         </a:defRPr>
       </a:lvl6pPr>
-      <a:lvl7pPr marL="2743200" algn="l" rtl="0" eaLnBrk="1" latinLnBrk="1" hangingPunct="1">
-        <a:defRPr kumimoji="0" kern="1200">
+      <a:lvl7pPr marL="2743200" algn="l" defTabSz="457200" rtl="0" eaLnBrk="1" latinLnBrk="1" hangingPunct="1">
+        <a:defRPr sz="1800" kern="1200">
           <a:solidFill>
             <a:schemeClr val="tx1"/>
           </a:solidFill>
@@ -3252,8 +5617,8 @@
           <a:cs typeface="+mn-cs"/>
         </a:defRPr>
       </a:lvl7pPr>
-      <a:lvl8pPr marL="3200400" algn="l" rtl="0" eaLnBrk="1" latinLnBrk="1" hangingPunct="1">
-        <a:defRPr kumimoji="0" kern="1200">
+      <a:lvl8pPr marL="3200400" algn="l" defTabSz="457200" rtl="0" eaLnBrk="1" latinLnBrk="1" hangingPunct="1">
+        <a:defRPr sz="1800" kern="1200">
           <a:solidFill>
             <a:schemeClr val="tx1"/>
           </a:solidFill>
@@ -3262,8 +5627,8 @@
           <a:cs typeface="+mn-cs"/>
         </a:defRPr>
       </a:lvl8pPr>
-      <a:lvl9pPr marL="3657600" algn="l" rtl="0" eaLnBrk="1" latinLnBrk="1" hangingPunct="1">
-        <a:defRPr kumimoji="0" kern="1200">
+      <a:lvl9pPr marL="3657600" algn="l" defTabSz="457200" rtl="0" eaLnBrk="1" latinLnBrk="1" hangingPunct="1">
+        <a:defRPr sz="1800" kern="1200">
           <a:solidFill>
             <a:schemeClr val="tx1"/>
           </a:solidFill>
@@ -3348,6 +5713,29 @@
               <a:rPr lang="ko-KR" altLang="en-US" dirty="0" err="1" smtClean="0"/>
               <a:t>플래폼</a:t>
             </a:r>
+            <a:r>
+              <a:rPr lang="ko-KR" altLang="en-US" dirty="0" smtClean="0"/>
+              <a:t> </a:t>
+            </a:r>
+            <a:r>
+              <a:rPr lang="en-US" altLang="ko-KR" dirty="0" smtClean="0"/>
+              <a:t/>
+            </a:r>
+            <a:br>
+              <a:rPr lang="en-US" altLang="ko-KR" dirty="0" smtClean="0"/>
+            </a:br>
+            <a:r>
+              <a:rPr lang="en-US" altLang="ko-KR" dirty="0" smtClean="0"/>
+              <a:t>– R.</a:t>
+            </a:r>
+            <a:r>
+              <a:rPr lang="ko-KR" altLang="en-US" dirty="0" err="1" smtClean="0"/>
+              <a:t>플래폼</a:t>
+            </a:r>
+            <a:r>
+              <a:rPr lang="ko-KR" altLang="en-US" dirty="0" smtClean="0"/>
+              <a:t> 박상만</a:t>
+            </a:r>
             <a:endParaRPr lang="ko-KR" altLang="en-US" dirty="0"/>
           </a:p>
         </p:txBody>
@@ -3393,12 +5781,16 @@
           <a:lstStyle/>
           <a:p>
             <a:r>
+              <a:rPr lang="ko-KR" altLang="en-US" dirty="0" smtClean="0"/>
+              <a:t>이기종 서비스 </a:t>
+            </a:r>
+            <a:r>
               <a:rPr lang="ko-KR" altLang="en-US" dirty="0" err="1" smtClean="0"/>
-              <a:t>이기종</a:t>
+              <a:t>플래폼</a:t>
             </a:r>
             <a:r>
               <a:rPr lang="ko-KR" altLang="en-US" dirty="0" smtClean="0"/>
-              <a:t> 통신</a:t>
+              <a:t> 활용방안</a:t>
             </a:r>
             <a:endParaRPr lang="ko-KR" altLang="en-US" dirty="0"/>
           </a:p>
@@ -3414,7 +5806,12 @@
             <p:ph idx="1"/>
           </p:nvPr>
         </p:nvSpPr>
-        <p:spPr/>
+        <p:spPr>
+          <a:xfrm>
+            <a:off x="533400" y="533400"/>
+            <a:ext cx="6554867" cy="2491174"/>
+          </a:xfrm>
+        </p:spPr>
         <p:txBody>
           <a:bodyPr/>
           <a:lstStyle/>
@@ -3433,17 +5830,16 @@
             </a:r>
             <a:r>
               <a:rPr lang="en-US" altLang="ko-KR" dirty="0" smtClean="0"/>
-              <a:t>.(</a:t>
+              <a:t>. ( ex&gt;</a:t>
             </a:r>
             <a:r>
               <a:rPr lang="ko-KR" altLang="en-US" dirty="0" smtClean="0"/>
-              <a:t>형태소분석</a:t>
-            </a:r>
-            <a:r>
-              <a:rPr lang="en-US" altLang="ko-KR" smtClean="0"/>
-              <a:t>,AI)</a:t>
-            </a:r>
-            <a:endParaRPr lang="en-US" altLang="ko-KR" dirty="0" smtClean="0"/>
+              <a:t>형태소 분석기</a:t>
+            </a:r>
+            <a:r>
+              <a:rPr lang="en-US" altLang="ko-KR" dirty="0" smtClean="0"/>
+              <a:t>)</a:t>
+            </a:r>
           </a:p>
           <a:p>
             <a:r>
@@ -3456,28 +5852,143 @@
             </a:r>
             <a:r>
               <a:rPr lang="ko-KR" altLang="en-US" dirty="0" smtClean="0"/>
-              <a:t> 변경</a:t>
+              <a:t> 통합의 문제</a:t>
+            </a:r>
+            <a:endParaRPr lang="en-US" altLang="ko-KR" dirty="0" smtClean="0"/>
+          </a:p>
+          <a:p>
+            <a:r>
+              <a:rPr lang="ko-KR" altLang="en-US" dirty="0" smtClean="0"/>
+              <a:t>고급 라이브러리 변환의 문제</a:t>
+            </a:r>
+            <a:endParaRPr lang="en-US" altLang="ko-KR" dirty="0" smtClean="0"/>
+          </a:p>
+          <a:p>
+            <a:r>
+              <a:rPr lang="ko-KR" altLang="en-US" dirty="0" smtClean="0"/>
+              <a:t>마이크로 서비스화를 해서</a:t>
             </a:r>
             <a:r>
               <a:rPr lang="en-US" altLang="ko-KR" dirty="0" smtClean="0"/>
-              <a:t>?</a:t>
-            </a:r>
-          </a:p>
-          <a:p>
+              <a:t>,</a:t>
+            </a:r>
+            <a:r>
+              <a:rPr lang="en-US" altLang="ko-KR" dirty="0" err="1" smtClean="0"/>
+              <a:t>.Net</a:t>
+            </a:r>
             <a:r>
               <a:rPr lang="ko-KR" altLang="en-US" dirty="0" smtClean="0"/>
-              <a:t>고급 라이브러리 컨버트</a:t>
+              <a:t>에 </a:t>
+            </a:r>
+            <a:r>
+              <a:rPr lang="ko-KR" altLang="en-US" dirty="0" err="1" smtClean="0"/>
+              <a:t>사용가능한</a:t>
+            </a:r>
+            <a:r>
+              <a:rPr lang="ko-KR" altLang="en-US" dirty="0" smtClean="0"/>
+              <a:t> </a:t>
             </a:r>
             <a:r>
               <a:rPr lang="en-US" altLang="ko-KR" dirty="0" smtClean="0"/>
-              <a:t>?</a:t>
-            </a:r>
-          </a:p>
-          <a:p>
+              <a:t>JAVA</a:t>
+            </a:r>
             <a:r>
               <a:rPr lang="ko-KR" altLang="en-US" dirty="0" smtClean="0"/>
-              <a:t>마이크로 서비스화</a:t>
-            </a:r>
+              <a:t>의 형태소 </a:t>
+            </a:r>
+            <a:r>
+              <a:rPr lang="ko-KR" altLang="en-US" smtClean="0"/>
+              <a:t>분석 </a:t>
+            </a:r>
+            <a:r>
+              <a:rPr lang="ko-KR" altLang="en-US" smtClean="0"/>
+              <a:t>서비스 사용</a:t>
+            </a:r>
+            <a:endParaRPr lang="en-US" altLang="ko-KR" dirty="0" smtClean="0"/>
+          </a:p>
+          <a:p>
+            <a:endParaRPr lang="ko-KR" altLang="en-US" dirty="0"/>
+          </a:p>
+        </p:txBody>
+      </p:sp>
+      <p:sp>
+        <p:nvSpPr>
+          <p:cNvPr id="4" name="TextBox 3"/>
+          <p:cNvSpPr txBox="1"/>
+          <p:nvPr/>
+        </p:nvSpPr>
+        <p:spPr>
+          <a:xfrm>
+            <a:off x="1763688" y="3212976"/>
+            <a:ext cx="4217821" cy="1754326"/>
+          </a:xfrm>
+          <a:prstGeom prst="rect">
+            <a:avLst/>
+          </a:prstGeom>
+          <a:noFill/>
+        </p:spPr>
+        <p:txBody>
+          <a:bodyPr wrap="none" rtlCol="0">
+            <a:spAutoFit/>
+          </a:bodyPr>
+          <a:lstStyle/>
+          <a:p>
+            <a:r>
+              <a:rPr lang="en-US" altLang="ko-KR" dirty="0" smtClean="0">
+                <a:hlinkClick r:id="rId2"/>
+              </a:rPr>
+              <a:t>Test </a:t>
+            </a:r>
+            <a:r>
+              <a:rPr lang="ko-KR" altLang="en-US" dirty="0" smtClean="0">
+                <a:hlinkClick r:id="rId2"/>
+              </a:rPr>
+              <a:t>시연</a:t>
+            </a:r>
+            <a:endParaRPr lang="en-US" altLang="ko-KR" dirty="0" smtClean="0">
+              <a:hlinkClick r:id="rId2"/>
+            </a:endParaRPr>
+          </a:p>
+          <a:p>
+            <a:r>
+              <a:rPr lang="en-US" altLang="ko-KR" dirty="0" smtClean="0">
+                <a:hlinkClick r:id="rId2"/>
+              </a:rPr>
+              <a:t>http</a:t>
+            </a:r>
+            <a:r>
+              <a:rPr lang="en-US" altLang="ko-KR" dirty="0">
+                <a:hlinkClick r:id="rId2"/>
+              </a:rPr>
+              <a:t>://</a:t>
+            </a:r>
+            <a:r>
+              <a:rPr lang="en-US" altLang="ko-KR" dirty="0" smtClean="0">
+                <a:hlinkClick r:id="rId2"/>
+              </a:rPr>
+              <a:t>psmon.iptime.org:9000/wstest</a:t>
+            </a:r>
+            <a:endParaRPr lang="en-US" altLang="ko-KR" dirty="0" smtClean="0"/>
+          </a:p>
+          <a:p>
+            <a:r>
+              <a:rPr lang="en-US" altLang="ko-KR" dirty="0">
+                <a:hlinkClick r:id="rId3"/>
+              </a:rPr>
+              <a:t>http://10.20.3.91:5000</a:t>
+            </a:r>
+            <a:r>
+              <a:rPr lang="en-US" altLang="ko-KR" dirty="0" smtClean="0">
+                <a:hlinkClick r:id="rId3"/>
+              </a:rPr>
+              <a:t>/</a:t>
+            </a:r>
+            <a:endParaRPr lang="en-US" altLang="ko-KR" dirty="0" smtClean="0"/>
+          </a:p>
+          <a:p>
+            <a:endParaRPr lang="en-US" altLang="ko-KR" dirty="0"/>
+          </a:p>
+          <a:p>
             <a:endParaRPr lang="en-US" altLang="ko-KR" dirty="0" smtClean="0"/>
           </a:p>
           <a:p>
@@ -3529,7 +6040,15 @@
           <a:p>
             <a:r>
               <a:rPr lang="en-US" altLang="ko-KR" dirty="0" smtClean="0"/>
-              <a:t>LINK</a:t>
+              <a:t>LINK – </a:t>
+            </a:r>
+            <a:r>
+              <a:rPr lang="ko-KR" altLang="en-US" dirty="0" smtClean="0"/>
+              <a:t>감사합니다</a:t>
+            </a:r>
+            <a:r>
+              <a:rPr lang="en-US" altLang="ko-KR" dirty="0" smtClean="0"/>
+              <a:t>.</a:t>
             </a:r>
             <a:endParaRPr lang="ko-KR" altLang="en-US" dirty="0"/>
           </a:p>
@@ -3554,13 +6073,7 @@
               <a:rPr lang="en-US" altLang="ko-KR" dirty="0" smtClean="0">
                 <a:hlinkClick r:id="rId2"/>
               </a:rPr>
-              <a:t>http://getakka.net</a:t>
-            </a:r>
-            <a:r>
-              <a:rPr lang="en-US" altLang="ko-KR" dirty="0" smtClean="0">
-                <a:hlinkClick r:id="rId2"/>
-              </a:rPr>
-              <a:t>/</a:t>
+              <a:t>http://getakka.net/</a:t>
             </a:r>
             <a:r>
               <a:rPr lang="en-US" altLang="ko-KR" dirty="0" smtClean="0"/>
@@ -3580,13 +6093,7 @@
               <a:rPr lang="en-US" altLang="ko-KR" dirty="0" smtClean="0">
                 <a:hlinkClick r:id="rId3"/>
               </a:rPr>
-              <a:t>http://akka.io</a:t>
-            </a:r>
-            <a:r>
-              <a:rPr lang="en-US" altLang="ko-KR" dirty="0" smtClean="0">
-                <a:hlinkClick r:id="rId3"/>
-              </a:rPr>
-              <a:t>/</a:t>
+              <a:t>http://akka.io/</a:t>
             </a:r>
             <a:r>
               <a:rPr lang="en-US" altLang="ko-KR" dirty="0" smtClean="0"/>
@@ -3598,13 +6105,7 @@
               <a:rPr lang="en-US" altLang="ko-KR" dirty="0" smtClean="0">
                 <a:hlinkClick r:id="rId4"/>
               </a:rPr>
-              <a:t>https://</a:t>
-            </a:r>
-            <a:r>
-              <a:rPr lang="en-US" altLang="ko-KR" dirty="0" smtClean="0">
-                <a:hlinkClick r:id="rId4"/>
-              </a:rPr>
-              <a:t>github.com/petabridge/akkadotnet-code-samples/tree/master/Cluster.WebCrawler</a:t>
+              <a:t>https://github.com/petabridge/akkadotnet-code-samples/tree/master/Cluster.WebCrawler</a:t>
             </a:r>
             <a:endParaRPr lang="en-US" altLang="ko-KR" dirty="0" smtClean="0"/>
           </a:p>
@@ -3613,15 +6114,39 @@
               <a:rPr lang="en-US" altLang="ko-KR" dirty="0" smtClean="0">
                 <a:hlinkClick r:id="rId5"/>
               </a:rPr>
+              <a:t>https://github.com/psmon/TopicEventBus</a:t>
+            </a:r>
+            <a:endParaRPr lang="en-US" altLang="ko-KR" dirty="0" smtClean="0"/>
+          </a:p>
+          <a:p>
+            <a:r>
+              <a:rPr lang="en-US" altLang="ko-KR" dirty="0">
+                <a:hlinkClick r:id="rId6"/>
+              </a:rPr>
               <a:t>https://</a:t>
             </a:r>
             <a:r>
               <a:rPr lang="en-US" altLang="ko-KR" dirty="0" smtClean="0">
-                <a:hlinkClick r:id="rId5"/>
+                <a:hlinkClick r:id="rId6"/>
               </a:rPr>
-              <a:t>github.com/psmon/TopicEventBus</a:t>
-            </a:r>
-            <a:endParaRPr lang="en-US" altLang="ko-KR" dirty="0" smtClean="0"/>
+              <a:t>github.com/psmon/psmonSearch/tree/master/playWordParser</a:t>
+            </a:r>
+            <a:r>
+              <a:rPr lang="en-US" altLang="ko-KR" dirty="0" smtClean="0"/>
+              <a:t>  (</a:t>
+            </a:r>
+            <a:r>
+              <a:rPr lang="ko-KR" altLang="en-US" dirty="0" smtClean="0"/>
+              <a:t>형태소 분석기 </a:t>
+            </a:r>
+            <a:r>
+              <a:rPr lang="ko-KR" altLang="en-US" dirty="0" err="1" smtClean="0"/>
+              <a:t>웹서비스</a:t>
+            </a:r>
+            <a:r>
+              <a:rPr lang="en-US" altLang="ko-KR" dirty="0" smtClean="0"/>
+              <a:t>)</a:t>
+            </a:r>
           </a:p>
           <a:p>
             <a:endParaRPr lang="ko-KR" altLang="en-US" dirty="0"/>
@@ -3730,7 +6255,11 @@
             </a:r>
             <a:r>
               <a:rPr lang="ko-KR" altLang="en-US" dirty="0" smtClean="0"/>
-              <a:t> 통신방법</a:t>
+              <a:t> </a:t>
+            </a:r>
+            <a:r>
+              <a:rPr lang="ko-KR" altLang="en-US" dirty="0" err="1" smtClean="0"/>
+              <a:t>통신방법</a:t>
             </a:r>
             <a:endParaRPr lang="en-US" altLang="ko-KR" dirty="0" smtClean="0"/>
           </a:p>
@@ -3741,15 +6270,7 @@
             </a:pPr>
             <a:r>
               <a:rPr lang="en-US" altLang="ko-KR" dirty="0" err="1" smtClean="0"/>
-              <a:t>Akka</a:t>
-            </a:r>
-            <a:r>
-              <a:rPr lang="en-US" altLang="ko-KR" dirty="0" smtClean="0"/>
-              <a:t> </a:t>
-            </a:r>
-            <a:r>
-              <a:rPr lang="ko-KR" altLang="en-US" dirty="0" smtClean="0"/>
-              <a:t>소개</a:t>
+              <a:t>ActSystem</a:t>
             </a:r>
             <a:endParaRPr lang="en-US" altLang="ko-KR" dirty="0" smtClean="0"/>
           </a:p>
@@ -3760,19 +6281,8 @@
             </a:pPr>
             <a:r>
               <a:rPr lang="en-US" altLang="ko-KR" dirty="0" smtClean="0"/>
-              <a:t>Actor</a:t>
-            </a:r>
-          </a:p>
-          <a:p>
-            <a:pPr>
-              <a:buFont typeface="Arial" pitchFamily="34" charset="0"/>
-              <a:buChar char="•"/>
-            </a:pPr>
-            <a:r>
-              <a:rPr lang="en-US" altLang="ko-KR" dirty="0" err="1" smtClean="0"/>
-              <a:t>ActSystem</a:t>
-            </a:r>
-            <a:endParaRPr lang="en-US" altLang="ko-KR" dirty="0" smtClean="0"/>
+              <a:t>Actor VS Class(OOP)</a:t>
+            </a:r>
           </a:p>
           <a:p>
             <a:pPr>
@@ -3856,6 +6366,44 @@
       </p:grpSpPr>
       <p:sp>
         <p:nvSpPr>
+          <p:cNvPr id="7" name="직사각형 6"/>
+          <p:cNvSpPr/>
+          <p:nvPr/>
+        </p:nvSpPr>
+        <p:spPr>
+          <a:xfrm>
+            <a:off x="533400" y="332656"/>
+            <a:ext cx="8071048" cy="3888432"/>
+          </a:xfrm>
+          <a:prstGeom prst="rect">
+            <a:avLst/>
+          </a:prstGeom>
+        </p:spPr>
+        <p:style>
+          <a:lnRef idx="2">
+            <a:schemeClr val="dk1"/>
+          </a:lnRef>
+          <a:fillRef idx="1">
+            <a:schemeClr val="lt1"/>
+          </a:fillRef>
+          <a:effectRef idx="0">
+            <a:schemeClr val="dk1"/>
+          </a:effectRef>
+          <a:fontRef idx="minor">
+            <a:schemeClr val="dk1"/>
+          </a:fontRef>
+        </p:style>
+        <p:txBody>
+          <a:bodyPr rtlCol="0" anchor="ctr"/>
+          <a:lstStyle/>
+          <a:p>
+            <a:pPr algn="ctr"/>
+            <a:endParaRPr lang="ko-KR" altLang="en-US"/>
+          </a:p>
+        </p:txBody>
+      </p:sp>
+      <p:sp>
+        <p:nvSpPr>
           <p:cNvPr id="2" name="제목 1"/>
           <p:cNvSpPr>
             <a:spLocks noGrp="1"/>
@@ -3895,25 +6443,62 @@
       </p:sp>
       <p:pic>
         <p:nvPicPr>
-          <p:cNvPr id="4" name="내용 개체 틀 3" descr="microservice1.png"/>
+          <p:cNvPr id="5" name="그림 4"/>
           <p:cNvPicPr>
-            <a:picLocks noGrp="1" noChangeAspect="1"/>
+            <a:picLocks noChangeAspect="1"/>
           </p:cNvPicPr>
-          <p:nvPr>
-            <p:ph idx="1"/>
-          </p:nvPr>
+          <p:nvPr/>
         </p:nvPicPr>
         <p:blipFill>
-          <a:blip r:embed="rId2"/>
+          <a:blip r:embed="rId2">
+            <a:extLst>
+              <a:ext uri="{28A0092B-C50C-407E-A947-70E740481C1C}">
+                <a14:useLocalDpi xmlns:a14="http://schemas.microsoft.com/office/drawing/2010/main" val="0"/>
+              </a:ext>
+            </a:extLst>
+          </a:blip>
           <a:stretch>
             <a:fillRect/>
           </a:stretch>
         </p:blipFill>
         <p:spPr>
           <a:xfrm>
-            <a:off x="625123" y="1554163"/>
-            <a:ext cx="8046154" cy="4525962"/>
+            <a:off x="1259632" y="692696"/>
+            <a:ext cx="2102946" cy="2974602"/>
           </a:xfrm>
+          <a:prstGeom prst="rect">
+            <a:avLst/>
+          </a:prstGeom>
+        </p:spPr>
+      </p:pic>
+      <p:pic>
+        <p:nvPicPr>
+          <p:cNvPr id="6" name="그림 5"/>
+          <p:cNvPicPr>
+            <a:picLocks noChangeAspect="1"/>
+          </p:cNvPicPr>
+          <p:nvPr/>
+        </p:nvPicPr>
+        <p:blipFill>
+          <a:blip r:embed="rId3">
+            <a:extLst>
+              <a:ext uri="{28A0092B-C50C-407E-A947-70E740481C1C}">
+                <a14:useLocalDpi xmlns:a14="http://schemas.microsoft.com/office/drawing/2010/main" val="0"/>
+              </a:ext>
+            </a:extLst>
+          </a:blip>
+          <a:stretch>
+            <a:fillRect/>
+          </a:stretch>
+        </p:blipFill>
+        <p:spPr>
+          <a:xfrm>
+            <a:off x="4211960" y="863370"/>
+            <a:ext cx="3736539" cy="2633254"/>
+          </a:xfrm>
+          <a:prstGeom prst="rect">
+            <a:avLst/>
+          </a:prstGeom>
         </p:spPr>
       </p:pic>
     </p:spTree>
@@ -4013,7 +6598,39 @@
             </a:r>
             <a:r>
               <a:rPr lang="en-US" altLang="ko-KR" dirty="0" smtClean="0"/>
-              <a:t>(P,B,D)</a:t>
+              <a:t>(</a:t>
+            </a:r>
+            <a:r>
+              <a:rPr lang="ko-KR" altLang="en-US" dirty="0" err="1" smtClean="0"/>
+              <a:t>프리젠</a:t>
+            </a:r>
+            <a:r>
+              <a:rPr lang="ko-KR" altLang="en-US" dirty="0" smtClean="0"/>
+              <a:t> </a:t>
+            </a:r>
+            <a:r>
+              <a:rPr lang="ko-KR" altLang="en-US" dirty="0" err="1" smtClean="0"/>
+              <a:t>테이션</a:t>
+            </a:r>
+            <a:r>
+              <a:rPr lang="en-US" altLang="ko-KR" dirty="0" smtClean="0"/>
+              <a:t>,</a:t>
+            </a:r>
+            <a:r>
+              <a:rPr lang="ko-KR" altLang="en-US" dirty="0" smtClean="0"/>
+              <a:t>비즈니스</a:t>
+            </a:r>
+            <a:r>
+              <a:rPr lang="en-US" altLang="ko-KR" dirty="0" smtClean="0"/>
+              <a:t>,</a:t>
+            </a:r>
+            <a:r>
+              <a:rPr lang="ko-KR" altLang="en-US" dirty="0" smtClean="0"/>
+              <a:t>데이터</a:t>
+            </a:r>
+            <a:r>
+              <a:rPr lang="en-US" altLang="ko-KR" dirty="0" smtClean="0"/>
+              <a:t>)</a:t>
             </a:r>
           </a:p>
           <a:p>
@@ -4033,8 +6650,12 @@
               <a:buChar char="•"/>
             </a:pPr>
             <a:r>
+              <a:rPr lang="ko-KR" altLang="en-US" dirty="0" smtClean="0"/>
+              <a:t>모듈 </a:t>
+            </a:r>
+            <a:r>
               <a:rPr lang="ko-KR" altLang="en-US" dirty="0" err="1" smtClean="0"/>
-              <a:t>모듈변경시</a:t>
+              <a:t>변경시</a:t>
             </a:r>
             <a:r>
               <a:rPr lang="en-US" altLang="ko-KR" dirty="0" smtClean="0"/>
@@ -4147,7 +6768,9 @@
         </p:nvSpPr>
         <p:spPr/>
         <p:txBody>
-          <a:bodyPr/>
+          <a:bodyPr>
+            <a:normAutofit/>
+          </a:bodyPr>
           <a:lstStyle/>
           <a:p>
             <a:pPr>
@@ -4158,7 +6781,7 @@
               <a:rPr lang="ko-KR" altLang="en-US" dirty="0" smtClean="0"/>
               <a:t>작은 서비스의 집합으로 애플리케이션을 개발하는 방법</a:t>
             </a:r>
-            <a:endParaRPr lang="en-US" altLang="ko-KR" dirty="0" smtClean="0"/>
+            <a:endParaRPr lang="en-US" altLang="ko-KR" b="1" dirty="0" smtClean="0"/>
           </a:p>
           <a:p>
             <a:pPr>
@@ -4166,19 +6789,19 @@
               <a:buChar char="•"/>
             </a:pPr>
             <a:r>
-              <a:rPr lang="ko-KR" altLang="en-US" dirty="0" smtClean="0"/>
-              <a:t>서비스들이 각각 프로세스이고 가벼운 통신 메커니즘을 사용하여 서로 통신을 </a:t>
-            </a:r>
-            <a:r>
-              <a:rPr lang="ko-KR" altLang="en-US" dirty="0" err="1" smtClean="0"/>
-              <a:t>할수어야</a:t>
-            </a:r>
-            <a:r>
-              <a:rPr lang="ko-KR" altLang="en-US" dirty="0" smtClean="0"/>
+              <a:rPr lang="ko-KR" altLang="en-US" b="1" dirty="0" smtClean="0"/>
+              <a:t>서비스들이 각각 프로세스이고 스케일아웃이 가능한 통신 메커니즘을 사용하여 서로 통신을 </a:t>
+            </a:r>
+            <a:r>
+              <a:rPr lang="ko-KR" altLang="en-US" b="1" dirty="0" err="1" smtClean="0"/>
+              <a:t>할수있어야</a:t>
+            </a:r>
+            <a:r>
+              <a:rPr lang="ko-KR" altLang="en-US" b="1" dirty="0" smtClean="0"/>
               <a:t> 한다</a:t>
             </a:r>
             <a:r>
-              <a:rPr lang="en-US" altLang="ko-KR" dirty="0" smtClean="0"/>
+              <a:rPr lang="en-US" altLang="ko-KR" b="1" dirty="0" smtClean="0"/>
               <a:t>.</a:t>
             </a:r>
           </a:p>
@@ -4205,7 +6828,7 @@
             </a:r>
             <a:r>
               <a:rPr lang="ko-KR" altLang="en-US" dirty="0" smtClean="0"/>
-              <a:t>다른 데이터 저장기술도 </a:t>
+              <a:t>다른 데이터 저장 기술도 </a:t>
             </a:r>
             <a:r>
               <a:rPr lang="ko-KR" altLang="en-US" dirty="0" err="1" smtClean="0"/>
@@ -4218,6 +6841,39 @@
             <a:r>
               <a:rPr lang="en-US" altLang="ko-KR" dirty="0" smtClean="0"/>
               <a:t>.</a:t>
+            </a:r>
+          </a:p>
+          <a:p>
+            <a:pPr>
+              <a:buFont typeface="Arial" pitchFamily="34" charset="0"/>
+              <a:buChar char="•"/>
+            </a:pPr>
+            <a:r>
+              <a:rPr lang="ko-KR" altLang="en-US" dirty="0" smtClean="0"/>
+              <a:t>관리 포인트 증가</a:t>
+            </a:r>
+            <a:endParaRPr lang="en-US" altLang="ko-KR" dirty="0" smtClean="0"/>
+          </a:p>
+          <a:p>
+            <a:pPr>
+              <a:buFont typeface="Arial" pitchFamily="34" charset="0"/>
+              <a:buChar char="•"/>
+            </a:pPr>
+            <a:r>
+              <a:rPr lang="ko-KR" altLang="en-US" dirty="0" err="1" smtClean="0"/>
+              <a:t>서비스에대한</a:t>
+            </a:r>
+            <a:r>
+              <a:rPr lang="ko-KR" altLang="en-US" dirty="0" smtClean="0"/>
+              <a:t> 추가 </a:t>
+            </a:r>
+            <a:r>
+              <a:rPr lang="ko-KR" altLang="en-US" dirty="0" err="1" smtClean="0"/>
+              <a:t>통신처리및</a:t>
+            </a:r>
+            <a:r>
+              <a:rPr lang="ko-KR" altLang="en-US" dirty="0" smtClean="0"/>
+              <a:t> 복잡도 증가</a:t>
             </a:r>
             <a:endParaRPr lang="ko-KR" altLang="en-US" dirty="0"/>
           </a:p>
@@ -4275,15 +6931,7 @@
             </a:r>
             <a:r>
               <a:rPr lang="ko-KR" altLang="en-US" dirty="0" smtClean="0"/>
-              <a:t> </a:t>
-            </a:r>
-            <a:r>
-              <a:rPr lang="ko-KR" altLang="en-US" dirty="0" err="1" smtClean="0"/>
-              <a:t>사용가능한</a:t>
-            </a:r>
-            <a:r>
-              <a:rPr lang="ko-KR" altLang="en-US" dirty="0" smtClean="0"/>
-              <a:t> 통신 </a:t>
+              <a:t> 사용 가능한 통신 </a:t>
             </a:r>
             <a:r>
               <a:rPr lang="ko-KR" altLang="en-US" dirty="0" err="1" smtClean="0"/>
@@ -4310,7 +6958,7 @@
           <a:p>
             <a:r>
               <a:rPr lang="en-US" altLang="ko-KR" dirty="0" smtClean="0"/>
-              <a:t>TCP </a:t>
+              <a:t>TCP Socket </a:t>
             </a:r>
             <a:r>
               <a:rPr lang="en-US" altLang="ko-KR" dirty="0" err="1" smtClean="0"/>
@@ -4346,7 +6994,15 @@
             </a:r>
             <a:r>
               <a:rPr lang="en-US" altLang="ko-KR" dirty="0" smtClean="0"/>
-              <a:t> ( Memory DB)</a:t>
+              <a:t> ( Memory DB, </a:t>
+            </a:r>
+            <a:r>
+              <a:rPr lang="en-US" altLang="ko-KR" dirty="0" err="1" smtClean="0"/>
+              <a:t>PubSub</a:t>
+            </a:r>
+            <a:r>
+              <a:rPr lang="en-US" altLang="ko-KR" dirty="0" smtClean="0"/>
+              <a:t> )</a:t>
             </a:r>
           </a:p>
           <a:p>
@@ -4392,18 +7048,19 @@
             <p:ph type="title"/>
           </p:nvPr>
         </p:nvSpPr>
-        <p:spPr/>
+        <p:spPr>
+          <a:xfrm>
+            <a:off x="565523" y="4869160"/>
+            <a:ext cx="6554867" cy="1524000"/>
+          </a:xfrm>
+        </p:spPr>
         <p:txBody>
           <a:bodyPr/>
           <a:lstStyle/>
           <a:p>
             <a:r>
-              <a:rPr lang="en-US" altLang="ko-KR" dirty="0" err="1" smtClean="0"/>
-              <a:t>Akka</a:t>
-            </a:r>
-            <a:r>
               <a:rPr lang="en-US" altLang="ko-KR" dirty="0" smtClean="0"/>
-              <a:t> system</a:t>
+              <a:t>Actor system</a:t>
             </a:r>
             <a:endParaRPr lang="ko-KR" altLang="en-US" dirty="0"/>
           </a:p>
@@ -4427,7 +7084,7 @@
         </p:blipFill>
         <p:spPr>
           <a:xfrm>
-            <a:off x="714348" y="1357298"/>
+            <a:off x="565523" y="44624"/>
             <a:ext cx="7926870" cy="2143140"/>
           </a:xfrm>
         </p:spPr>
@@ -4448,7 +7105,7 @@
         </p:blipFill>
         <p:spPr>
           <a:xfrm>
-            <a:off x="714348" y="3643314"/>
+            <a:off x="565523" y="2276872"/>
             <a:ext cx="7858180" cy="2857143"/>
           </a:xfrm>
           <a:prstGeom prst="rect">
@@ -4534,15 +7191,15 @@
           </a:p>
           <a:p>
             <a:r>
-              <a:rPr lang="ko-KR" altLang="en-US" dirty="0" err="1" smtClean="0"/>
-              <a:t>상태머신관리</a:t>
+              <a:rPr lang="ko-KR" altLang="en-US" dirty="0" smtClean="0"/>
+              <a:t>상태 머신 관리</a:t>
             </a:r>
             <a:endParaRPr lang="en-US" altLang="ko-KR" dirty="0" smtClean="0"/>
           </a:p>
           <a:p>
             <a:r>
-              <a:rPr lang="ko-KR" altLang="en-US" dirty="0" err="1" smtClean="0"/>
-              <a:t>확장성</a:t>
+              <a:rPr lang="ko-KR" altLang="en-US" dirty="0" smtClean="0"/>
+              <a:t>네트워크 확장성</a:t>
             </a:r>
             <a:endParaRPr lang="en-US" altLang="ko-KR" dirty="0" smtClean="0"/>
           </a:p>
@@ -4617,7 +7274,7 @@
         </p:blipFill>
         <p:spPr>
           <a:xfrm>
-            <a:off x="285720" y="2143116"/>
+            <a:off x="323528" y="1350142"/>
             <a:ext cx="4085540" cy="2714645"/>
           </a:xfrm>
         </p:spPr>
@@ -4638,7 +7295,7 @@
         </p:blipFill>
         <p:spPr>
           <a:xfrm>
-            <a:off x="4500562" y="2143116"/>
+            <a:off x="4572000" y="1387869"/>
             <a:ext cx="4375579" cy="2714644"/>
           </a:xfrm>
           <a:prstGeom prst="rect">
@@ -4714,9 +7371,9 @@
 </file>
 
 <file path=ppt/theme/theme1.xml><?xml version="1.0" encoding="utf-8"?>
-<a:theme xmlns:a="http://schemas.openxmlformats.org/drawingml/2006/main" name="Trek">
+<a:theme xmlns:a="http://schemas.openxmlformats.org/drawingml/2006/main" name="슬라이스">
   <a:themeElements>
-    <a:clrScheme name="Trek">
+    <a:clrScheme name="슬라이스">
       <a:dk1>
         <a:sysClr val="windowText" lastClr="000000"/>
       </a:dk1>
@@ -4724,82 +7381,48 @@
         <a:sysClr val="window" lastClr="FFFFFF"/>
       </a:lt1>
       <a:dk2>
-        <a:srgbClr val="4E3B30"/>
+        <a:srgbClr val="146194"/>
       </a:dk2>
       <a:lt2>
-        <a:srgbClr val="FBEEC9"/>
+        <a:srgbClr val="76DBF4"/>
       </a:lt2>
       <a:accent1>
-        <a:srgbClr val="F0A22E"/>
+        <a:srgbClr val="052F61"/>
       </a:accent1>
       <a:accent2>
-        <a:srgbClr val="A5644E"/>
+        <a:srgbClr val="A50E82"/>
       </a:accent2>
       <a:accent3>
-        <a:srgbClr val="B58B80"/>
+        <a:srgbClr val="14967C"/>
       </a:accent3>
       <a:accent4>
-        <a:srgbClr val="C3986D"/>
+        <a:srgbClr val="6A9E1F"/>
       </a:accent4>
       <a:accent5>
-        <a:srgbClr val="A19574"/>
+        <a:srgbClr val="E87D37"/>
       </a:accent5>
       <a:accent6>
-        <a:srgbClr val="C17529"/>
+        <a:srgbClr val="C62324"/>
       </a:accent6>
       <a:hlink>
-        <a:srgbClr val="AD1F1F"/>
+        <a:srgbClr val="0D2E46"/>
       </a:hlink>
       <a:folHlink>
-        <a:srgbClr val="FFC42F"/>
+        <a:srgbClr val="356A95"/>
       </a:folHlink>
     </a:clrScheme>
-    <a:fontScheme name="Trek">
+    <a:fontScheme name="슬라이스">
       <a:majorFont>
-        <a:latin typeface="Franklin Gothic Medium"/>
+        <a:latin typeface="Century Gothic" panose="020B0502020202020204"/>
         <a:ea typeface=""/>
         <a:cs typeface=""/>
-        <a:font script="Jpan" typeface="HG創英角ｺﾞｼｯｸUB"/>
-        <a:font script="Hang" typeface="돋움"/>
-        <a:font script="Hans" typeface="隶书"/>
+        <a:font script="Jpan" typeface="メイリオ"/>
+        <a:font script="Hang" typeface="HY중고딕"/>
+        <a:font script="Hans" typeface="幼圆"/>
         <a:font script="Hant" typeface="微軟正黑體"/>
         <a:font script="Arab" typeface="Tahoma"/>
-        <a:font script="Hebr" typeface="Aharoni"/>
-        <a:font script="Thai" typeface="LilyUPC"/>
-        <a:font script="Ethi" typeface="Nyala"/>
-        <a:font script="Beng" typeface="Vrinda"/>
-        <a:font script="Gujr" typeface="Shruti"/>
-        <a:font script="Khmr" typeface="DaunPenh"/>
-        <a:font script="Knda" typeface="Tunga"/>
-        <a:font script="Guru" typeface="Raavi"/>
-        <a:font script="Cans" typeface="Euphemia"/>
-        <a:font script="Cher" typeface="Plantagenet Cherokee"/>
-        <a:font script="Yiii" typeface="Microsoft Yi Baiti"/>
-        <a:font script="Tibt" typeface="Microsoft Himalaya"/>
-        <a:font script="Thaa" typeface="MV Boli"/>
-        <a:font script="Deva" typeface="Mangal"/>
-        <a:font script="Telu" typeface="Gautami"/>
-        <a:font script="Taml" typeface="Latha"/>
-        <a:font script="Syrc" typeface="Estrangelo Edessa"/>
-        <a:font script="Orya" typeface="Kalinga"/>
-        <a:font script="Mlym" typeface="Kartika"/>
-        <a:font script="Laoo" typeface="DokChampa"/>
-        <a:font script="Sinh" typeface="Iskoola Pota"/>
-        <a:font script="Mong" typeface="Mongolian Baiti"/>
-        <a:font script="Viet" typeface="Arial"/>
-        <a:font script="Uigh" typeface="Microsoft Uighur"/>
-      </a:majorFont>
-      <a:minorFont>
-        <a:latin typeface="Franklin Gothic Book"/>
-        <a:ea typeface=""/>
-        <a:cs typeface=""/>
-        <a:font script="Jpan" typeface="HGｺﾞｼｯｸE"/>
-        <a:font script="Hang" typeface="돋움"/>
-        <a:font script="Hans" typeface="华文楷体"/>
-        <a:font script="Hant" typeface="微軟正黑體"/>
-        <a:font script="Arab" typeface="Tahoma"/>
-        <a:font script="Hebr" typeface="Aharoni"/>
-        <a:font script="Thai" typeface="LilyUPC"/>
+        <a:font script="Hebr" typeface="Gisha"/>
+        <a:font script="Thai" typeface="DilleniaUPC"/>
         <a:font script="Ethi" typeface="Nyala"/>
         <a:font script="Beng" typeface="Vrinda"/>
         <a:font script="Gujr" typeface="Shruti"/>
@@ -4822,9 +7445,45 @@
         <a:font script="Mong" typeface="Mongolian Baiti"/>
         <a:font script="Viet" typeface="Tahoma"/>
         <a:font script="Uigh" typeface="Microsoft Uighur"/>
+        <a:font script="Geor" typeface="Sylfaen"/>
+      </a:majorFont>
+      <a:minorFont>
+        <a:latin typeface="Century Gothic" panose="020B0502020202020204"/>
+        <a:ea typeface=""/>
+        <a:cs typeface=""/>
+        <a:font script="Jpan" typeface="メイリオ"/>
+        <a:font script="Hang" typeface="HY중고딕"/>
+        <a:font script="Hans" typeface="幼圆"/>
+        <a:font script="Hant" typeface="微軟正黑體"/>
+        <a:font script="Arab" typeface="Tahoma"/>
+        <a:font script="Hebr" typeface="Gisha"/>
+        <a:font script="Thai" typeface="DilleniaUPC"/>
+        <a:font script="Ethi" typeface="Nyala"/>
+        <a:font script="Beng" typeface="Vrinda"/>
+        <a:font script="Gujr" typeface="Shruti"/>
+        <a:font script="Khmr" typeface="DaunPenh"/>
+        <a:font script="Knda" typeface="Tunga"/>
+        <a:font script="Guru" typeface="Raavi"/>
+        <a:font script="Cans" typeface="Euphemia"/>
+        <a:font script="Cher" typeface="Plantagenet Cherokee"/>
+        <a:font script="Yiii" typeface="Microsoft Yi Baiti"/>
+        <a:font script="Tibt" typeface="Microsoft Himalaya"/>
+        <a:font script="Thaa" typeface="MV Boli"/>
+        <a:font script="Deva" typeface="Mangal"/>
+        <a:font script="Telu" typeface="Gautami"/>
+        <a:font script="Taml" typeface="Latha"/>
+        <a:font script="Syrc" typeface="Estrangelo Edessa"/>
+        <a:font script="Orya" typeface="Kalinga"/>
+        <a:font script="Mlym" typeface="Kartika"/>
+        <a:font script="Laoo" typeface="DokChampa"/>
+        <a:font script="Sinh" typeface="Iskoola Pota"/>
+        <a:font script="Mong" typeface="Mongolian Baiti"/>
+        <a:font script="Viet" typeface="Tahoma"/>
+        <a:font script="Uigh" typeface="Microsoft Uighur"/>
+        <a:font script="Geor" typeface="Sylfaen"/>
       </a:minorFont>
     </a:fontScheme>
-    <a:fmtScheme name="Trek">
+    <a:fmtScheme name="슬라이스">
       <a:fillStyleLst>
         <a:solidFill>
           <a:schemeClr val="phClr"/>
@@ -4833,87 +7492,61 @@
           <a:gsLst>
             <a:gs pos="0">
               <a:schemeClr val="phClr">
-                <a:tint val="30000"/>
-                <a:satMod val="250000"/>
-              </a:schemeClr>
-            </a:gs>
-            <a:gs pos="72000">
-              <a:schemeClr val="phClr">
-                <a:tint val="75000"/>
-                <a:satMod val="210000"/>
+                <a:tint val="62000"/>
+                <a:hueMod val="94000"/>
+                <a:satMod val="140000"/>
+                <a:lumMod val="110000"/>
               </a:schemeClr>
             </a:gs>
             <a:gs pos="100000">
               <a:schemeClr val="phClr">
-                <a:tint val="85000"/>
-                <a:satMod val="210000"/>
+                <a:tint val="84000"/>
+                <a:satMod val="160000"/>
               </a:schemeClr>
             </a:gs>
           </a:gsLst>
-          <a:lin ang="5400000" scaled="1"/>
+          <a:lin ang="5400000" scaled="0"/>
         </a:gradFill>
         <a:gradFill rotWithShape="1">
           <a:gsLst>
             <a:gs pos="0">
               <a:schemeClr val="phClr">
-                <a:tint val="75000"/>
-                <a:shade val="85000"/>
-                <a:satMod val="230000"/>
-              </a:schemeClr>
-            </a:gs>
-            <a:gs pos="25000">
-              <a:schemeClr val="phClr">
-                <a:tint val="90000"/>
-                <a:shade val="70000"/>
-                <a:satMod val="220000"/>
-              </a:schemeClr>
-            </a:gs>
-            <a:gs pos="50000">
-              <a:schemeClr val="phClr">
-                <a:tint val="90000"/>
-                <a:shade val="58000"/>
-                <a:satMod val="225000"/>
-              </a:schemeClr>
-            </a:gs>
-            <a:gs pos="65000">
-              <a:schemeClr val="phClr">
-                <a:tint val="90000"/>
-                <a:shade val="58000"/>
-                <a:satMod val="225000"/>
-              </a:schemeClr>
-            </a:gs>
-            <a:gs pos="80000">
-              <a:schemeClr val="phClr">
-                <a:tint val="90000"/>
-                <a:shade val="69000"/>
-                <a:satMod val="220000"/>
+                <a:tint val="98000"/>
+                <a:hueMod val="94000"/>
+                <a:satMod val="130000"/>
+                <a:lumMod val="138000"/>
               </a:schemeClr>
             </a:gs>
             <a:gs pos="100000">
               <a:schemeClr val="phClr">
-                <a:tint val="77000"/>
-                <a:shade val="80000"/>
-                <a:satMod val="230000"/>
+                <a:shade val="94000"/>
+                <a:lumMod val="88000"/>
               </a:schemeClr>
             </a:gs>
           </a:gsLst>
-          <a:lin ang="5400000" scaled="1"/>
+          <a:lin ang="5400000" scaled="0"/>
         </a:gradFill>
       </a:fillStyleLst>
       <a:lnStyleLst>
-        <a:ln w="10000" cap="flat" cmpd="sng" algn="ctr">
+        <a:ln w="9525" cap="rnd" cmpd="sng" algn="ctr">
           <a:solidFill>
-            <a:schemeClr val="phClr"/>
+            <a:schemeClr val="phClr">
+              <a:tint val="76000"/>
+              <a:alpha val="60000"/>
+              <a:hueMod val="94000"/>
+            </a:schemeClr>
           </a:solidFill>
           <a:prstDash val="solid"/>
         </a:ln>
-        <a:ln w="25400" cap="flat" cmpd="sng" algn="ctr">
+        <a:ln w="12700" cap="rnd" cmpd="sng" algn="ctr">
           <a:solidFill>
-            <a:schemeClr val="phClr"/>
+            <a:schemeClr val="phClr">
+              <a:hueMod val="94000"/>
+            </a:schemeClr>
           </a:solidFill>
           <a:prstDash val="solid"/>
         </a:ln>
-        <a:ln w="38100" cap="flat" cmpd="sng" algn="ctr">
+        <a:ln w="28575" cap="rnd" cmpd="sng" algn="ctr">
           <a:solidFill>
             <a:schemeClr val="phClr"/>
           </a:solidFill>
@@ -4922,19 +7555,22 @@
       </a:lnStyleLst>
       <a:effectStyleLst>
         <a:effectStyle>
+          <a:effectLst/>
+        </a:effectStyle>
+        <a:effectStyle>
           <a:effectLst>
-            <a:outerShdw blurRad="76200" dist="50800" dir="5400000" rotWithShape="0">
-              <a:srgbClr val="4E3B30">
-                <a:alpha val="60000"/>
+            <a:innerShdw blurRad="25400" dist="12700" dir="13500000">
+              <a:srgbClr val="000000">
+                <a:alpha val="45000"/>
               </a:srgbClr>
-            </a:outerShdw>
+            </a:innerShdw>
           </a:effectLst>
         </a:effectStyle>
         <a:effectStyle>
           <a:effectLst>
-            <a:outerShdw blurRad="76200" dist="50800" dir="5400000" rotWithShape="0">
-              <a:srgbClr val="4E3B30">
-                <a:alpha val="60000"/>
+            <a:outerShdw blurRad="50800" dist="38100" dir="5400000" rotWithShape="0">
+              <a:srgbClr val="000000">
+                <a:alpha val="46000"/>
               </a:srgbClr>
             </a:outerShdw>
           </a:effectLst>
@@ -4942,38 +7578,10 @@
             <a:camera prst="orthographicFront">
               <a:rot lat="0" lon="0" rev="0"/>
             </a:camera>
-            <a:lightRig rig="threePt" dir="tl">
-              <a:rot lat="0" lon="0" rev="0"/>
-            </a:lightRig>
+            <a:lightRig rig="threePt" dir="t"/>
           </a:scene3d>
-          <a:sp3d prstMaterial="metal">
-            <a:bevelT w="10000" h="10000"/>
-          </a:sp3d>
-        </a:effectStyle>
-        <a:effectStyle>
-          <a:effectLst>
-            <a:outerShdw blurRad="76200" dist="50800" dir="5400000" rotWithShape="0">
-              <a:srgbClr val="4E3B30">
-                <a:alpha val="60000"/>
-              </a:srgbClr>
-            </a:outerShdw>
-          </a:effectLst>
-          <a:scene3d>
-            <a:camera prst="obliqueTopLeft" fov="600000">
-              <a:rot lat="0" lon="0" rev="0"/>
-            </a:camera>
-            <a:lightRig rig="balanced" dir="t">
-              <a:rot lat="0" lon="0" rev="19200000"/>
-            </a:lightRig>
-          </a:scene3d>
-          <a:sp3d contourW="12700" prstMaterial="matte">
-            <a:bevelT w="60000" h="50800"/>
-            <a:contourClr>
-              <a:schemeClr val="phClr">
-                <a:shade val="60000"/>
-                <a:satMod val="110000"/>
-              </a:schemeClr>
-            </a:contourClr>
+          <a:sp3d prstMaterial="plastic">
+            <a:bevelT w="25400" h="25400"/>
           </a:sp3d>
         </a:effectStyle>
       </a:effectStyleLst>
@@ -4981,42 +7589,57 @@
         <a:solidFill>
           <a:schemeClr val="phClr"/>
         </a:solidFill>
-        <a:blipFill>
-          <a:blip xmlns:r="http://schemas.openxmlformats.org/officeDocument/2006/relationships" r:embed="rId1">
-            <a:duotone>
+        <a:gradFill rotWithShape="1">
+          <a:gsLst>
+            <a:gs pos="10000">
               <a:schemeClr val="phClr">
-                <a:shade val="90000"/>
-                <a:satMod val="150000"/>
+                <a:tint val="97000"/>
+                <a:hueMod val="92000"/>
+                <a:satMod val="169000"/>
+                <a:lumMod val="164000"/>
               </a:schemeClr>
+            </a:gs>
+            <a:gs pos="100000">
               <a:schemeClr val="phClr">
-                <a:tint val="88000"/>
-                <a:satMod val="105000"/>
+                <a:shade val="96000"/>
+                <a:satMod val="120000"/>
+                <a:lumMod val="90000"/>
               </a:schemeClr>
-            </a:duotone>
-          </a:blip>
-          <a:tile tx="0" ty="0" sx="95000" sy="95000" flip="none" algn="t"/>
-        </a:blipFill>
-        <a:blipFill>
-          <a:blip xmlns:r="http://schemas.openxmlformats.org/officeDocument/2006/relationships" r:embed="rId2">
-            <a:duotone>
+            </a:gs>
+          </a:gsLst>
+          <a:lin ang="6120000" scaled="1"/>
+        </a:gradFill>
+        <a:gradFill rotWithShape="1">
+          <a:gsLst>
+            <a:gs pos="0">
               <a:schemeClr val="phClr">
-                <a:shade val="30000"/>
-                <a:satMod val="455000"/>
+                <a:tint val="97000"/>
+                <a:hueMod val="92000"/>
+                <a:satMod val="169000"/>
+                <a:lumMod val="164000"/>
               </a:schemeClr>
+            </a:gs>
+            <a:gs pos="100000">
               <a:schemeClr val="phClr">
-                <a:tint val="95000"/>
+                <a:shade val="96000"/>
                 <a:satMod val="120000"/>
+                <a:lumMod val="90000"/>
               </a:schemeClr>
-            </a:duotone>
-          </a:blip>
-          <a:stretch>
-            <a:fillRect/>
-          </a:stretch>
-        </a:blipFill>
+            </a:gs>
+          </a:gsLst>
+          <a:path path="circle">
+            <a:fillToRect b="100000"/>
+          </a:path>
+        </a:gradFill>
       </a:bgFillStyleLst>
     </a:fmtScheme>
   </a:themeElements>
   <a:objectDefaults/>
   <a:extraClrSchemeLst/>
+  <a:extLst>
+    <a:ext uri="{05A4C25C-085E-4340-85A3-A5531E510DB2}">
+      <thm15:themeFamily xmlns:thm15="http://schemas.microsoft.com/office/thememl/2012/main" name="Slice" id="{0507925B-6AC9-4358-8E18-C330545D08F8}" vid="{13FEC7C6-62A9-40C4-99D2-581AACACAA2F}"/>
+    </a:ext>
+  </a:extLst>
 </a:theme>
 </file>
--- a/AkkaForMicroService.pptx
+++ b/AkkaForMicroService.pptx
@@ -5894,14 +5894,10 @@
             </a:r>
             <a:r>
               <a:rPr lang="ko-KR" altLang="en-US" dirty="0" smtClean="0"/>
-              <a:t>의 형태소 </a:t>
-            </a:r>
-            <a:r>
-              <a:rPr lang="ko-KR" altLang="en-US" smtClean="0"/>
-              <a:t>분석 </a:t>
-            </a:r>
-            <a:r>
-              <a:rPr lang="ko-KR" altLang="en-US" smtClean="0"/>
+              <a:t>의 형태소 분석 </a:t>
+            </a:r>
+            <a:r>
+              <a:rPr lang="ko-KR" altLang="en-US" dirty="0" smtClean="0"/>
               <a:t>서비스 사용</a:t>
             </a:r>
             <a:endParaRPr lang="en-US" altLang="ko-KR" dirty="0" smtClean="0"/>
@@ -6097,15 +6093,45 @@
             </a:r>
             <a:r>
               <a:rPr lang="en-US" altLang="ko-KR" dirty="0" smtClean="0"/>
-              <a:t> (AKKA (JAVA OR SCALA) )</a:t>
-            </a:r>
-          </a:p>
-          <a:p>
+              <a:t> (AKKA (JAVA OR SCALA) </a:t>
+            </a:r>
+            <a:r>
+              <a:rPr lang="en-US" altLang="ko-KR" dirty="0" smtClean="0"/>
+              <a:t>)</a:t>
+            </a:r>
+          </a:p>
+          <a:p>
+            <a:r>
+              <a:rPr lang="en-US" altLang="ko-KR" dirty="0">
+                <a:hlinkClick r:id="rId4"/>
+              </a:rPr>
+              <a:t>https://</a:t>
+            </a:r>
             <a:r>
               <a:rPr lang="en-US" altLang="ko-KR" dirty="0" smtClean="0">
                 <a:hlinkClick r:id="rId4"/>
               </a:rPr>
-              <a:t>https://github.com/petabridge/akkadotnet-code-samples/tree/master/Cluster.WebCrawler</a:t>
+              <a:t>github.com/psmon/AkkaForMicroService</a:t>
+            </a:r>
+            <a:r>
+              <a:rPr lang="en-US" altLang="ko-KR" dirty="0" smtClean="0"/>
+              <a:t> (</a:t>
+            </a:r>
+            <a:r>
+              <a:rPr lang="ko-KR" altLang="en-US" dirty="0" smtClean="0"/>
+              <a:t>이 강의에 </a:t>
+            </a:r>
+            <a:r>
+              <a:rPr lang="ko-KR" altLang="en-US" dirty="0" err="1" smtClean="0"/>
+              <a:t>언급된샘플</a:t>
+            </a:r>
+            <a:r>
+              <a:rPr lang="ko-KR" altLang="en-US" dirty="0" smtClean="0"/>
+              <a:t> 코드</a:t>
+            </a:r>
+            <a:r>
+              <a:rPr lang="en-US" altLang="ko-KR" dirty="0" smtClean="0"/>
+              <a:t>)</a:t>
             </a:r>
             <a:endParaRPr lang="en-US" altLang="ko-KR" dirty="0" smtClean="0"/>
           </a:p>
@@ -6114,20 +6140,17 @@
               <a:rPr lang="en-US" altLang="ko-KR" dirty="0" smtClean="0">
                 <a:hlinkClick r:id="rId5"/>
               </a:rPr>
-              <a:t>https://github.com/psmon/TopicEventBus</a:t>
-            </a:r>
-            <a:endParaRPr lang="en-US" altLang="ko-KR" dirty="0" smtClean="0"/>
-          </a:p>
-          <a:p>
+              <a:t>https</a:t>
+            </a:r>
             <a:r>
               <a:rPr lang="en-US" altLang="ko-KR" dirty="0">
-                <a:hlinkClick r:id="rId6"/>
+                <a:hlinkClick r:id="rId5"/>
               </a:rPr>
-              <a:t>https://</a:t>
+              <a:t>://</a:t>
             </a:r>
             <a:r>
               <a:rPr lang="en-US" altLang="ko-KR" dirty="0" smtClean="0">
-                <a:hlinkClick r:id="rId6"/>
+                <a:hlinkClick r:id="rId5"/>
               </a:rPr>
               <a:t>github.com/psmon/psmonSearch/tree/master/playWordParser</a:t>
             </a:r>
